--- a/Presentation/Battleship game project - Module 1 Eric x Ting.pptx
+++ b/Presentation/Battleship game project - Module 1 Eric x Ting.pptx
@@ -1,38 +1,38 @@
 
 <file path=ppt/presentation.xml><?xml version="1.0" encoding="utf-8"?>
-<p:presentation xmlns:a="http://schemas.openxmlformats.org/drawingml/2006/main" xmlns:r="http://schemas.openxmlformats.org/officeDocument/2006/relationships" xmlns:mc="http://schemas.openxmlformats.org/markup-compatibility/2006" xmlns:mv="urn:schemas-microsoft-com:mac:vml" xmlns:p="http://schemas.openxmlformats.org/presentationml/2006/main" xmlns:c="http://schemas.openxmlformats.org/drawingml/2006/chart" xmlns:dgm="http://schemas.openxmlformats.org/drawingml/2006/diagram" xmlns:o="urn:schemas-microsoft-com:office:office" xmlns:v="urn:schemas-microsoft-com:vml" xmlns:pvml="urn:schemas-microsoft-com:office:powerpoint" xmlns:com="http://schemas.openxmlformats.org/drawingml/2006/compatibility" xmlns:p14="http://schemas.microsoft.com/office/powerpoint/2010/main" xmlns:p15="http://schemas.microsoft.com/office/powerpoint/2012/main" xmlns:ahyp="http://schemas.microsoft.com/office/drawing/2018/hyperlinkcolor" autoCompressPictures="0" embedTrueTypeFonts="1" strictFirstAndLastChars="0" saveSubsetFonts="1">
+<p:presentation xmlns:a="http://schemas.openxmlformats.org/drawingml/2006/main" xmlns:r="http://schemas.openxmlformats.org/officeDocument/2006/relationships" xmlns:p="http://schemas.openxmlformats.org/presentationml/2006/main" strictFirstAndLastChars="0" embedTrueTypeFonts="1" saveSubsetFonts="1" autoCompressPictures="0">
   <p:sldMasterIdLst>
-    <p:sldMasterId id="2147483659" r:id="rId4"/>
+    <p:sldMasterId id="2147483659" r:id="rId1"/>
   </p:sldMasterIdLst>
   <p:notesMasterIdLst>
-    <p:notesMasterId r:id="rId5"/>
+    <p:notesMasterId r:id="rId9"/>
   </p:notesMasterIdLst>
   <p:sldIdLst>
-    <p:sldId id="256" r:id="rId6"/>
-    <p:sldId id="257" r:id="rId7"/>
-    <p:sldId id="258" r:id="rId8"/>
-    <p:sldId id="259" r:id="rId9"/>
-    <p:sldId id="260" r:id="rId10"/>
-    <p:sldId id="261" r:id="rId11"/>
-    <p:sldId id="262" r:id="rId12"/>
+    <p:sldId id="256" r:id="rId2"/>
+    <p:sldId id="257" r:id="rId3"/>
+    <p:sldId id="258" r:id="rId4"/>
+    <p:sldId id="259" r:id="rId5"/>
+    <p:sldId id="260" r:id="rId6"/>
+    <p:sldId id="261" r:id="rId7"/>
+    <p:sldId id="262" r:id="rId8"/>
   </p:sldIdLst>
-  <p:sldSz cy="5143500" cx="9144000"/>
+  <p:sldSz cx="9144000" cy="5143500" type="screen16x9"/>
   <p:notesSz cx="6858000" cy="9144000"/>
   <p:embeddedFontLst>
     <p:embeddedFont>
-      <p:font typeface="Old Standard TT"/>
+      <p:font typeface="Old Standard TT" pitchFamily="2" charset="77"/>
+      <p:regular r:id="rId10"/>
+      <p:bold r:id="rId11"/>
+      <p:italic r:id="rId12"/>
+    </p:embeddedFont>
+    <p:embeddedFont>
+      <p:font typeface="Oswald" pitchFamily="2" charset="77"/>
       <p:regular r:id="rId13"/>
       <p:bold r:id="rId14"/>
-      <p:italic r:id="rId15"/>
-    </p:embeddedFont>
-    <p:embeddedFont>
-      <p:font typeface="Oswald"/>
-      <p:regular r:id="rId16"/>
-      <p:bold r:id="rId17"/>
     </p:embeddedFont>
   </p:embeddedFontLst>
   <p:defaultTextStyle>
-    <a:defPPr lvl="0" marR="0" rtl="0" algn="l">
+    <a:defPPr marR="0" lvl="0" algn="l" rtl="0">
       <a:lnSpc>
         <a:spcPct val="100000"/>
       </a:lnSpc>
@@ -43,7 +43,7 @@
         <a:spcPts val="0"/>
       </a:spcAft>
     </a:defPPr>
-    <a:lvl1pPr lvl="0" marR="0" rtl="0" algn="l">
+    <a:lvl1pPr marR="0" lvl="0" algn="l" rtl="0">
       <a:lnSpc>
         <a:spcPct val="100000"/>
       </a:lnSpc>
@@ -57,7 +57,7 @@
         <a:srgbClr val="000000"/>
       </a:buClr>
       <a:buFont typeface="Arial"/>
-      <a:defRPr b="0" i="0" sz="1400" u="none" cap="none" strike="noStrike">
+      <a:defRPr sz="1400" b="0" i="0" u="none" strike="noStrike" cap="none">
         <a:solidFill>
           <a:srgbClr val="000000"/>
         </a:solidFill>
@@ -67,7 +67,7 @@
         <a:sym typeface="Arial"/>
       </a:defRPr>
     </a:lvl1pPr>
-    <a:lvl2pPr lvl="1" marR="0" rtl="0" algn="l">
+    <a:lvl2pPr marR="0" lvl="1" algn="l" rtl="0">
       <a:lnSpc>
         <a:spcPct val="100000"/>
       </a:lnSpc>
@@ -81,7 +81,7 @@
         <a:srgbClr val="000000"/>
       </a:buClr>
       <a:buFont typeface="Arial"/>
-      <a:defRPr b="0" i="0" sz="1400" u="none" cap="none" strike="noStrike">
+      <a:defRPr sz="1400" b="0" i="0" u="none" strike="noStrike" cap="none">
         <a:solidFill>
           <a:srgbClr val="000000"/>
         </a:solidFill>
@@ -91,7 +91,7 @@
         <a:sym typeface="Arial"/>
       </a:defRPr>
     </a:lvl2pPr>
-    <a:lvl3pPr lvl="2" marR="0" rtl="0" algn="l">
+    <a:lvl3pPr marR="0" lvl="2" algn="l" rtl="0">
       <a:lnSpc>
         <a:spcPct val="100000"/>
       </a:lnSpc>
@@ -105,7 +105,7 @@
         <a:srgbClr val="000000"/>
       </a:buClr>
       <a:buFont typeface="Arial"/>
-      <a:defRPr b="0" i="0" sz="1400" u="none" cap="none" strike="noStrike">
+      <a:defRPr sz="1400" b="0" i="0" u="none" strike="noStrike" cap="none">
         <a:solidFill>
           <a:srgbClr val="000000"/>
         </a:solidFill>
@@ -115,7 +115,7 @@
         <a:sym typeface="Arial"/>
       </a:defRPr>
     </a:lvl3pPr>
-    <a:lvl4pPr lvl="3" marR="0" rtl="0" algn="l">
+    <a:lvl4pPr marR="0" lvl="3" algn="l" rtl="0">
       <a:lnSpc>
         <a:spcPct val="100000"/>
       </a:lnSpc>
@@ -129,7 +129,7 @@
         <a:srgbClr val="000000"/>
       </a:buClr>
       <a:buFont typeface="Arial"/>
-      <a:defRPr b="0" i="0" sz="1400" u="none" cap="none" strike="noStrike">
+      <a:defRPr sz="1400" b="0" i="0" u="none" strike="noStrike" cap="none">
         <a:solidFill>
           <a:srgbClr val="000000"/>
         </a:solidFill>
@@ -139,7 +139,7 @@
         <a:sym typeface="Arial"/>
       </a:defRPr>
     </a:lvl4pPr>
-    <a:lvl5pPr lvl="4" marR="0" rtl="0" algn="l">
+    <a:lvl5pPr marR="0" lvl="4" algn="l" rtl="0">
       <a:lnSpc>
         <a:spcPct val="100000"/>
       </a:lnSpc>
@@ -153,7 +153,7 @@
         <a:srgbClr val="000000"/>
       </a:buClr>
       <a:buFont typeface="Arial"/>
-      <a:defRPr b="0" i="0" sz="1400" u="none" cap="none" strike="noStrike">
+      <a:defRPr sz="1400" b="0" i="0" u="none" strike="noStrike" cap="none">
         <a:solidFill>
           <a:srgbClr val="000000"/>
         </a:solidFill>
@@ -163,7 +163,7 @@
         <a:sym typeface="Arial"/>
       </a:defRPr>
     </a:lvl5pPr>
-    <a:lvl6pPr lvl="5" marR="0" rtl="0" algn="l">
+    <a:lvl6pPr marR="0" lvl="5" algn="l" rtl="0">
       <a:lnSpc>
         <a:spcPct val="100000"/>
       </a:lnSpc>
@@ -177,7 +177,7 @@
         <a:srgbClr val="000000"/>
       </a:buClr>
       <a:buFont typeface="Arial"/>
-      <a:defRPr b="0" i="0" sz="1400" u="none" cap="none" strike="noStrike">
+      <a:defRPr sz="1400" b="0" i="0" u="none" strike="noStrike" cap="none">
         <a:solidFill>
           <a:srgbClr val="000000"/>
         </a:solidFill>
@@ -187,7 +187,7 @@
         <a:sym typeface="Arial"/>
       </a:defRPr>
     </a:lvl6pPr>
-    <a:lvl7pPr lvl="6" marR="0" rtl="0" algn="l">
+    <a:lvl7pPr marR="0" lvl="6" algn="l" rtl="0">
       <a:lnSpc>
         <a:spcPct val="100000"/>
       </a:lnSpc>
@@ -201,7 +201,7 @@
         <a:srgbClr val="000000"/>
       </a:buClr>
       <a:buFont typeface="Arial"/>
-      <a:defRPr b="0" i="0" sz="1400" u="none" cap="none" strike="noStrike">
+      <a:defRPr sz="1400" b="0" i="0" u="none" strike="noStrike" cap="none">
         <a:solidFill>
           <a:srgbClr val="000000"/>
         </a:solidFill>
@@ -211,7 +211,7 @@
         <a:sym typeface="Arial"/>
       </a:defRPr>
     </a:lvl7pPr>
-    <a:lvl8pPr lvl="7" marR="0" rtl="0" algn="l">
+    <a:lvl8pPr marR="0" lvl="7" algn="l" rtl="0">
       <a:lnSpc>
         <a:spcPct val="100000"/>
       </a:lnSpc>
@@ -225,7 +225,7 @@
         <a:srgbClr val="000000"/>
       </a:buClr>
       <a:buFont typeface="Arial"/>
-      <a:defRPr b="0" i="0" sz="1400" u="none" cap="none" strike="noStrike">
+      <a:defRPr sz="1400" b="0" i="0" u="none" strike="noStrike" cap="none">
         <a:solidFill>
           <a:srgbClr val="000000"/>
         </a:solidFill>
@@ -235,7 +235,7 @@
         <a:sym typeface="Arial"/>
       </a:defRPr>
     </a:lvl8pPr>
-    <a:lvl9pPr lvl="8" marR="0" rtl="0" algn="l">
+    <a:lvl9pPr marR="0" lvl="8" algn="l" rtl="0">
       <a:lnSpc>
         <a:spcPct val="100000"/>
       </a:lnSpc>
@@ -249,7 +249,7 @@
         <a:srgbClr val="000000"/>
       </a:buClr>
       <a:buFont typeface="Arial"/>
-      <a:defRPr b="0" i="0" sz="1400" u="none" cap="none" strike="noStrike">
+      <a:defRPr sz="1400" b="0" i="0" u="none" strike="noStrike" cap="none">
         <a:solidFill>
           <a:srgbClr val="000000"/>
         </a:solidFill>
@@ -262,7 +262,7 @@
   </p:defaultTextStyle>
   <p:extLst>
     <p:ext uri="{EFAFB233-063F-42B5-8137-9DF3F51BA10A}">
-      <p15:sldGuideLst>
+      <p15:sldGuideLst xmlns:p15="http://schemas.microsoft.com/office/powerpoint/2012/main">
         <p15:guide id="1" orient="horz" pos="1620">
           <p15:clr>
             <a:srgbClr val="A4A3A4"/>
@@ -280,11 +280,16 @@
 </file>
 
 <file path=ppt/notesMasters/notesMaster1.xml><?xml version="1.0" encoding="utf-8"?>
-<p:notesMaster xmlns:a="http://schemas.openxmlformats.org/drawingml/2006/main" xmlns:r="http://schemas.openxmlformats.org/officeDocument/2006/relationships" xmlns:mc="http://schemas.openxmlformats.org/markup-compatibility/2006" xmlns:mv="urn:schemas-microsoft-com:mac:vml" xmlns:p="http://schemas.openxmlformats.org/presentationml/2006/main" xmlns:c="http://schemas.openxmlformats.org/drawingml/2006/chart" xmlns:dgm="http://schemas.openxmlformats.org/drawingml/2006/diagram" xmlns:o="urn:schemas-microsoft-com:office:office" xmlns:v="urn:schemas-microsoft-com:vml" xmlns:pvml="urn:schemas-microsoft-com:office:powerpoint" xmlns:com="http://schemas.openxmlformats.org/drawingml/2006/compatibility" xmlns:p14="http://schemas.microsoft.com/office/powerpoint/2010/main" xmlns:p15="http://schemas.microsoft.com/office/powerpoint/2012/main" xmlns:ahyp="http://schemas.microsoft.com/office/drawing/2018/hyperlinkcolor">
+<p:notesMaster xmlns:a="http://schemas.openxmlformats.org/drawingml/2006/main" xmlns:r="http://schemas.openxmlformats.org/officeDocument/2006/relationships" xmlns:p="http://schemas.openxmlformats.org/presentationml/2006/main">
   <p:cSld>
+    <p:bg>
+      <p:bgRef idx="1001">
+        <a:schemeClr val="bg1"/>
+      </p:bgRef>
+    </p:bg>
     <p:spTree>
       <p:nvGrpSpPr>
-        <p:cNvPr id="2" name="Shape 2"/>
+        <p:cNvPr id="1" name="Shape 2"/>
         <p:cNvGrpSpPr/>
         <p:nvPr/>
       </p:nvGrpSpPr>
@@ -299,9 +304,11 @@
       <p:sp>
         <p:nvSpPr>
           <p:cNvPr id="3" name="Google Shape;3;n"/>
-          <p:cNvSpPr/>
+          <p:cNvSpPr>
+            <a:spLocks noGrp="1" noRot="1" noChangeAspect="1"/>
+          </p:cNvSpPr>
           <p:nvPr>
-            <p:ph idx="2" type="sldImg"/>
+            <p:ph type="sldImg" idx="2"/>
           </p:nvPr>
         </p:nvSpPr>
         <p:spPr>
@@ -310,9 +317,13 @@
             <a:ext cx="6096075" cy="3429000"/>
           </a:xfrm>
           <a:custGeom>
-            <a:rect b="b" l="l" r="r" t="t"/>
+            <a:avLst/>
+            <a:gdLst/>
+            <a:ahLst/>
+            <a:cxnLst/>
+            <a:rect l="l" t="t" r="r" b="b"/>
             <a:pathLst>
-              <a:path extrusionOk="0" h="120000" w="120000">
+              <a:path w="120000" h="120000" extrusionOk="0">
                 <a:moveTo>
                   <a:pt x="0" y="0"/>
                 </a:moveTo>
@@ -330,23 +341,25 @@
             </a:pathLst>
           </a:custGeom>
           <a:noFill/>
-          <a:ln cap="flat" cmpd="sng" w="9525">
+          <a:ln w="9525" cap="flat" cmpd="sng">
             <a:solidFill>
               <a:srgbClr val="000000"/>
             </a:solidFill>
             <a:prstDash val="solid"/>
             <a:round/>
-            <a:headEnd len="sm" w="sm" type="none"/>
-            <a:tailEnd len="sm" w="sm" type="none"/>
+            <a:headEnd type="none" w="sm" len="sm"/>
+            <a:tailEnd type="none" w="sm" len="sm"/>
           </a:ln>
         </p:spPr>
       </p:sp>
       <p:sp>
         <p:nvSpPr>
           <p:cNvPr id="4" name="Google Shape;4;n"/>
-          <p:cNvSpPr txBox="1"/>
+          <p:cNvSpPr txBox="1">
+            <a:spLocks noGrp="1"/>
+          </p:cNvSpPr>
           <p:nvPr>
-            <p:ph idx="1" type="body"/>
+            <p:ph type="body" idx="1"/>
           </p:nvPr>
         </p:nvSpPr>
         <p:spPr>
@@ -363,11 +376,11 @@
           </a:ln>
         </p:spPr>
         <p:txBody>
-          <a:bodyPr anchorCtr="0" anchor="t" bIns="91425" lIns="91425" spcFirstLastPara="1" rIns="91425" wrap="square" tIns="91425">
+          <a:bodyPr spcFirstLastPara="1" wrap="square" lIns="91425" tIns="91425" rIns="91425" bIns="91425" anchor="t" anchorCtr="0">
             <a:noAutofit/>
           </a:bodyPr>
           <a:lstStyle>
-            <a:lvl1pPr indent="-298450" lvl="0" marL="457200">
+            <a:lvl1pPr marL="457200" lvl="0" indent="-298450">
               <a:spcBef>
                 <a:spcPts val="0"/>
               </a:spcBef>
@@ -378,7 +391,7 @@
               <a:buChar char="●"/>
               <a:defRPr sz="1100"/>
             </a:lvl1pPr>
-            <a:lvl2pPr indent="-298450" lvl="1" marL="914400">
+            <a:lvl2pPr marL="914400" lvl="1" indent="-298450">
               <a:spcBef>
                 <a:spcPts val="0"/>
               </a:spcBef>
@@ -389,7 +402,7 @@
               <a:buChar char="○"/>
               <a:defRPr sz="1100"/>
             </a:lvl2pPr>
-            <a:lvl3pPr indent="-298450" lvl="2" marL="1371600">
+            <a:lvl3pPr marL="1371600" lvl="2" indent="-298450">
               <a:spcBef>
                 <a:spcPts val="0"/>
               </a:spcBef>
@@ -400,7 +413,7 @@
               <a:buChar char="■"/>
               <a:defRPr sz="1100"/>
             </a:lvl3pPr>
-            <a:lvl4pPr indent="-298450" lvl="3" marL="1828800">
+            <a:lvl4pPr marL="1828800" lvl="3" indent="-298450">
               <a:spcBef>
                 <a:spcPts val="0"/>
               </a:spcBef>
@@ -411,7 +424,7 @@
               <a:buChar char="●"/>
               <a:defRPr sz="1100"/>
             </a:lvl4pPr>
-            <a:lvl5pPr indent="-298450" lvl="4" marL="2286000">
+            <a:lvl5pPr marL="2286000" lvl="4" indent="-298450">
               <a:spcBef>
                 <a:spcPts val="0"/>
               </a:spcBef>
@@ -422,7 +435,7 @@
               <a:buChar char="○"/>
               <a:defRPr sz="1100"/>
             </a:lvl5pPr>
-            <a:lvl6pPr indent="-298450" lvl="5" marL="2743200">
+            <a:lvl6pPr marL="2743200" lvl="5" indent="-298450">
               <a:spcBef>
                 <a:spcPts val="0"/>
               </a:spcBef>
@@ -433,7 +446,7 @@
               <a:buChar char="■"/>
               <a:defRPr sz="1100"/>
             </a:lvl6pPr>
-            <a:lvl7pPr indent="-298450" lvl="6" marL="3200400">
+            <a:lvl7pPr marL="3200400" lvl="6" indent="-298450">
               <a:spcBef>
                 <a:spcPts val="0"/>
               </a:spcBef>
@@ -444,7 +457,7 @@
               <a:buChar char="●"/>
               <a:defRPr sz="1100"/>
             </a:lvl7pPr>
-            <a:lvl8pPr indent="-298450" lvl="7" marL="3657600">
+            <a:lvl8pPr marL="3657600" lvl="7" indent="-298450">
               <a:spcBef>
                 <a:spcPts val="0"/>
               </a:spcBef>
@@ -455,7 +468,7 @@
               <a:buChar char="○"/>
               <a:defRPr sz="1100"/>
             </a:lvl8pPr>
-            <a:lvl9pPr indent="-298450" lvl="8" marL="4114800">
+            <a:lvl9pPr marL="4114800" lvl="8" indent="-298450">
               <a:spcBef>
                 <a:spcPts val="0"/>
               </a:spcBef>
@@ -467,14 +480,16 @@
               <a:defRPr sz="1100"/>
             </a:lvl9pPr>
           </a:lstStyle>
-          <a:p/>
+          <a:p>
+            <a:endParaRPr/>
+          </a:p>
         </p:txBody>
       </p:sp>
     </p:spTree>
   </p:cSld>
-  <p:clrMap accent1="accent1" accent2="accent2" accent3="accent3" accent4="accent4" accent5="accent5" accent6="accent6" bg1="lt1" bg2="dk2" tx1="dk1" tx2="lt2" folHlink="folHlink" hlink="hlink"/>
+  <p:clrMap bg1="lt1" tx1="dk1" bg2="dk2" tx2="lt2" accent1="accent1" accent2="accent2" accent3="accent3" accent4="accent4" accent5="accent5" accent6="accent6" hlink="hlink" folHlink="folHlink"/>
   <p:notesStyle>
-    <a:defPPr lvl="0" marR="0" rtl="0" algn="l">
+    <a:defPPr marR="0" lvl="0" algn="l" rtl="0">
       <a:lnSpc>
         <a:spcPct val="100000"/>
       </a:lnSpc>
@@ -485,7 +500,7 @@
         <a:spcPts val="0"/>
       </a:spcAft>
     </a:defPPr>
-    <a:lvl1pPr lvl="0" marR="0" rtl="0" algn="l">
+    <a:lvl1pPr marR="0" lvl="0" algn="l" rtl="0">
       <a:lnSpc>
         <a:spcPct val="100000"/>
       </a:lnSpc>
@@ -499,7 +514,7 @@
         <a:srgbClr val="000000"/>
       </a:buClr>
       <a:buFont typeface="Arial"/>
-      <a:defRPr b="0" i="0" sz="1400" u="none" cap="none" strike="noStrike">
+      <a:defRPr sz="1400" b="0" i="0" u="none" strike="noStrike" cap="none">
         <a:solidFill>
           <a:srgbClr val="000000"/>
         </a:solidFill>
@@ -509,7 +524,7 @@
         <a:sym typeface="Arial"/>
       </a:defRPr>
     </a:lvl1pPr>
-    <a:lvl2pPr lvl="1" marR="0" rtl="0" algn="l">
+    <a:lvl2pPr marR="0" lvl="1" algn="l" rtl="0">
       <a:lnSpc>
         <a:spcPct val="100000"/>
       </a:lnSpc>
@@ -523,7 +538,7 @@
         <a:srgbClr val="000000"/>
       </a:buClr>
       <a:buFont typeface="Arial"/>
-      <a:defRPr b="0" i="0" sz="1400" u="none" cap="none" strike="noStrike">
+      <a:defRPr sz="1400" b="0" i="0" u="none" strike="noStrike" cap="none">
         <a:solidFill>
           <a:srgbClr val="000000"/>
         </a:solidFill>
@@ -533,7 +548,7 @@
         <a:sym typeface="Arial"/>
       </a:defRPr>
     </a:lvl2pPr>
-    <a:lvl3pPr lvl="2" marR="0" rtl="0" algn="l">
+    <a:lvl3pPr marR="0" lvl="2" algn="l" rtl="0">
       <a:lnSpc>
         <a:spcPct val="100000"/>
       </a:lnSpc>
@@ -547,7 +562,7 @@
         <a:srgbClr val="000000"/>
       </a:buClr>
       <a:buFont typeface="Arial"/>
-      <a:defRPr b="0" i="0" sz="1400" u="none" cap="none" strike="noStrike">
+      <a:defRPr sz="1400" b="0" i="0" u="none" strike="noStrike" cap="none">
         <a:solidFill>
           <a:srgbClr val="000000"/>
         </a:solidFill>
@@ -557,7 +572,7 @@
         <a:sym typeface="Arial"/>
       </a:defRPr>
     </a:lvl3pPr>
-    <a:lvl4pPr lvl="3" marR="0" rtl="0" algn="l">
+    <a:lvl4pPr marR="0" lvl="3" algn="l" rtl="0">
       <a:lnSpc>
         <a:spcPct val="100000"/>
       </a:lnSpc>
@@ -571,7 +586,7 @@
         <a:srgbClr val="000000"/>
       </a:buClr>
       <a:buFont typeface="Arial"/>
-      <a:defRPr b="0" i="0" sz="1400" u="none" cap="none" strike="noStrike">
+      <a:defRPr sz="1400" b="0" i="0" u="none" strike="noStrike" cap="none">
         <a:solidFill>
           <a:srgbClr val="000000"/>
         </a:solidFill>
@@ -581,7 +596,7 @@
         <a:sym typeface="Arial"/>
       </a:defRPr>
     </a:lvl4pPr>
-    <a:lvl5pPr lvl="4" marR="0" rtl="0" algn="l">
+    <a:lvl5pPr marR="0" lvl="4" algn="l" rtl="0">
       <a:lnSpc>
         <a:spcPct val="100000"/>
       </a:lnSpc>
@@ -595,7 +610,7 @@
         <a:srgbClr val="000000"/>
       </a:buClr>
       <a:buFont typeface="Arial"/>
-      <a:defRPr b="0" i="0" sz="1400" u="none" cap="none" strike="noStrike">
+      <a:defRPr sz="1400" b="0" i="0" u="none" strike="noStrike" cap="none">
         <a:solidFill>
           <a:srgbClr val="000000"/>
         </a:solidFill>
@@ -605,7 +620,7 @@
         <a:sym typeface="Arial"/>
       </a:defRPr>
     </a:lvl5pPr>
-    <a:lvl6pPr lvl="5" marR="0" rtl="0" algn="l">
+    <a:lvl6pPr marR="0" lvl="5" algn="l" rtl="0">
       <a:lnSpc>
         <a:spcPct val="100000"/>
       </a:lnSpc>
@@ -619,7 +634,7 @@
         <a:srgbClr val="000000"/>
       </a:buClr>
       <a:buFont typeface="Arial"/>
-      <a:defRPr b="0" i="0" sz="1400" u="none" cap="none" strike="noStrike">
+      <a:defRPr sz="1400" b="0" i="0" u="none" strike="noStrike" cap="none">
         <a:solidFill>
           <a:srgbClr val="000000"/>
         </a:solidFill>
@@ -629,7 +644,7 @@
         <a:sym typeface="Arial"/>
       </a:defRPr>
     </a:lvl6pPr>
-    <a:lvl7pPr lvl="6" marR="0" rtl="0" algn="l">
+    <a:lvl7pPr marR="0" lvl="6" algn="l" rtl="0">
       <a:lnSpc>
         <a:spcPct val="100000"/>
       </a:lnSpc>
@@ -643,7 +658,7 @@
         <a:srgbClr val="000000"/>
       </a:buClr>
       <a:buFont typeface="Arial"/>
-      <a:defRPr b="0" i="0" sz="1400" u="none" cap="none" strike="noStrike">
+      <a:defRPr sz="1400" b="0" i="0" u="none" strike="noStrike" cap="none">
         <a:solidFill>
           <a:srgbClr val="000000"/>
         </a:solidFill>
@@ -653,7 +668,7 @@
         <a:sym typeface="Arial"/>
       </a:defRPr>
     </a:lvl7pPr>
-    <a:lvl8pPr lvl="7" marR="0" rtl="0" algn="l">
+    <a:lvl8pPr marR="0" lvl="7" algn="l" rtl="0">
       <a:lnSpc>
         <a:spcPct val="100000"/>
       </a:lnSpc>
@@ -667,7 +682,7 @@
         <a:srgbClr val="000000"/>
       </a:buClr>
       <a:buFont typeface="Arial"/>
-      <a:defRPr b="0" i="0" sz="1400" u="none" cap="none" strike="noStrike">
+      <a:defRPr sz="1400" b="0" i="0" u="none" strike="noStrike" cap="none">
         <a:solidFill>
           <a:srgbClr val="000000"/>
         </a:solidFill>
@@ -677,7 +692,7 @@
         <a:sym typeface="Arial"/>
       </a:defRPr>
     </a:lvl8pPr>
-    <a:lvl9pPr lvl="8" marR="0" rtl="0" algn="l">
+    <a:lvl9pPr marR="0" lvl="8" algn="l" rtl="0">
       <a:lnSpc>
         <a:spcPct val="100000"/>
       </a:lnSpc>
@@ -691,7 +706,7 @@
         <a:srgbClr val="000000"/>
       </a:buClr>
       <a:buFont typeface="Arial"/>
-      <a:defRPr b="0" i="0" sz="1400" u="none" cap="none" strike="noStrike">
+      <a:defRPr sz="1400" b="0" i="0" u="none" strike="noStrike" cap="none">
         <a:solidFill>
           <a:srgbClr val="000000"/>
         </a:solidFill>
@@ -706,11 +721,11 @@
 </file>
 
 <file path=ppt/notesSlides/notesSlide1.xml><?xml version="1.0" encoding="utf-8"?>
-<p:notes xmlns:a="http://schemas.openxmlformats.org/drawingml/2006/main" xmlns:r="http://schemas.openxmlformats.org/officeDocument/2006/relationships" xmlns:mc="http://schemas.openxmlformats.org/markup-compatibility/2006" xmlns:mv="urn:schemas-microsoft-com:mac:vml" xmlns:p="http://schemas.openxmlformats.org/presentationml/2006/main" xmlns:c="http://schemas.openxmlformats.org/drawingml/2006/chart" xmlns:dgm="http://schemas.openxmlformats.org/drawingml/2006/diagram" xmlns:o="urn:schemas-microsoft-com:office:office" xmlns:v="urn:schemas-microsoft-com:vml" xmlns:pvml="urn:schemas-microsoft-com:office:powerpoint" xmlns:com="http://schemas.openxmlformats.org/drawingml/2006/compatibility" xmlns:p14="http://schemas.microsoft.com/office/powerpoint/2010/main" xmlns:p15="http://schemas.microsoft.com/office/powerpoint/2012/main" xmlns:ahyp="http://schemas.microsoft.com/office/drawing/2018/hyperlinkcolor" showMasterPhAnim="0" showMasterSp="0">
+<p:notes xmlns:a="http://schemas.openxmlformats.org/drawingml/2006/main" xmlns:r="http://schemas.openxmlformats.org/officeDocument/2006/relationships" xmlns:p="http://schemas.openxmlformats.org/presentationml/2006/main" showMasterSp="0" showMasterPhAnim="0">
   <p:cSld>
     <p:spTree>
       <p:nvGrpSpPr>
-        <p:cNvPr id="55" name="Shape 55"/>
+        <p:cNvPr id="1" name="Shape 55"/>
         <p:cNvGrpSpPr/>
         <p:nvPr/>
       </p:nvGrpSpPr>
@@ -725,9 +740,11 @@
       <p:sp>
         <p:nvSpPr>
           <p:cNvPr id="56" name="Google Shape;56;g11743c01ecd_0_0:notes"/>
-          <p:cNvSpPr/>
+          <p:cNvSpPr>
+            <a:spLocks noGrp="1" noRot="1" noChangeAspect="1"/>
+          </p:cNvSpPr>
           <p:nvPr>
-            <p:ph idx="2" type="sldImg"/>
+            <p:ph type="sldImg" idx="2"/>
           </p:nvPr>
         </p:nvSpPr>
         <p:spPr>
@@ -736,9 +753,13 @@
             <a:ext cx="6096000" cy="3429000"/>
           </a:xfrm>
           <a:custGeom>
-            <a:rect b="b" l="l" r="r" t="t"/>
+            <a:avLst/>
+            <a:gdLst/>
+            <a:ahLst/>
+            <a:cxnLst/>
+            <a:rect l="l" t="t" r="r" b="b"/>
             <a:pathLst>
-              <a:path extrusionOk="0" h="120000" w="120000">
+              <a:path w="120000" h="120000" extrusionOk="0">
                 <a:moveTo>
                   <a:pt x="0" y="0"/>
                 </a:moveTo>
@@ -760,9 +781,11 @@
       <p:sp>
         <p:nvSpPr>
           <p:cNvPr id="57" name="Google Shape;57;g11743c01ecd_0_0:notes"/>
-          <p:cNvSpPr txBox="1"/>
+          <p:cNvSpPr txBox="1">
+            <a:spLocks noGrp="1"/>
+          </p:cNvSpPr>
           <p:nvPr>
-            <p:ph idx="1" type="body"/>
+            <p:ph type="body" idx="1"/>
           </p:nvPr>
         </p:nvSpPr>
         <p:spPr>
@@ -775,12 +798,12 @@
           </a:prstGeom>
         </p:spPr>
         <p:txBody>
-          <a:bodyPr anchorCtr="0" anchor="t" bIns="91425" lIns="91425" spcFirstLastPara="1" rIns="91425" wrap="square" tIns="91425">
+          <a:bodyPr spcFirstLastPara="1" wrap="square" lIns="91425" tIns="91425" rIns="91425" bIns="91425" anchor="t" anchorCtr="0">
             <a:noAutofit/>
           </a:bodyPr>
           <a:lstStyle/>
           <a:p>
-            <a:pPr indent="0" lvl="0" marL="0" rtl="0" algn="l">
+            <a:pPr marL="0" lvl="0" indent="0" algn="l" rtl="0">
               <a:spcBef>
                 <a:spcPts val="0"/>
               </a:spcBef>
@@ -789,9 +812,6 @@
               </a:spcAft>
               <a:buNone/>
             </a:pPr>
-            <a:r>
-              <a:t/>
-            </a:r>
             <a:endParaRPr/>
           </a:p>
         </p:txBody>
@@ -805,11 +825,11 @@
 </file>
 
 <file path=ppt/notesSlides/notesSlide2.xml><?xml version="1.0" encoding="utf-8"?>
-<p:notes xmlns:a="http://schemas.openxmlformats.org/drawingml/2006/main" xmlns:r="http://schemas.openxmlformats.org/officeDocument/2006/relationships" xmlns:mc="http://schemas.openxmlformats.org/markup-compatibility/2006" xmlns:mv="urn:schemas-microsoft-com:mac:vml" xmlns:p="http://schemas.openxmlformats.org/presentationml/2006/main" xmlns:c="http://schemas.openxmlformats.org/drawingml/2006/chart" xmlns:dgm="http://schemas.openxmlformats.org/drawingml/2006/diagram" xmlns:o="urn:schemas-microsoft-com:office:office" xmlns:v="urn:schemas-microsoft-com:vml" xmlns:pvml="urn:schemas-microsoft-com:office:powerpoint" xmlns:com="http://schemas.openxmlformats.org/drawingml/2006/compatibility" xmlns:p14="http://schemas.microsoft.com/office/powerpoint/2010/main" xmlns:p15="http://schemas.microsoft.com/office/powerpoint/2012/main" xmlns:ahyp="http://schemas.microsoft.com/office/drawing/2018/hyperlinkcolor" showMasterPhAnim="0" showMasterSp="0">
+<p:notes xmlns:a="http://schemas.openxmlformats.org/drawingml/2006/main" xmlns:r="http://schemas.openxmlformats.org/officeDocument/2006/relationships" xmlns:p="http://schemas.openxmlformats.org/presentationml/2006/main" showMasterSp="0" showMasterPhAnim="0">
   <p:cSld>
     <p:spTree>
       <p:nvGrpSpPr>
-        <p:cNvPr id="62" name="Shape 62"/>
+        <p:cNvPr id="1" name="Shape 62"/>
         <p:cNvGrpSpPr/>
         <p:nvPr/>
       </p:nvGrpSpPr>
@@ -824,20 +844,26 @@
       <p:sp>
         <p:nvSpPr>
           <p:cNvPr id="63" name="Google Shape;63;g11743c01ecd_0_5:notes"/>
-          <p:cNvSpPr/>
+          <p:cNvSpPr>
+            <a:spLocks noGrp="1" noRot="1" noChangeAspect="1"/>
+          </p:cNvSpPr>
           <p:nvPr>
-            <p:ph idx="2" type="sldImg"/>
+            <p:ph type="sldImg" idx="2"/>
           </p:nvPr>
         </p:nvSpPr>
         <p:spPr>
           <a:xfrm>
-            <a:off x="381300" y="685800"/>
+            <a:off x="381000" y="685800"/>
             <a:ext cx="6096000" cy="3429000"/>
           </a:xfrm>
           <a:custGeom>
-            <a:rect b="b" l="l" r="r" t="t"/>
+            <a:avLst/>
+            <a:gdLst/>
+            <a:ahLst/>
+            <a:cxnLst/>
+            <a:rect l="l" t="t" r="r" b="b"/>
             <a:pathLst>
-              <a:path extrusionOk="0" h="120000" w="120000">
+              <a:path w="120000" h="120000" extrusionOk="0">
                 <a:moveTo>
                   <a:pt x="0" y="0"/>
                 </a:moveTo>
@@ -859,9 +885,11 @@
       <p:sp>
         <p:nvSpPr>
           <p:cNvPr id="64" name="Google Shape;64;g11743c01ecd_0_5:notes"/>
-          <p:cNvSpPr txBox="1"/>
+          <p:cNvSpPr txBox="1">
+            <a:spLocks noGrp="1"/>
+          </p:cNvSpPr>
           <p:nvPr>
-            <p:ph idx="1" type="body"/>
+            <p:ph type="body" idx="1"/>
           </p:nvPr>
         </p:nvSpPr>
         <p:spPr>
@@ -874,12 +902,12 @@
           </a:prstGeom>
         </p:spPr>
         <p:txBody>
-          <a:bodyPr anchorCtr="0" anchor="t" bIns="91425" lIns="91425" spcFirstLastPara="1" rIns="91425" wrap="square" tIns="91425">
+          <a:bodyPr spcFirstLastPara="1" wrap="square" lIns="91425" tIns="91425" rIns="91425" bIns="91425" anchor="t" anchorCtr="0">
             <a:noAutofit/>
           </a:bodyPr>
           <a:lstStyle/>
           <a:p>
-            <a:pPr indent="0" lvl="0" marL="0" rtl="0" algn="l">
+            <a:pPr marL="0" lvl="0" indent="0" algn="l" rtl="0">
               <a:spcBef>
                 <a:spcPts val="0"/>
               </a:spcBef>
@@ -888,9 +916,6 @@
               </a:spcAft>
               <a:buNone/>
             </a:pPr>
-            <a:r>
-              <a:t/>
-            </a:r>
             <a:endParaRPr/>
           </a:p>
         </p:txBody>
@@ -904,11 +929,11 @@
 </file>
 
 <file path=ppt/notesSlides/notesSlide3.xml><?xml version="1.0" encoding="utf-8"?>
-<p:notes xmlns:a="http://schemas.openxmlformats.org/drawingml/2006/main" xmlns:r="http://schemas.openxmlformats.org/officeDocument/2006/relationships" xmlns:mc="http://schemas.openxmlformats.org/markup-compatibility/2006" xmlns:mv="urn:schemas-microsoft-com:mac:vml" xmlns:p="http://schemas.openxmlformats.org/presentationml/2006/main" xmlns:c="http://schemas.openxmlformats.org/drawingml/2006/chart" xmlns:dgm="http://schemas.openxmlformats.org/drawingml/2006/diagram" xmlns:o="urn:schemas-microsoft-com:office:office" xmlns:v="urn:schemas-microsoft-com:vml" xmlns:pvml="urn:schemas-microsoft-com:office:powerpoint" xmlns:com="http://schemas.openxmlformats.org/drawingml/2006/compatibility" xmlns:p14="http://schemas.microsoft.com/office/powerpoint/2010/main" xmlns:p15="http://schemas.microsoft.com/office/powerpoint/2012/main" xmlns:ahyp="http://schemas.microsoft.com/office/drawing/2018/hyperlinkcolor" showMasterPhAnim="0" showMasterSp="0">
+<p:notes xmlns:a="http://schemas.openxmlformats.org/drawingml/2006/main" xmlns:r="http://schemas.openxmlformats.org/officeDocument/2006/relationships" xmlns:p="http://schemas.openxmlformats.org/presentationml/2006/main" showMasterSp="0" showMasterPhAnim="0">
   <p:cSld>
     <p:spTree>
       <p:nvGrpSpPr>
-        <p:cNvPr id="69" name="Shape 69"/>
+        <p:cNvPr id="1" name="Shape 69"/>
         <p:cNvGrpSpPr/>
         <p:nvPr/>
       </p:nvGrpSpPr>
@@ -923,20 +948,26 @@
       <p:sp>
         <p:nvSpPr>
           <p:cNvPr id="70" name="Google Shape;70;g11743c01ecd_0_10:notes"/>
-          <p:cNvSpPr/>
+          <p:cNvSpPr>
+            <a:spLocks noGrp="1" noRot="1" noChangeAspect="1"/>
+          </p:cNvSpPr>
           <p:nvPr>
-            <p:ph idx="2" type="sldImg"/>
+            <p:ph type="sldImg" idx="2"/>
           </p:nvPr>
         </p:nvSpPr>
         <p:spPr>
           <a:xfrm>
-            <a:off x="381300" y="685800"/>
+            <a:off x="381000" y="685800"/>
             <a:ext cx="6096000" cy="3429000"/>
           </a:xfrm>
           <a:custGeom>
-            <a:rect b="b" l="l" r="r" t="t"/>
+            <a:avLst/>
+            <a:gdLst/>
+            <a:ahLst/>
+            <a:cxnLst/>
+            <a:rect l="l" t="t" r="r" b="b"/>
             <a:pathLst>
-              <a:path extrusionOk="0" h="120000" w="120000">
+              <a:path w="120000" h="120000" extrusionOk="0">
                 <a:moveTo>
                   <a:pt x="0" y="0"/>
                 </a:moveTo>
@@ -958,9 +989,11 @@
       <p:sp>
         <p:nvSpPr>
           <p:cNvPr id="71" name="Google Shape;71;g11743c01ecd_0_10:notes"/>
-          <p:cNvSpPr txBox="1"/>
+          <p:cNvSpPr txBox="1">
+            <a:spLocks noGrp="1"/>
+          </p:cNvSpPr>
           <p:nvPr>
-            <p:ph idx="1" type="body"/>
+            <p:ph type="body" idx="1"/>
           </p:nvPr>
         </p:nvSpPr>
         <p:spPr>
@@ -973,12 +1006,12 @@
           </a:prstGeom>
         </p:spPr>
         <p:txBody>
-          <a:bodyPr anchorCtr="0" anchor="t" bIns="91425" lIns="91425" spcFirstLastPara="1" rIns="91425" wrap="square" tIns="91425">
+          <a:bodyPr spcFirstLastPara="1" wrap="square" lIns="91425" tIns="91425" rIns="91425" bIns="91425" anchor="t" anchorCtr="0">
             <a:noAutofit/>
           </a:bodyPr>
           <a:lstStyle/>
           <a:p>
-            <a:pPr indent="0" lvl="0" marL="0" rtl="0" algn="l">
+            <a:pPr marL="0" lvl="0" indent="0" algn="l" rtl="0">
               <a:spcBef>
                 <a:spcPts val="0"/>
               </a:spcBef>
@@ -987,9 +1020,6 @@
               </a:spcAft>
               <a:buNone/>
             </a:pPr>
-            <a:r>
-              <a:t/>
-            </a:r>
             <a:endParaRPr/>
           </a:p>
         </p:txBody>
@@ -1003,11 +1033,11 @@
 </file>
 
 <file path=ppt/notesSlides/notesSlide4.xml><?xml version="1.0" encoding="utf-8"?>
-<p:notes xmlns:a="http://schemas.openxmlformats.org/drawingml/2006/main" xmlns:r="http://schemas.openxmlformats.org/officeDocument/2006/relationships" xmlns:mc="http://schemas.openxmlformats.org/markup-compatibility/2006" xmlns:mv="urn:schemas-microsoft-com:mac:vml" xmlns:p="http://schemas.openxmlformats.org/presentationml/2006/main" xmlns:c="http://schemas.openxmlformats.org/drawingml/2006/chart" xmlns:dgm="http://schemas.openxmlformats.org/drawingml/2006/diagram" xmlns:o="urn:schemas-microsoft-com:office:office" xmlns:v="urn:schemas-microsoft-com:vml" xmlns:pvml="urn:schemas-microsoft-com:office:powerpoint" xmlns:com="http://schemas.openxmlformats.org/drawingml/2006/compatibility" xmlns:p14="http://schemas.microsoft.com/office/powerpoint/2010/main" xmlns:p15="http://schemas.microsoft.com/office/powerpoint/2012/main" xmlns:ahyp="http://schemas.microsoft.com/office/drawing/2018/hyperlinkcolor" showMasterPhAnim="0" showMasterSp="0">
+<p:notes xmlns:a="http://schemas.openxmlformats.org/drawingml/2006/main" xmlns:r="http://schemas.openxmlformats.org/officeDocument/2006/relationships" xmlns:p="http://schemas.openxmlformats.org/presentationml/2006/main" showMasterSp="0" showMasterPhAnim="0">
   <p:cSld>
     <p:spTree>
       <p:nvGrpSpPr>
-        <p:cNvPr id="76" name="Shape 76"/>
+        <p:cNvPr id="1" name="Shape 76"/>
         <p:cNvGrpSpPr/>
         <p:nvPr/>
       </p:nvGrpSpPr>
@@ -1022,9 +1052,11 @@
       <p:sp>
         <p:nvSpPr>
           <p:cNvPr id="77" name="Google Shape;77;g11743c01ecd_0_15:notes"/>
-          <p:cNvSpPr/>
+          <p:cNvSpPr>
+            <a:spLocks noGrp="1" noRot="1" noChangeAspect="1"/>
+          </p:cNvSpPr>
           <p:nvPr>
-            <p:ph idx="2" type="sldImg"/>
+            <p:ph type="sldImg" idx="2"/>
           </p:nvPr>
         </p:nvSpPr>
         <p:spPr>
@@ -1033,9 +1065,13 @@
             <a:ext cx="6096000" cy="3429000"/>
           </a:xfrm>
           <a:custGeom>
-            <a:rect b="b" l="l" r="r" t="t"/>
+            <a:avLst/>
+            <a:gdLst/>
+            <a:ahLst/>
+            <a:cxnLst/>
+            <a:rect l="l" t="t" r="r" b="b"/>
             <a:pathLst>
-              <a:path extrusionOk="0" h="120000" w="120000">
+              <a:path w="120000" h="120000" extrusionOk="0">
                 <a:moveTo>
                   <a:pt x="0" y="0"/>
                 </a:moveTo>
@@ -1057,9 +1093,11 @@
       <p:sp>
         <p:nvSpPr>
           <p:cNvPr id="78" name="Google Shape;78;g11743c01ecd_0_15:notes"/>
-          <p:cNvSpPr txBox="1"/>
+          <p:cNvSpPr txBox="1">
+            <a:spLocks noGrp="1"/>
+          </p:cNvSpPr>
           <p:nvPr>
-            <p:ph idx="1" type="body"/>
+            <p:ph type="body" idx="1"/>
           </p:nvPr>
         </p:nvSpPr>
         <p:spPr>
@@ -1072,12 +1110,12 @@
           </a:prstGeom>
         </p:spPr>
         <p:txBody>
-          <a:bodyPr anchorCtr="0" anchor="t" bIns="91425" lIns="91425" spcFirstLastPara="1" rIns="91425" wrap="square" tIns="91425">
+          <a:bodyPr spcFirstLastPara="1" wrap="square" lIns="91425" tIns="91425" rIns="91425" bIns="91425" anchor="t" anchorCtr="0">
             <a:noAutofit/>
           </a:bodyPr>
           <a:lstStyle/>
           <a:p>
-            <a:pPr indent="0" lvl="0" marL="0" rtl="0" algn="l">
+            <a:pPr marL="0" lvl="0" indent="0" algn="l" rtl="0">
               <a:spcBef>
                 <a:spcPts val="0"/>
               </a:spcBef>
@@ -1086,9 +1124,6 @@
               </a:spcAft>
               <a:buNone/>
             </a:pPr>
-            <a:r>
-              <a:t/>
-            </a:r>
             <a:endParaRPr/>
           </a:p>
         </p:txBody>
@@ -1102,11 +1137,11 @@
 </file>
 
 <file path=ppt/notesSlides/notesSlide5.xml><?xml version="1.0" encoding="utf-8"?>
-<p:notes xmlns:a="http://schemas.openxmlformats.org/drawingml/2006/main" xmlns:r="http://schemas.openxmlformats.org/officeDocument/2006/relationships" xmlns:mc="http://schemas.openxmlformats.org/markup-compatibility/2006" xmlns:mv="urn:schemas-microsoft-com:mac:vml" xmlns:p="http://schemas.openxmlformats.org/presentationml/2006/main" xmlns:c="http://schemas.openxmlformats.org/drawingml/2006/chart" xmlns:dgm="http://schemas.openxmlformats.org/drawingml/2006/diagram" xmlns:o="urn:schemas-microsoft-com:office:office" xmlns:v="urn:schemas-microsoft-com:vml" xmlns:pvml="urn:schemas-microsoft-com:office:powerpoint" xmlns:com="http://schemas.openxmlformats.org/drawingml/2006/compatibility" xmlns:p14="http://schemas.microsoft.com/office/powerpoint/2010/main" xmlns:p15="http://schemas.microsoft.com/office/powerpoint/2012/main" xmlns:ahyp="http://schemas.microsoft.com/office/drawing/2018/hyperlinkcolor" showMasterPhAnim="0" showMasterSp="0">
+<p:notes xmlns:a="http://schemas.openxmlformats.org/drawingml/2006/main" xmlns:r="http://schemas.openxmlformats.org/officeDocument/2006/relationships" xmlns:p="http://schemas.openxmlformats.org/presentationml/2006/main" showMasterSp="0" showMasterPhAnim="0">
   <p:cSld>
     <p:spTree>
       <p:nvGrpSpPr>
-        <p:cNvPr id="83" name="Shape 83"/>
+        <p:cNvPr id="1" name="Shape 83"/>
         <p:cNvGrpSpPr/>
         <p:nvPr/>
       </p:nvGrpSpPr>
@@ -1121,20 +1156,26 @@
       <p:sp>
         <p:nvSpPr>
           <p:cNvPr id="84" name="Google Shape;84;g11743c01ecd_0_2021:notes"/>
-          <p:cNvSpPr/>
+          <p:cNvSpPr>
+            <a:spLocks noGrp="1" noRot="1" noChangeAspect="1"/>
+          </p:cNvSpPr>
           <p:nvPr>
-            <p:ph idx="2" type="sldImg"/>
+            <p:ph type="sldImg" idx="2"/>
           </p:nvPr>
         </p:nvSpPr>
         <p:spPr>
           <a:xfrm>
-            <a:off x="381300" y="685800"/>
+            <a:off x="381000" y="685800"/>
             <a:ext cx="6096000" cy="3429000"/>
           </a:xfrm>
           <a:custGeom>
-            <a:rect b="b" l="l" r="r" t="t"/>
+            <a:avLst/>
+            <a:gdLst/>
+            <a:ahLst/>
+            <a:cxnLst/>
+            <a:rect l="l" t="t" r="r" b="b"/>
             <a:pathLst>
-              <a:path extrusionOk="0" h="120000" w="120000">
+              <a:path w="120000" h="120000" extrusionOk="0">
                 <a:moveTo>
                   <a:pt x="0" y="0"/>
                 </a:moveTo>
@@ -1156,9 +1197,11 @@
       <p:sp>
         <p:nvSpPr>
           <p:cNvPr id="85" name="Google Shape;85;g11743c01ecd_0_2021:notes"/>
-          <p:cNvSpPr txBox="1"/>
+          <p:cNvSpPr txBox="1">
+            <a:spLocks noGrp="1"/>
+          </p:cNvSpPr>
           <p:nvPr>
-            <p:ph idx="1" type="body"/>
+            <p:ph type="body" idx="1"/>
           </p:nvPr>
         </p:nvSpPr>
         <p:spPr>
@@ -1171,12 +1214,12 @@
           </a:prstGeom>
         </p:spPr>
         <p:txBody>
-          <a:bodyPr anchorCtr="0" anchor="t" bIns="91425" lIns="91425" spcFirstLastPara="1" rIns="91425" wrap="square" tIns="91425">
+          <a:bodyPr spcFirstLastPara="1" wrap="square" lIns="91425" tIns="91425" rIns="91425" bIns="91425" anchor="t" anchorCtr="0">
             <a:noAutofit/>
           </a:bodyPr>
           <a:lstStyle/>
           <a:p>
-            <a:pPr indent="0" lvl="0" marL="0" rtl="0" algn="l">
+            <a:pPr marL="0" lvl="0" indent="0" algn="l" rtl="0">
               <a:spcBef>
                 <a:spcPts val="0"/>
               </a:spcBef>
@@ -1185,9 +1228,6 @@
               </a:spcAft>
               <a:buNone/>
             </a:pPr>
-            <a:r>
-              <a:t/>
-            </a:r>
             <a:endParaRPr/>
           </a:p>
         </p:txBody>
@@ -1201,11 +1241,11 @@
 </file>
 
 <file path=ppt/notesSlides/notesSlide6.xml><?xml version="1.0" encoding="utf-8"?>
-<p:notes xmlns:a="http://schemas.openxmlformats.org/drawingml/2006/main" xmlns:r="http://schemas.openxmlformats.org/officeDocument/2006/relationships" xmlns:mc="http://schemas.openxmlformats.org/markup-compatibility/2006" xmlns:mv="urn:schemas-microsoft-com:mac:vml" xmlns:p="http://schemas.openxmlformats.org/presentationml/2006/main" xmlns:c="http://schemas.openxmlformats.org/drawingml/2006/chart" xmlns:dgm="http://schemas.openxmlformats.org/drawingml/2006/diagram" xmlns:o="urn:schemas-microsoft-com:office:office" xmlns:v="urn:schemas-microsoft-com:vml" xmlns:pvml="urn:schemas-microsoft-com:office:powerpoint" xmlns:com="http://schemas.openxmlformats.org/drawingml/2006/compatibility" xmlns:p14="http://schemas.microsoft.com/office/powerpoint/2010/main" xmlns:p15="http://schemas.microsoft.com/office/powerpoint/2012/main" xmlns:ahyp="http://schemas.microsoft.com/office/drawing/2018/hyperlinkcolor" showMasterPhAnim="0" showMasterSp="0">
+<p:notes xmlns:a="http://schemas.openxmlformats.org/drawingml/2006/main" xmlns:r="http://schemas.openxmlformats.org/officeDocument/2006/relationships" xmlns:p="http://schemas.openxmlformats.org/presentationml/2006/main" showMasterSp="0" showMasterPhAnim="0">
   <p:cSld>
     <p:spTree>
       <p:nvGrpSpPr>
-        <p:cNvPr id="90" name="Shape 90"/>
+        <p:cNvPr id="1" name="Shape 90"/>
         <p:cNvGrpSpPr/>
         <p:nvPr/>
       </p:nvGrpSpPr>
@@ -1220,9 +1260,11 @@
       <p:sp>
         <p:nvSpPr>
           <p:cNvPr id="91" name="Google Shape;91;g11743c01ecd_0_2026:notes"/>
-          <p:cNvSpPr/>
+          <p:cNvSpPr>
+            <a:spLocks noGrp="1" noRot="1" noChangeAspect="1"/>
+          </p:cNvSpPr>
           <p:nvPr>
-            <p:ph idx="2" type="sldImg"/>
+            <p:ph type="sldImg" idx="2"/>
           </p:nvPr>
         </p:nvSpPr>
         <p:spPr>
@@ -1231,9 +1273,13 @@
             <a:ext cx="6096000" cy="3429000"/>
           </a:xfrm>
           <a:custGeom>
-            <a:rect b="b" l="l" r="r" t="t"/>
+            <a:avLst/>
+            <a:gdLst/>
+            <a:ahLst/>
+            <a:cxnLst/>
+            <a:rect l="l" t="t" r="r" b="b"/>
             <a:pathLst>
-              <a:path extrusionOk="0" h="120000" w="120000">
+              <a:path w="120000" h="120000" extrusionOk="0">
                 <a:moveTo>
                   <a:pt x="0" y="0"/>
                 </a:moveTo>
@@ -1255,9 +1301,11 @@
       <p:sp>
         <p:nvSpPr>
           <p:cNvPr id="92" name="Google Shape;92;g11743c01ecd_0_2026:notes"/>
-          <p:cNvSpPr txBox="1"/>
+          <p:cNvSpPr txBox="1">
+            <a:spLocks noGrp="1"/>
+          </p:cNvSpPr>
           <p:nvPr>
-            <p:ph idx="1" type="body"/>
+            <p:ph type="body" idx="1"/>
           </p:nvPr>
         </p:nvSpPr>
         <p:spPr>
@@ -1270,12 +1318,12 @@
           </a:prstGeom>
         </p:spPr>
         <p:txBody>
-          <a:bodyPr anchorCtr="0" anchor="t" bIns="91425" lIns="91425" spcFirstLastPara="1" rIns="91425" wrap="square" tIns="91425">
+          <a:bodyPr spcFirstLastPara="1" wrap="square" lIns="91425" tIns="91425" rIns="91425" bIns="91425" anchor="t" anchorCtr="0">
             <a:noAutofit/>
           </a:bodyPr>
           <a:lstStyle/>
           <a:p>
-            <a:pPr indent="0" lvl="0" marL="0" rtl="0" algn="l">
+            <a:pPr marL="0" lvl="0" indent="0" algn="l" rtl="0">
               <a:spcBef>
                 <a:spcPts val="0"/>
               </a:spcBef>
@@ -1284,9 +1332,6 @@
               </a:spcAft>
               <a:buNone/>
             </a:pPr>
-            <a:r>
-              <a:t/>
-            </a:r>
             <a:endParaRPr/>
           </a:p>
         </p:txBody>
@@ -1300,11 +1345,11 @@
 </file>
 
 <file path=ppt/notesSlides/notesSlide7.xml><?xml version="1.0" encoding="utf-8"?>
-<p:notes xmlns:a="http://schemas.openxmlformats.org/drawingml/2006/main" xmlns:r="http://schemas.openxmlformats.org/officeDocument/2006/relationships" xmlns:mc="http://schemas.openxmlformats.org/markup-compatibility/2006" xmlns:mv="urn:schemas-microsoft-com:mac:vml" xmlns:p="http://schemas.openxmlformats.org/presentationml/2006/main" xmlns:c="http://schemas.openxmlformats.org/drawingml/2006/chart" xmlns:dgm="http://schemas.openxmlformats.org/drawingml/2006/diagram" xmlns:o="urn:schemas-microsoft-com:office:office" xmlns:v="urn:schemas-microsoft-com:vml" xmlns:pvml="urn:schemas-microsoft-com:office:powerpoint" xmlns:com="http://schemas.openxmlformats.org/drawingml/2006/compatibility" xmlns:p14="http://schemas.microsoft.com/office/powerpoint/2010/main" xmlns:p15="http://schemas.microsoft.com/office/powerpoint/2012/main" xmlns:ahyp="http://schemas.microsoft.com/office/drawing/2018/hyperlinkcolor" showMasterPhAnim="0" showMasterSp="0">
+<p:notes xmlns:a="http://schemas.openxmlformats.org/drawingml/2006/main" xmlns:r="http://schemas.openxmlformats.org/officeDocument/2006/relationships" xmlns:p="http://schemas.openxmlformats.org/presentationml/2006/main" showMasterSp="0" showMasterPhAnim="0">
   <p:cSld>
     <p:spTree>
       <p:nvGrpSpPr>
-        <p:cNvPr id="96" name="Shape 96"/>
+        <p:cNvPr id="1" name="Shape 96"/>
         <p:cNvGrpSpPr/>
         <p:nvPr/>
       </p:nvGrpSpPr>
@@ -1319,9 +1364,11 @@
       <p:sp>
         <p:nvSpPr>
           <p:cNvPr id="97" name="Google Shape;97;g11743c01ecd_0_2031:notes"/>
-          <p:cNvSpPr/>
+          <p:cNvSpPr>
+            <a:spLocks noGrp="1" noRot="1" noChangeAspect="1"/>
+          </p:cNvSpPr>
           <p:nvPr>
-            <p:ph idx="2" type="sldImg"/>
+            <p:ph type="sldImg" idx="2"/>
           </p:nvPr>
         </p:nvSpPr>
         <p:spPr>
@@ -1330,9 +1377,13 @@
             <a:ext cx="6096000" cy="3429000"/>
           </a:xfrm>
           <a:custGeom>
-            <a:rect b="b" l="l" r="r" t="t"/>
+            <a:avLst/>
+            <a:gdLst/>
+            <a:ahLst/>
+            <a:cxnLst/>
+            <a:rect l="l" t="t" r="r" b="b"/>
             <a:pathLst>
-              <a:path extrusionOk="0" h="120000" w="120000">
+              <a:path w="120000" h="120000" extrusionOk="0">
                 <a:moveTo>
                   <a:pt x="0" y="0"/>
                 </a:moveTo>
@@ -1354,9 +1405,11 @@
       <p:sp>
         <p:nvSpPr>
           <p:cNvPr id="98" name="Google Shape;98;g11743c01ecd_0_2031:notes"/>
-          <p:cNvSpPr txBox="1"/>
+          <p:cNvSpPr txBox="1">
+            <a:spLocks noGrp="1"/>
+          </p:cNvSpPr>
           <p:nvPr>
-            <p:ph idx="1" type="body"/>
+            <p:ph type="body" idx="1"/>
           </p:nvPr>
         </p:nvSpPr>
         <p:spPr>
@@ -1369,12 +1422,12 @@
           </a:prstGeom>
         </p:spPr>
         <p:txBody>
-          <a:bodyPr anchorCtr="0" anchor="t" bIns="91425" lIns="91425" spcFirstLastPara="1" rIns="91425" wrap="square" tIns="91425">
+          <a:bodyPr spcFirstLastPara="1" wrap="square" lIns="91425" tIns="91425" rIns="91425" bIns="91425" anchor="t" anchorCtr="0">
             <a:noAutofit/>
           </a:bodyPr>
           <a:lstStyle/>
           <a:p>
-            <a:pPr indent="0" lvl="0" marL="0" rtl="0" algn="l">
+            <a:pPr marL="0" lvl="0" indent="0" algn="l" rtl="0">
               <a:spcBef>
                 <a:spcPts val="0"/>
               </a:spcBef>
@@ -1383,9 +1436,6 @@
               </a:spcAft>
               <a:buNone/>
             </a:pPr>
-            <a:r>
-              <a:t/>
-            </a:r>
             <a:endParaRPr/>
           </a:p>
         </p:txBody>
@@ -1399,18 +1449,19 @@
 </file>
 
 <file path=ppt/slideLayouts/slideLayout1.xml><?xml version="1.0" encoding="utf-8"?>
-<p:sldLayout xmlns:a="http://schemas.openxmlformats.org/drawingml/2006/main" xmlns:r="http://schemas.openxmlformats.org/officeDocument/2006/relationships" xmlns:mc="http://schemas.openxmlformats.org/markup-compatibility/2006" xmlns:mv="urn:schemas-microsoft-com:mac:vml" xmlns:p="http://schemas.openxmlformats.org/presentationml/2006/main" xmlns:c="http://schemas.openxmlformats.org/drawingml/2006/chart" xmlns:dgm="http://schemas.openxmlformats.org/drawingml/2006/diagram" xmlns:o="urn:schemas-microsoft-com:office:office" xmlns:v="urn:schemas-microsoft-com:vml" xmlns:pvml="urn:schemas-microsoft-com:office:powerpoint" xmlns:com="http://schemas.openxmlformats.org/drawingml/2006/compatibility" xmlns:p14="http://schemas.microsoft.com/office/powerpoint/2010/main" xmlns:p15="http://schemas.microsoft.com/office/powerpoint/2012/main" xmlns:ahyp="http://schemas.microsoft.com/office/drawing/2018/hyperlinkcolor" matchingName="Title slide" type="title">
+<p:sldLayout xmlns:a="http://schemas.openxmlformats.org/drawingml/2006/main" xmlns:r="http://schemas.openxmlformats.org/officeDocument/2006/relationships" xmlns:p="http://schemas.openxmlformats.org/presentationml/2006/main" matchingName="Title slide" type="title">
   <p:cSld name="TITLE">
     <p:bg>
       <p:bgPr>
         <a:solidFill>
           <a:schemeClr val="dk1"/>
         </a:solidFill>
+        <a:effectLst/>
       </p:bgPr>
     </p:bg>
     <p:spTree>
       <p:nvGrpSpPr>
-        <p:cNvPr id="9" name="Shape 9"/>
+        <p:cNvPr id="1" name="Shape 9"/>
         <p:cNvGrpSpPr/>
         <p:nvPr/>
       </p:nvGrpSpPr>
@@ -1444,12 +1495,12 @@
           </a:ln>
         </p:spPr>
         <p:txBody>
-          <a:bodyPr anchorCtr="0" anchor="ctr" bIns="91425" lIns="91425" spcFirstLastPara="1" rIns="91425" wrap="square" tIns="91425">
+          <a:bodyPr spcFirstLastPara="1" wrap="square" lIns="91425" tIns="91425" rIns="91425" bIns="91425" anchor="ctr" anchorCtr="0">
             <a:noAutofit/>
           </a:bodyPr>
           <a:lstStyle/>
           <a:p>
-            <a:pPr indent="0" lvl="0" marL="0" rtl="0" algn="l">
+            <a:pPr marL="0" lvl="0" indent="0" algn="l" rtl="0">
               <a:spcBef>
                 <a:spcPts val="0"/>
               </a:spcBef>
@@ -1458,9 +1509,6 @@
               </a:spcAft>
               <a:buNone/>
             </a:pPr>
-            <a:r>
-              <a:t/>
-            </a:r>
             <a:endParaRPr/>
           </a:p>
         </p:txBody>
@@ -1480,21 +1528,23 @@
             <a:avLst/>
           </a:prstGeom>
           <a:noFill/>
-          <a:ln cap="flat" cmpd="sng" w="28575">
+          <a:ln w="28575" cap="flat" cmpd="sng">
             <a:solidFill>
               <a:schemeClr val="accent1"/>
             </a:solidFill>
             <a:prstDash val="solid"/>
             <a:round/>
-            <a:headEnd len="sm" w="sm" type="none"/>
-            <a:tailEnd len="sm" w="sm" type="none"/>
+            <a:headEnd type="none" w="sm" len="sm"/>
+            <a:tailEnd type="none" w="sm" len="sm"/>
           </a:ln>
         </p:spPr>
       </p:cxnSp>
       <p:sp>
         <p:nvSpPr>
           <p:cNvPr id="12" name="Google Shape;12;p2"/>
-          <p:cNvSpPr txBox="1"/>
+          <p:cNvSpPr txBox="1">
+            <a:spLocks noGrp="1"/>
+          </p:cNvSpPr>
           <p:nvPr>
             <p:ph type="ctrTitle"/>
           </p:nvPr>
@@ -1509,7 +1559,7 @@
           </a:prstGeom>
         </p:spPr>
         <p:txBody>
-          <a:bodyPr anchorCtr="0" anchor="b" bIns="91425" lIns="91425" spcFirstLastPara="1" rIns="91425" wrap="square" tIns="91425">
+          <a:bodyPr spcFirstLastPara="1" wrap="square" lIns="91425" tIns="91425" rIns="91425" bIns="91425" anchor="b" anchorCtr="0">
             <a:normAutofit/>
           </a:bodyPr>
           <a:lstStyle>
@@ -1676,15 +1726,19 @@
               </a:defRPr>
             </a:lvl9pPr>
           </a:lstStyle>
-          <a:p/>
+          <a:p>
+            <a:endParaRPr/>
+          </a:p>
         </p:txBody>
       </p:sp>
       <p:sp>
         <p:nvSpPr>
           <p:cNvPr id="13" name="Google Shape;13;p2"/>
-          <p:cNvSpPr txBox="1"/>
+          <p:cNvSpPr txBox="1">
+            <a:spLocks noGrp="1"/>
+          </p:cNvSpPr>
           <p:nvPr>
-            <p:ph idx="1" type="subTitle"/>
+            <p:ph type="subTitle" idx="1"/>
           </p:nvPr>
         </p:nvSpPr>
         <p:spPr>
@@ -1697,7 +1751,7 @@
           </a:prstGeom>
         </p:spPr>
         <p:txBody>
-          <a:bodyPr anchorCtr="0" anchor="t" bIns="91425" lIns="91425" spcFirstLastPara="1" rIns="91425" wrap="square" tIns="91425">
+          <a:bodyPr spcFirstLastPara="1" wrap="square" lIns="91425" tIns="91425" rIns="91425" bIns="91425" anchor="t" anchorCtr="0">
             <a:normAutofit/>
           </a:bodyPr>
           <a:lstStyle>
@@ -1891,15 +1945,19 @@
               </a:defRPr>
             </a:lvl9pPr>
           </a:lstStyle>
-          <a:p/>
+          <a:p>
+            <a:endParaRPr/>
+          </a:p>
         </p:txBody>
       </p:sp>
       <p:sp>
         <p:nvSpPr>
           <p:cNvPr id="14" name="Google Shape;14;p2"/>
-          <p:cNvSpPr txBox="1"/>
+          <p:cNvSpPr txBox="1">
+            <a:spLocks noGrp="1"/>
+          </p:cNvSpPr>
           <p:nvPr>
-            <p:ph idx="12" type="sldNum"/>
+            <p:ph type="sldNum" idx="12"/>
           </p:nvPr>
         </p:nvSpPr>
         <p:spPr>
@@ -1912,7 +1970,7 @@
           </a:prstGeom>
         </p:spPr>
         <p:txBody>
-          <a:bodyPr anchorCtr="0" anchor="ctr" bIns="91425" lIns="91425" spcFirstLastPara="1" rIns="91425" wrap="square" tIns="91425">
+          <a:bodyPr spcFirstLastPara="1" wrap="square" lIns="91425" tIns="91425" rIns="91425" bIns="91425" anchor="ctr" anchorCtr="0">
             <a:normAutofit/>
           </a:bodyPr>
           <a:lstStyle>
@@ -1990,7 +2048,7 @@
             </a:lvl9pPr>
           </a:lstStyle>
           <a:p>
-            <a:pPr indent="0" lvl="0" marL="0" rtl="0" algn="r">
+            <a:pPr marL="0" lvl="0" indent="0" algn="r" rtl="0">
               <a:spcBef>
                 <a:spcPts val="0"/>
               </a:spcBef>
@@ -2001,7 +2059,7 @@
             </a:pPr>
             <a:fld id="{00000000-1234-1234-1234-123412341234}" type="slidenum">
               <a:rPr lang="en"/>
-              <a:t>‹#›</a:t>
+              <a:t>‹N°›</a:t>
             </a:fld>
             <a:endParaRPr/>
           </a:p>
@@ -2016,11 +2074,11 @@
 </file>
 
 <file path=ppt/slideLayouts/slideLayout10.xml><?xml version="1.0" encoding="utf-8"?>
-<p:sldLayout xmlns:a="http://schemas.openxmlformats.org/drawingml/2006/main" xmlns:r="http://schemas.openxmlformats.org/officeDocument/2006/relationships" xmlns:mc="http://schemas.openxmlformats.org/markup-compatibility/2006" xmlns:mv="urn:schemas-microsoft-com:mac:vml" xmlns:p="http://schemas.openxmlformats.org/presentationml/2006/main" xmlns:c="http://schemas.openxmlformats.org/drawingml/2006/chart" xmlns:dgm="http://schemas.openxmlformats.org/drawingml/2006/diagram" xmlns:o="urn:schemas-microsoft-com:office:office" xmlns:v="urn:schemas-microsoft-com:vml" xmlns:pvml="urn:schemas-microsoft-com:office:powerpoint" xmlns:com="http://schemas.openxmlformats.org/drawingml/2006/compatibility" xmlns:p14="http://schemas.microsoft.com/office/powerpoint/2010/main" xmlns:p15="http://schemas.microsoft.com/office/powerpoint/2012/main" xmlns:ahyp="http://schemas.microsoft.com/office/drawing/2018/hyperlinkcolor" matchingName="Big number">
+<p:sldLayout xmlns:a="http://schemas.openxmlformats.org/drawingml/2006/main" xmlns:r="http://schemas.openxmlformats.org/officeDocument/2006/relationships" xmlns:p="http://schemas.openxmlformats.org/presentationml/2006/main" matchingName="Big number">
   <p:cSld name="BIG_NUMBER">
     <p:spTree>
       <p:nvGrpSpPr>
-        <p:cNvPr id="49" name="Shape 49"/>
+        <p:cNvPr id="1" name="Shape 49"/>
         <p:cNvGrpSpPr/>
         <p:nvPr/>
       </p:nvGrpSpPr>
@@ -2035,9 +2093,11 @@
       <p:sp>
         <p:nvSpPr>
           <p:cNvPr id="50" name="Google Shape;50;p11"/>
-          <p:cNvSpPr txBox="1"/>
+          <p:cNvSpPr txBox="1">
+            <a:spLocks noGrp="1"/>
+          </p:cNvSpPr>
           <p:nvPr>
-            <p:ph hasCustomPrompt="1" type="title"/>
+            <p:ph type="title" hasCustomPrompt="1"/>
           </p:nvPr>
         </p:nvSpPr>
         <p:spPr>
@@ -2050,7 +2110,7 @@
           </a:prstGeom>
         </p:spPr>
         <p:txBody>
-          <a:bodyPr anchorCtr="0" anchor="b" bIns="91425" lIns="91425" spcFirstLastPara="1" rIns="91425" wrap="square" tIns="91425">
+          <a:bodyPr spcFirstLastPara="1" wrap="square" lIns="91425" tIns="91425" rIns="91425" bIns="91425" anchor="b" anchorCtr="0">
             <a:normAutofit/>
           </a:bodyPr>
           <a:lstStyle>
@@ -2063,7 +2123,7 @@
               </a:spcAft>
               <a:buSzPts val="14000"/>
               <a:buNone/>
-              <a:defRPr b="1" sz="14000"/>
+              <a:defRPr sz="14000" b="1"/>
             </a:lvl1pPr>
             <a:lvl2pPr lvl="1" algn="ctr">
               <a:spcBef>
@@ -2074,7 +2134,7 @@
               </a:spcAft>
               <a:buSzPts val="14000"/>
               <a:buNone/>
-              <a:defRPr b="1" sz="14000"/>
+              <a:defRPr sz="14000" b="1"/>
             </a:lvl2pPr>
             <a:lvl3pPr lvl="2" algn="ctr">
               <a:spcBef>
@@ -2085,7 +2145,7 @@
               </a:spcAft>
               <a:buSzPts val="14000"/>
               <a:buNone/>
-              <a:defRPr b="1" sz="14000"/>
+              <a:defRPr sz="14000" b="1"/>
             </a:lvl3pPr>
             <a:lvl4pPr lvl="3" algn="ctr">
               <a:spcBef>
@@ -2096,7 +2156,7 @@
               </a:spcAft>
               <a:buSzPts val="14000"/>
               <a:buNone/>
-              <a:defRPr b="1" sz="14000"/>
+              <a:defRPr sz="14000" b="1"/>
             </a:lvl4pPr>
             <a:lvl5pPr lvl="4" algn="ctr">
               <a:spcBef>
@@ -2107,7 +2167,7 @@
               </a:spcAft>
               <a:buSzPts val="14000"/>
               <a:buNone/>
-              <a:defRPr b="1" sz="14000"/>
+              <a:defRPr sz="14000" b="1"/>
             </a:lvl5pPr>
             <a:lvl6pPr lvl="5" algn="ctr">
               <a:spcBef>
@@ -2118,7 +2178,7 @@
               </a:spcAft>
               <a:buSzPts val="14000"/>
               <a:buNone/>
-              <a:defRPr b="1" sz="14000"/>
+              <a:defRPr sz="14000" b="1"/>
             </a:lvl6pPr>
             <a:lvl7pPr lvl="6" algn="ctr">
               <a:spcBef>
@@ -2129,7 +2189,7 @@
               </a:spcAft>
               <a:buSzPts val="14000"/>
               <a:buNone/>
-              <a:defRPr b="1" sz="14000"/>
+              <a:defRPr sz="14000" b="1"/>
             </a:lvl7pPr>
             <a:lvl8pPr lvl="7" algn="ctr">
               <a:spcBef>
@@ -2140,7 +2200,7 @@
               </a:spcAft>
               <a:buSzPts val="14000"/>
               <a:buNone/>
-              <a:defRPr b="1" sz="14000"/>
+              <a:defRPr sz="14000" b="1"/>
             </a:lvl8pPr>
             <a:lvl9pPr lvl="8" algn="ctr">
               <a:spcBef>
@@ -2151,7 +2211,7 @@
               </a:spcAft>
               <a:buSzPts val="14000"/>
               <a:buNone/>
-              <a:defRPr b="1" sz="14000"/>
+              <a:defRPr sz="14000" b="1"/>
             </a:lvl9pPr>
           </a:lstStyle>
           <a:p>
@@ -2164,9 +2224,11 @@
       <p:sp>
         <p:nvSpPr>
           <p:cNvPr id="51" name="Google Shape;51;p11"/>
-          <p:cNvSpPr txBox="1"/>
+          <p:cNvSpPr txBox="1">
+            <a:spLocks noGrp="1"/>
+          </p:cNvSpPr>
           <p:nvPr>
-            <p:ph idx="1" type="body"/>
+            <p:ph type="body" idx="1"/>
           </p:nvPr>
         </p:nvSpPr>
         <p:spPr>
@@ -2179,11 +2241,11 @@
           </a:prstGeom>
         </p:spPr>
         <p:txBody>
-          <a:bodyPr anchorCtr="0" anchor="t" bIns="91425" lIns="91425" spcFirstLastPara="1" rIns="91425" wrap="square" tIns="91425">
+          <a:bodyPr spcFirstLastPara="1" wrap="square" lIns="91425" tIns="91425" rIns="91425" bIns="91425" anchor="t" anchorCtr="0">
             <a:normAutofit/>
           </a:bodyPr>
           <a:lstStyle>
-            <a:lvl1pPr indent="-342900" lvl="0" marL="457200" algn="ctr">
+            <a:lvl1pPr marL="457200" lvl="0" indent="-342900" algn="ctr">
               <a:spcBef>
                 <a:spcPts val="0"/>
               </a:spcBef>
@@ -2194,7 +2256,7 @@
               <a:buChar char="●"/>
               <a:defRPr/>
             </a:lvl1pPr>
-            <a:lvl2pPr indent="-317500" lvl="1" marL="914400" algn="ctr">
+            <a:lvl2pPr marL="914400" lvl="1" indent="-317500" algn="ctr">
               <a:spcBef>
                 <a:spcPts val="0"/>
               </a:spcBef>
@@ -2205,7 +2267,7 @@
               <a:buChar char="○"/>
               <a:defRPr/>
             </a:lvl2pPr>
-            <a:lvl3pPr indent="-317500" lvl="2" marL="1371600" algn="ctr">
+            <a:lvl3pPr marL="1371600" lvl="2" indent="-317500" algn="ctr">
               <a:spcBef>
                 <a:spcPts val="0"/>
               </a:spcBef>
@@ -2216,7 +2278,7 @@
               <a:buChar char="■"/>
               <a:defRPr/>
             </a:lvl3pPr>
-            <a:lvl4pPr indent="-317500" lvl="3" marL="1828800" algn="ctr">
+            <a:lvl4pPr marL="1828800" lvl="3" indent="-317500" algn="ctr">
               <a:spcBef>
                 <a:spcPts val="0"/>
               </a:spcBef>
@@ -2227,7 +2289,7 @@
               <a:buChar char="●"/>
               <a:defRPr/>
             </a:lvl4pPr>
-            <a:lvl5pPr indent="-317500" lvl="4" marL="2286000" algn="ctr">
+            <a:lvl5pPr marL="2286000" lvl="4" indent="-317500" algn="ctr">
               <a:spcBef>
                 <a:spcPts val="0"/>
               </a:spcBef>
@@ -2238,7 +2300,7 @@
               <a:buChar char="○"/>
               <a:defRPr/>
             </a:lvl5pPr>
-            <a:lvl6pPr indent="-317500" lvl="5" marL="2743200" algn="ctr">
+            <a:lvl6pPr marL="2743200" lvl="5" indent="-317500" algn="ctr">
               <a:spcBef>
                 <a:spcPts val="0"/>
               </a:spcBef>
@@ -2249,7 +2311,7 @@
               <a:buChar char="■"/>
               <a:defRPr/>
             </a:lvl6pPr>
-            <a:lvl7pPr indent="-317500" lvl="6" marL="3200400" algn="ctr">
+            <a:lvl7pPr marL="3200400" lvl="6" indent="-317500" algn="ctr">
               <a:spcBef>
                 <a:spcPts val="0"/>
               </a:spcBef>
@@ -2260,7 +2322,7 @@
               <a:buChar char="●"/>
               <a:defRPr/>
             </a:lvl7pPr>
-            <a:lvl8pPr indent="-317500" lvl="7" marL="3657600" algn="ctr">
+            <a:lvl8pPr marL="3657600" lvl="7" indent="-317500" algn="ctr">
               <a:spcBef>
                 <a:spcPts val="0"/>
               </a:spcBef>
@@ -2271,7 +2333,7 @@
               <a:buChar char="○"/>
               <a:defRPr/>
             </a:lvl8pPr>
-            <a:lvl9pPr indent="-317500" lvl="8" marL="4114800" algn="ctr">
+            <a:lvl9pPr marL="4114800" lvl="8" indent="-317500" algn="ctr">
               <a:spcBef>
                 <a:spcPts val="0"/>
               </a:spcBef>
@@ -2283,15 +2345,19 @@
               <a:defRPr/>
             </a:lvl9pPr>
           </a:lstStyle>
-          <a:p/>
+          <a:p>
+            <a:endParaRPr/>
+          </a:p>
         </p:txBody>
       </p:sp>
       <p:sp>
         <p:nvSpPr>
           <p:cNvPr id="52" name="Google Shape;52;p11"/>
-          <p:cNvSpPr txBox="1"/>
+          <p:cNvSpPr txBox="1">
+            <a:spLocks noGrp="1"/>
+          </p:cNvSpPr>
           <p:nvPr>
-            <p:ph idx="12" type="sldNum"/>
+            <p:ph type="sldNum" idx="12"/>
           </p:nvPr>
         </p:nvSpPr>
         <p:spPr>
@@ -2304,7 +2370,7 @@
           </a:prstGeom>
         </p:spPr>
         <p:txBody>
-          <a:bodyPr anchorCtr="0" anchor="ctr" bIns="91425" lIns="91425" spcFirstLastPara="1" rIns="91425" wrap="square" tIns="91425">
+          <a:bodyPr spcFirstLastPara="1" wrap="square" lIns="91425" tIns="91425" rIns="91425" bIns="91425" anchor="ctr" anchorCtr="0">
             <a:normAutofit/>
           </a:bodyPr>
           <a:lstStyle>
@@ -2346,7 +2412,7 @@
             </a:lvl9pPr>
           </a:lstStyle>
           <a:p>
-            <a:pPr indent="0" lvl="0" marL="0" rtl="0" algn="r">
+            <a:pPr marL="0" lvl="0" indent="0" algn="r" rtl="0">
               <a:spcBef>
                 <a:spcPts val="0"/>
               </a:spcBef>
@@ -2357,7 +2423,7 @@
             </a:pPr>
             <a:fld id="{00000000-1234-1234-1234-123412341234}" type="slidenum">
               <a:rPr lang="en"/>
-              <a:t>‹#›</a:t>
+              <a:t>‹N°›</a:t>
             </a:fld>
             <a:endParaRPr/>
           </a:p>
@@ -2372,11 +2438,11 @@
 </file>
 
 <file path=ppt/slideLayouts/slideLayout11.xml><?xml version="1.0" encoding="utf-8"?>
-<p:sldLayout xmlns:a="http://schemas.openxmlformats.org/drawingml/2006/main" xmlns:r="http://schemas.openxmlformats.org/officeDocument/2006/relationships" xmlns:mc="http://schemas.openxmlformats.org/markup-compatibility/2006" xmlns:mv="urn:schemas-microsoft-com:mac:vml" xmlns:p="http://schemas.openxmlformats.org/presentationml/2006/main" xmlns:c="http://schemas.openxmlformats.org/drawingml/2006/chart" xmlns:dgm="http://schemas.openxmlformats.org/drawingml/2006/diagram" xmlns:o="urn:schemas-microsoft-com:office:office" xmlns:v="urn:schemas-microsoft-com:vml" xmlns:pvml="urn:schemas-microsoft-com:office:powerpoint" xmlns:com="http://schemas.openxmlformats.org/drawingml/2006/compatibility" xmlns:p14="http://schemas.microsoft.com/office/powerpoint/2010/main" xmlns:p15="http://schemas.microsoft.com/office/powerpoint/2012/main" xmlns:ahyp="http://schemas.microsoft.com/office/drawing/2018/hyperlinkcolor" matchingName="Blank" type="blank">
+<p:sldLayout xmlns:a="http://schemas.openxmlformats.org/drawingml/2006/main" xmlns:r="http://schemas.openxmlformats.org/officeDocument/2006/relationships" xmlns:p="http://schemas.openxmlformats.org/presentationml/2006/main" matchingName="Blank" type="blank">
   <p:cSld name="BLANK">
     <p:spTree>
       <p:nvGrpSpPr>
-        <p:cNvPr id="53" name="Shape 53"/>
+        <p:cNvPr id="1" name="Shape 53"/>
         <p:cNvGrpSpPr/>
         <p:nvPr/>
       </p:nvGrpSpPr>
@@ -2391,9 +2457,11 @@
       <p:sp>
         <p:nvSpPr>
           <p:cNvPr id="54" name="Google Shape;54;p12"/>
-          <p:cNvSpPr txBox="1"/>
+          <p:cNvSpPr txBox="1">
+            <a:spLocks noGrp="1"/>
+          </p:cNvSpPr>
           <p:nvPr>
-            <p:ph idx="12" type="sldNum"/>
+            <p:ph type="sldNum" idx="12"/>
           </p:nvPr>
         </p:nvSpPr>
         <p:spPr>
@@ -2406,7 +2474,7 @@
           </a:prstGeom>
         </p:spPr>
         <p:txBody>
-          <a:bodyPr anchorCtr="0" anchor="ctr" bIns="91425" lIns="91425" spcFirstLastPara="1" rIns="91425" wrap="square" tIns="91425">
+          <a:bodyPr spcFirstLastPara="1" wrap="square" lIns="91425" tIns="91425" rIns="91425" bIns="91425" anchor="ctr" anchorCtr="0">
             <a:normAutofit/>
           </a:bodyPr>
           <a:lstStyle>
@@ -2448,7 +2516,7 @@
             </a:lvl9pPr>
           </a:lstStyle>
           <a:p>
-            <a:pPr indent="0" lvl="0" marL="0" rtl="0" algn="r">
+            <a:pPr marL="0" lvl="0" indent="0" algn="r" rtl="0">
               <a:spcBef>
                 <a:spcPts val="0"/>
               </a:spcBef>
@@ -2459,7 +2527,7 @@
             </a:pPr>
             <a:fld id="{00000000-1234-1234-1234-123412341234}" type="slidenum">
               <a:rPr lang="en"/>
-              <a:t>‹#›</a:t>
+              <a:t>‹N°›</a:t>
             </a:fld>
             <a:endParaRPr/>
           </a:p>
@@ -2474,18 +2542,19 @@
 </file>
 
 <file path=ppt/slideLayouts/slideLayout2.xml><?xml version="1.0" encoding="utf-8"?>
-<p:sldLayout xmlns:a="http://schemas.openxmlformats.org/drawingml/2006/main" xmlns:r="http://schemas.openxmlformats.org/officeDocument/2006/relationships" xmlns:mc="http://schemas.openxmlformats.org/markup-compatibility/2006" xmlns:mv="urn:schemas-microsoft-com:mac:vml" xmlns:p="http://schemas.openxmlformats.org/presentationml/2006/main" xmlns:c="http://schemas.openxmlformats.org/drawingml/2006/chart" xmlns:dgm="http://schemas.openxmlformats.org/drawingml/2006/diagram" xmlns:o="urn:schemas-microsoft-com:office:office" xmlns:v="urn:schemas-microsoft-com:vml" xmlns:pvml="urn:schemas-microsoft-com:office:powerpoint" xmlns:com="http://schemas.openxmlformats.org/drawingml/2006/compatibility" xmlns:p14="http://schemas.microsoft.com/office/powerpoint/2010/main" xmlns:p15="http://schemas.microsoft.com/office/powerpoint/2012/main" xmlns:ahyp="http://schemas.microsoft.com/office/drawing/2018/hyperlinkcolor" matchingName="Section header" type="secHead">
+<p:sldLayout xmlns:a="http://schemas.openxmlformats.org/drawingml/2006/main" xmlns:r="http://schemas.openxmlformats.org/officeDocument/2006/relationships" xmlns:p="http://schemas.openxmlformats.org/presentationml/2006/main" matchingName="Section header" type="secHead">
   <p:cSld name="SECTION_HEADER">
     <p:bg>
       <p:bgPr>
         <a:solidFill>
           <a:schemeClr val="dk1"/>
         </a:solidFill>
+        <a:effectLst/>
       </p:bgPr>
     </p:bg>
     <p:spTree>
       <p:nvGrpSpPr>
-        <p:cNvPr id="15" name="Shape 15"/>
+        <p:cNvPr id="1" name="Shape 15"/>
         <p:cNvGrpSpPr/>
         <p:nvPr/>
       </p:nvGrpSpPr>
@@ -2512,21 +2581,23 @@
             <a:avLst/>
           </a:prstGeom>
           <a:noFill/>
-          <a:ln cap="flat" cmpd="sng" w="28575">
+          <a:ln w="28575" cap="flat" cmpd="sng">
             <a:solidFill>
               <a:schemeClr val="lt2"/>
             </a:solidFill>
             <a:prstDash val="solid"/>
             <a:round/>
-            <a:headEnd len="sm" w="sm" type="none"/>
-            <a:tailEnd len="sm" w="sm" type="none"/>
+            <a:headEnd type="none" w="sm" len="sm"/>
+            <a:tailEnd type="none" w="sm" len="sm"/>
           </a:ln>
         </p:spPr>
       </p:cxnSp>
       <p:sp>
         <p:nvSpPr>
           <p:cNvPr id="17" name="Google Shape;17;p3"/>
-          <p:cNvSpPr txBox="1"/>
+          <p:cNvSpPr txBox="1">
+            <a:spLocks noGrp="1"/>
+          </p:cNvSpPr>
           <p:nvPr>
             <p:ph type="title"/>
           </p:nvPr>
@@ -2541,7 +2612,7 @@
           </a:prstGeom>
         </p:spPr>
         <p:txBody>
-          <a:bodyPr anchorCtr="0" anchor="b" bIns="91425" lIns="91425" spcFirstLastPara="1" rIns="91425" wrap="square" tIns="91425">
+          <a:bodyPr spcFirstLastPara="1" wrap="square" lIns="91425" tIns="91425" rIns="91425" bIns="91425" anchor="b" anchorCtr="0">
             <a:normAutofit/>
           </a:bodyPr>
           <a:lstStyle>
@@ -2708,15 +2779,19 @@
               </a:defRPr>
             </a:lvl9pPr>
           </a:lstStyle>
-          <a:p/>
+          <a:p>
+            <a:endParaRPr/>
+          </a:p>
         </p:txBody>
       </p:sp>
       <p:sp>
         <p:nvSpPr>
           <p:cNvPr id="18" name="Google Shape;18;p3"/>
-          <p:cNvSpPr txBox="1"/>
+          <p:cNvSpPr txBox="1">
+            <a:spLocks noGrp="1"/>
+          </p:cNvSpPr>
           <p:nvPr>
-            <p:ph idx="12" type="sldNum"/>
+            <p:ph type="sldNum" idx="12"/>
           </p:nvPr>
         </p:nvSpPr>
         <p:spPr>
@@ -2729,7 +2804,7 @@
           </a:prstGeom>
         </p:spPr>
         <p:txBody>
-          <a:bodyPr anchorCtr="0" anchor="ctr" bIns="91425" lIns="91425" spcFirstLastPara="1" rIns="91425" wrap="square" tIns="91425">
+          <a:bodyPr spcFirstLastPara="1" wrap="square" lIns="91425" tIns="91425" rIns="91425" bIns="91425" anchor="ctr" anchorCtr="0">
             <a:normAutofit/>
           </a:bodyPr>
           <a:lstStyle>
@@ -2807,7 +2882,7 @@
             </a:lvl9pPr>
           </a:lstStyle>
           <a:p>
-            <a:pPr indent="0" lvl="0" marL="0" rtl="0" algn="r">
+            <a:pPr marL="0" lvl="0" indent="0" algn="r" rtl="0">
               <a:spcBef>
                 <a:spcPts val="0"/>
               </a:spcBef>
@@ -2818,7 +2893,7 @@
             </a:pPr>
             <a:fld id="{00000000-1234-1234-1234-123412341234}" type="slidenum">
               <a:rPr lang="en"/>
-              <a:t>‹#›</a:t>
+              <a:t>‹N°›</a:t>
             </a:fld>
             <a:endParaRPr/>
           </a:p>
@@ -2833,11 +2908,11 @@
 </file>
 
 <file path=ppt/slideLayouts/slideLayout3.xml><?xml version="1.0" encoding="utf-8"?>
-<p:sldLayout xmlns:a="http://schemas.openxmlformats.org/drawingml/2006/main" xmlns:r="http://schemas.openxmlformats.org/officeDocument/2006/relationships" xmlns:mc="http://schemas.openxmlformats.org/markup-compatibility/2006" xmlns:mv="urn:schemas-microsoft-com:mac:vml" xmlns:p="http://schemas.openxmlformats.org/presentationml/2006/main" xmlns:c="http://schemas.openxmlformats.org/drawingml/2006/chart" xmlns:dgm="http://schemas.openxmlformats.org/drawingml/2006/diagram" xmlns:o="urn:schemas-microsoft-com:office:office" xmlns:v="urn:schemas-microsoft-com:vml" xmlns:pvml="urn:schemas-microsoft-com:office:powerpoint" xmlns:com="http://schemas.openxmlformats.org/drawingml/2006/compatibility" xmlns:p14="http://schemas.microsoft.com/office/powerpoint/2010/main" xmlns:p15="http://schemas.microsoft.com/office/powerpoint/2012/main" xmlns:ahyp="http://schemas.microsoft.com/office/drawing/2018/hyperlinkcolor" matchingName="Title and body" type="tx">
+<p:sldLayout xmlns:a="http://schemas.openxmlformats.org/drawingml/2006/main" xmlns:r="http://schemas.openxmlformats.org/officeDocument/2006/relationships" xmlns:p="http://schemas.openxmlformats.org/presentationml/2006/main" matchingName="Title and body" type="tx">
   <p:cSld name="TITLE_AND_BODY">
     <p:spTree>
       <p:nvGrpSpPr>
-        <p:cNvPr id="19" name="Shape 19"/>
+        <p:cNvPr id="1" name="Shape 19"/>
         <p:cNvGrpSpPr/>
         <p:nvPr/>
       </p:nvGrpSpPr>
@@ -2871,12 +2946,12 @@
           </a:ln>
         </p:spPr>
         <p:txBody>
-          <a:bodyPr anchorCtr="0" anchor="ctr" bIns="91425" lIns="91425" spcFirstLastPara="1" rIns="91425" wrap="square" tIns="91425">
+          <a:bodyPr spcFirstLastPara="1" wrap="square" lIns="91425" tIns="91425" rIns="91425" bIns="91425" anchor="ctr" anchorCtr="0">
             <a:noAutofit/>
           </a:bodyPr>
           <a:lstStyle/>
           <a:p>
-            <a:pPr indent="0" lvl="0" marL="0" rtl="0" algn="l">
+            <a:pPr marL="0" lvl="0" indent="0" algn="l" rtl="0">
               <a:spcBef>
                 <a:spcPts val="0"/>
               </a:spcBef>
@@ -2885,9 +2960,6 @@
               </a:spcAft>
               <a:buNone/>
             </a:pPr>
-            <a:r>
-              <a:t/>
-            </a:r>
             <a:endParaRPr/>
           </a:p>
         </p:txBody>
@@ -2895,7 +2967,9 @@
       <p:sp>
         <p:nvSpPr>
           <p:cNvPr id="21" name="Google Shape;21;p4"/>
-          <p:cNvSpPr txBox="1"/>
+          <p:cNvSpPr txBox="1">
+            <a:spLocks noGrp="1"/>
+          </p:cNvSpPr>
           <p:nvPr>
             <p:ph type="title"/>
           </p:nvPr>
@@ -2910,7 +2984,7 @@
           </a:prstGeom>
         </p:spPr>
         <p:txBody>
-          <a:bodyPr anchorCtr="0" anchor="t" bIns="91425" lIns="91425" spcFirstLastPara="1" rIns="91425" wrap="square" tIns="91425">
+          <a:bodyPr spcFirstLastPara="1" wrap="square" lIns="91425" tIns="91425" rIns="91425" bIns="91425" anchor="t" anchorCtr="0">
             <a:normAutofit/>
           </a:bodyPr>
           <a:lstStyle>
@@ -3014,15 +3088,19 @@
               <a:defRPr/>
             </a:lvl9pPr>
           </a:lstStyle>
-          <a:p/>
+          <a:p>
+            <a:endParaRPr/>
+          </a:p>
         </p:txBody>
       </p:sp>
       <p:sp>
         <p:nvSpPr>
           <p:cNvPr id="22" name="Google Shape;22;p4"/>
-          <p:cNvSpPr txBox="1"/>
+          <p:cNvSpPr txBox="1">
+            <a:spLocks noGrp="1"/>
+          </p:cNvSpPr>
           <p:nvPr>
-            <p:ph idx="1" type="body"/>
+            <p:ph type="body" idx="1"/>
           </p:nvPr>
         </p:nvSpPr>
         <p:spPr>
@@ -3035,11 +3113,11 @@
           </a:prstGeom>
         </p:spPr>
         <p:txBody>
-          <a:bodyPr anchorCtr="0" anchor="t" bIns="91425" lIns="91425" spcFirstLastPara="1" rIns="91425" wrap="square" tIns="91425">
+          <a:bodyPr spcFirstLastPara="1" wrap="square" lIns="91425" tIns="91425" rIns="91425" bIns="91425" anchor="t" anchorCtr="0">
             <a:normAutofit/>
           </a:bodyPr>
           <a:lstStyle>
-            <a:lvl1pPr indent="-342900" lvl="0" marL="457200">
+            <a:lvl1pPr marL="457200" lvl="0" indent="-342900">
               <a:spcBef>
                 <a:spcPts val="0"/>
               </a:spcBef>
@@ -3050,7 +3128,7 @@
               <a:buChar char="●"/>
               <a:defRPr/>
             </a:lvl1pPr>
-            <a:lvl2pPr indent="-317500" lvl="1" marL="914400">
+            <a:lvl2pPr marL="914400" lvl="1" indent="-317500">
               <a:spcBef>
                 <a:spcPts val="0"/>
               </a:spcBef>
@@ -3061,7 +3139,7 @@
               <a:buChar char="○"/>
               <a:defRPr/>
             </a:lvl2pPr>
-            <a:lvl3pPr indent="-317500" lvl="2" marL="1371600">
+            <a:lvl3pPr marL="1371600" lvl="2" indent="-317500">
               <a:spcBef>
                 <a:spcPts val="0"/>
               </a:spcBef>
@@ -3072,7 +3150,7 @@
               <a:buChar char="■"/>
               <a:defRPr/>
             </a:lvl3pPr>
-            <a:lvl4pPr indent="-317500" lvl="3" marL="1828800">
+            <a:lvl4pPr marL="1828800" lvl="3" indent="-317500">
               <a:spcBef>
                 <a:spcPts val="0"/>
               </a:spcBef>
@@ -3083,7 +3161,7 @@
               <a:buChar char="●"/>
               <a:defRPr/>
             </a:lvl4pPr>
-            <a:lvl5pPr indent="-317500" lvl="4" marL="2286000">
+            <a:lvl5pPr marL="2286000" lvl="4" indent="-317500">
               <a:spcBef>
                 <a:spcPts val="0"/>
               </a:spcBef>
@@ -3094,7 +3172,7 @@
               <a:buChar char="○"/>
               <a:defRPr/>
             </a:lvl5pPr>
-            <a:lvl6pPr indent="-317500" lvl="5" marL="2743200">
+            <a:lvl6pPr marL="2743200" lvl="5" indent="-317500">
               <a:spcBef>
                 <a:spcPts val="0"/>
               </a:spcBef>
@@ -3105,7 +3183,7 @@
               <a:buChar char="■"/>
               <a:defRPr/>
             </a:lvl6pPr>
-            <a:lvl7pPr indent="-317500" lvl="6" marL="3200400">
+            <a:lvl7pPr marL="3200400" lvl="6" indent="-317500">
               <a:spcBef>
                 <a:spcPts val="0"/>
               </a:spcBef>
@@ -3116,7 +3194,7 @@
               <a:buChar char="●"/>
               <a:defRPr/>
             </a:lvl7pPr>
-            <a:lvl8pPr indent="-317500" lvl="7" marL="3657600">
+            <a:lvl8pPr marL="3657600" lvl="7" indent="-317500">
               <a:spcBef>
                 <a:spcPts val="0"/>
               </a:spcBef>
@@ -3127,7 +3205,7 @@
               <a:buChar char="○"/>
               <a:defRPr/>
             </a:lvl8pPr>
-            <a:lvl9pPr indent="-317500" lvl="8" marL="4114800">
+            <a:lvl9pPr marL="4114800" lvl="8" indent="-317500">
               <a:spcBef>
                 <a:spcPts val="0"/>
               </a:spcBef>
@@ -3139,15 +3217,19 @@
               <a:defRPr/>
             </a:lvl9pPr>
           </a:lstStyle>
-          <a:p/>
+          <a:p>
+            <a:endParaRPr/>
+          </a:p>
         </p:txBody>
       </p:sp>
       <p:sp>
         <p:nvSpPr>
           <p:cNvPr id="23" name="Google Shape;23;p4"/>
-          <p:cNvSpPr txBox="1"/>
+          <p:cNvSpPr txBox="1">
+            <a:spLocks noGrp="1"/>
+          </p:cNvSpPr>
           <p:nvPr>
-            <p:ph idx="12" type="sldNum"/>
+            <p:ph type="sldNum" idx="12"/>
           </p:nvPr>
         </p:nvSpPr>
         <p:spPr>
@@ -3160,7 +3242,7 @@
           </a:prstGeom>
         </p:spPr>
         <p:txBody>
-          <a:bodyPr anchorCtr="0" anchor="ctr" bIns="91425" lIns="91425" spcFirstLastPara="1" rIns="91425" wrap="square" tIns="91425">
+          <a:bodyPr spcFirstLastPara="1" wrap="square" lIns="91425" tIns="91425" rIns="91425" bIns="91425" anchor="ctr" anchorCtr="0">
             <a:normAutofit/>
           </a:bodyPr>
           <a:lstStyle>
@@ -3202,7 +3284,7 @@
             </a:lvl9pPr>
           </a:lstStyle>
           <a:p>
-            <a:pPr indent="0" lvl="0" marL="0" rtl="0" algn="r">
+            <a:pPr marL="0" lvl="0" indent="0" algn="r" rtl="0">
               <a:spcBef>
                 <a:spcPts val="0"/>
               </a:spcBef>
@@ -3213,7 +3295,7 @@
             </a:pPr>
             <a:fld id="{00000000-1234-1234-1234-123412341234}" type="slidenum">
               <a:rPr lang="en"/>
-              <a:t>‹#›</a:t>
+              <a:t>‹N°›</a:t>
             </a:fld>
             <a:endParaRPr/>
           </a:p>
@@ -3228,11 +3310,11 @@
 </file>
 
 <file path=ppt/slideLayouts/slideLayout4.xml><?xml version="1.0" encoding="utf-8"?>
-<p:sldLayout xmlns:a="http://schemas.openxmlformats.org/drawingml/2006/main" xmlns:r="http://schemas.openxmlformats.org/officeDocument/2006/relationships" xmlns:mc="http://schemas.openxmlformats.org/markup-compatibility/2006" xmlns:mv="urn:schemas-microsoft-com:mac:vml" xmlns:p="http://schemas.openxmlformats.org/presentationml/2006/main" xmlns:c="http://schemas.openxmlformats.org/drawingml/2006/chart" xmlns:dgm="http://schemas.openxmlformats.org/drawingml/2006/diagram" xmlns:o="urn:schemas-microsoft-com:office:office" xmlns:v="urn:schemas-microsoft-com:vml" xmlns:pvml="urn:schemas-microsoft-com:office:powerpoint" xmlns:com="http://schemas.openxmlformats.org/drawingml/2006/compatibility" xmlns:p14="http://schemas.microsoft.com/office/powerpoint/2010/main" xmlns:p15="http://schemas.microsoft.com/office/powerpoint/2012/main" xmlns:ahyp="http://schemas.microsoft.com/office/drawing/2018/hyperlinkcolor" matchingName="Title and two columns" type="twoColTx">
+<p:sldLayout xmlns:a="http://schemas.openxmlformats.org/drawingml/2006/main" xmlns:r="http://schemas.openxmlformats.org/officeDocument/2006/relationships" xmlns:p="http://schemas.openxmlformats.org/presentationml/2006/main" matchingName="Title and two columns" type="twoColTx">
   <p:cSld name="TITLE_AND_TWO_COLUMNS">
     <p:spTree>
       <p:nvGrpSpPr>
-        <p:cNvPr id="24" name="Shape 24"/>
+        <p:cNvPr id="1" name="Shape 24"/>
         <p:cNvGrpSpPr/>
         <p:nvPr/>
       </p:nvGrpSpPr>
@@ -3247,7 +3329,9 @@
       <p:sp>
         <p:nvSpPr>
           <p:cNvPr id="25" name="Google Shape;25;p5"/>
-          <p:cNvSpPr txBox="1"/>
+          <p:cNvSpPr txBox="1">
+            <a:spLocks noGrp="1"/>
+          </p:cNvSpPr>
           <p:nvPr>
             <p:ph type="title"/>
           </p:nvPr>
@@ -3262,7 +3346,7 @@
           </a:prstGeom>
         </p:spPr>
         <p:txBody>
-          <a:bodyPr anchorCtr="0" anchor="t" bIns="91425" lIns="91425" spcFirstLastPara="1" rIns="91425" wrap="square" tIns="91425">
+          <a:bodyPr spcFirstLastPara="1" wrap="square" lIns="91425" tIns="91425" rIns="91425" bIns="91425" anchor="t" anchorCtr="0">
             <a:normAutofit/>
           </a:bodyPr>
           <a:lstStyle>
@@ -3366,15 +3450,19 @@
               <a:defRPr/>
             </a:lvl9pPr>
           </a:lstStyle>
-          <a:p/>
+          <a:p>
+            <a:endParaRPr/>
+          </a:p>
         </p:txBody>
       </p:sp>
       <p:sp>
         <p:nvSpPr>
           <p:cNvPr id="26" name="Google Shape;26;p5"/>
-          <p:cNvSpPr txBox="1"/>
+          <p:cNvSpPr txBox="1">
+            <a:spLocks noGrp="1"/>
+          </p:cNvSpPr>
           <p:nvPr>
-            <p:ph idx="1" type="body"/>
+            <p:ph type="body" idx="1"/>
           </p:nvPr>
         </p:nvSpPr>
         <p:spPr>
@@ -3387,11 +3475,11 @@
           </a:prstGeom>
         </p:spPr>
         <p:txBody>
-          <a:bodyPr anchorCtr="0" anchor="t" bIns="91425" lIns="91425" spcFirstLastPara="1" rIns="91425" wrap="square" tIns="91425">
+          <a:bodyPr spcFirstLastPara="1" wrap="square" lIns="91425" tIns="91425" rIns="91425" bIns="91425" anchor="t" anchorCtr="0">
             <a:normAutofit/>
           </a:bodyPr>
           <a:lstStyle>
-            <a:lvl1pPr indent="-317500" lvl="0" marL="457200">
+            <a:lvl1pPr marL="457200" lvl="0" indent="-317500">
               <a:spcBef>
                 <a:spcPts val="0"/>
               </a:spcBef>
@@ -3402,7 +3490,7 @@
               <a:buChar char="●"/>
               <a:defRPr sz="1400"/>
             </a:lvl1pPr>
-            <a:lvl2pPr indent="-304800" lvl="1" marL="914400">
+            <a:lvl2pPr marL="914400" lvl="1" indent="-304800">
               <a:spcBef>
                 <a:spcPts val="0"/>
               </a:spcBef>
@@ -3413,7 +3501,7 @@
               <a:buChar char="○"/>
               <a:defRPr sz="1200"/>
             </a:lvl2pPr>
-            <a:lvl3pPr indent="-304800" lvl="2" marL="1371600">
+            <a:lvl3pPr marL="1371600" lvl="2" indent="-304800">
               <a:spcBef>
                 <a:spcPts val="0"/>
               </a:spcBef>
@@ -3424,7 +3512,7 @@
               <a:buChar char="■"/>
               <a:defRPr sz="1200"/>
             </a:lvl3pPr>
-            <a:lvl4pPr indent="-304800" lvl="3" marL="1828800">
+            <a:lvl4pPr marL="1828800" lvl="3" indent="-304800">
               <a:spcBef>
                 <a:spcPts val="0"/>
               </a:spcBef>
@@ -3435,7 +3523,7 @@
               <a:buChar char="●"/>
               <a:defRPr sz="1200"/>
             </a:lvl4pPr>
-            <a:lvl5pPr indent="-304800" lvl="4" marL="2286000">
+            <a:lvl5pPr marL="2286000" lvl="4" indent="-304800">
               <a:spcBef>
                 <a:spcPts val="0"/>
               </a:spcBef>
@@ -3446,7 +3534,7 @@
               <a:buChar char="○"/>
               <a:defRPr sz="1200"/>
             </a:lvl5pPr>
-            <a:lvl6pPr indent="-304800" lvl="5" marL="2743200">
+            <a:lvl6pPr marL="2743200" lvl="5" indent="-304800">
               <a:spcBef>
                 <a:spcPts val="0"/>
               </a:spcBef>
@@ -3457,7 +3545,7 @@
               <a:buChar char="■"/>
               <a:defRPr sz="1200"/>
             </a:lvl6pPr>
-            <a:lvl7pPr indent="-304800" lvl="6" marL="3200400">
+            <a:lvl7pPr marL="3200400" lvl="6" indent="-304800">
               <a:spcBef>
                 <a:spcPts val="0"/>
               </a:spcBef>
@@ -3468,7 +3556,7 @@
               <a:buChar char="●"/>
               <a:defRPr sz="1200"/>
             </a:lvl7pPr>
-            <a:lvl8pPr indent="-304800" lvl="7" marL="3657600">
+            <a:lvl8pPr marL="3657600" lvl="7" indent="-304800">
               <a:spcBef>
                 <a:spcPts val="0"/>
               </a:spcBef>
@@ -3479,7 +3567,7 @@
               <a:buChar char="○"/>
               <a:defRPr sz="1200"/>
             </a:lvl8pPr>
-            <a:lvl9pPr indent="-304800" lvl="8" marL="4114800">
+            <a:lvl9pPr marL="4114800" lvl="8" indent="-304800">
               <a:spcBef>
                 <a:spcPts val="0"/>
               </a:spcBef>
@@ -3491,15 +3579,19 @@
               <a:defRPr sz="1200"/>
             </a:lvl9pPr>
           </a:lstStyle>
-          <a:p/>
+          <a:p>
+            <a:endParaRPr/>
+          </a:p>
         </p:txBody>
       </p:sp>
       <p:sp>
         <p:nvSpPr>
           <p:cNvPr id="27" name="Google Shape;27;p5"/>
-          <p:cNvSpPr txBox="1"/>
+          <p:cNvSpPr txBox="1">
+            <a:spLocks noGrp="1"/>
+          </p:cNvSpPr>
           <p:nvPr>
-            <p:ph idx="2" type="body"/>
+            <p:ph type="body" idx="2"/>
           </p:nvPr>
         </p:nvSpPr>
         <p:spPr>
@@ -3512,11 +3604,11 @@
           </a:prstGeom>
         </p:spPr>
         <p:txBody>
-          <a:bodyPr anchorCtr="0" anchor="t" bIns="91425" lIns="91425" spcFirstLastPara="1" rIns="91425" wrap="square" tIns="91425">
+          <a:bodyPr spcFirstLastPara="1" wrap="square" lIns="91425" tIns="91425" rIns="91425" bIns="91425" anchor="t" anchorCtr="0">
             <a:normAutofit/>
           </a:bodyPr>
           <a:lstStyle>
-            <a:lvl1pPr indent="-317500" lvl="0" marL="457200">
+            <a:lvl1pPr marL="457200" lvl="0" indent="-317500">
               <a:spcBef>
                 <a:spcPts val="0"/>
               </a:spcBef>
@@ -3527,7 +3619,7 @@
               <a:buChar char="●"/>
               <a:defRPr sz="1400"/>
             </a:lvl1pPr>
-            <a:lvl2pPr indent="-304800" lvl="1" marL="914400">
+            <a:lvl2pPr marL="914400" lvl="1" indent="-304800">
               <a:spcBef>
                 <a:spcPts val="0"/>
               </a:spcBef>
@@ -3538,7 +3630,7 @@
               <a:buChar char="○"/>
               <a:defRPr sz="1200"/>
             </a:lvl2pPr>
-            <a:lvl3pPr indent="-304800" lvl="2" marL="1371600">
+            <a:lvl3pPr marL="1371600" lvl="2" indent="-304800">
               <a:spcBef>
                 <a:spcPts val="0"/>
               </a:spcBef>
@@ -3549,7 +3641,7 @@
               <a:buChar char="■"/>
               <a:defRPr sz="1200"/>
             </a:lvl3pPr>
-            <a:lvl4pPr indent="-304800" lvl="3" marL="1828800">
+            <a:lvl4pPr marL="1828800" lvl="3" indent="-304800">
               <a:spcBef>
                 <a:spcPts val="0"/>
               </a:spcBef>
@@ -3560,7 +3652,7 @@
               <a:buChar char="●"/>
               <a:defRPr sz="1200"/>
             </a:lvl4pPr>
-            <a:lvl5pPr indent="-304800" lvl="4" marL="2286000">
+            <a:lvl5pPr marL="2286000" lvl="4" indent="-304800">
               <a:spcBef>
                 <a:spcPts val="0"/>
               </a:spcBef>
@@ -3571,7 +3663,7 @@
               <a:buChar char="○"/>
               <a:defRPr sz="1200"/>
             </a:lvl5pPr>
-            <a:lvl6pPr indent="-304800" lvl="5" marL="2743200">
+            <a:lvl6pPr marL="2743200" lvl="5" indent="-304800">
               <a:spcBef>
                 <a:spcPts val="0"/>
               </a:spcBef>
@@ -3582,7 +3674,7 @@
               <a:buChar char="■"/>
               <a:defRPr sz="1200"/>
             </a:lvl6pPr>
-            <a:lvl7pPr indent="-304800" lvl="6" marL="3200400">
+            <a:lvl7pPr marL="3200400" lvl="6" indent="-304800">
               <a:spcBef>
                 <a:spcPts val="0"/>
               </a:spcBef>
@@ -3593,7 +3685,7 @@
               <a:buChar char="●"/>
               <a:defRPr sz="1200"/>
             </a:lvl7pPr>
-            <a:lvl8pPr indent="-304800" lvl="7" marL="3657600">
+            <a:lvl8pPr marL="3657600" lvl="7" indent="-304800">
               <a:spcBef>
                 <a:spcPts val="0"/>
               </a:spcBef>
@@ -3604,7 +3696,7 @@
               <a:buChar char="○"/>
               <a:defRPr sz="1200"/>
             </a:lvl8pPr>
-            <a:lvl9pPr indent="-304800" lvl="8" marL="4114800">
+            <a:lvl9pPr marL="4114800" lvl="8" indent="-304800">
               <a:spcBef>
                 <a:spcPts val="0"/>
               </a:spcBef>
@@ -3616,15 +3708,19 @@
               <a:defRPr sz="1200"/>
             </a:lvl9pPr>
           </a:lstStyle>
-          <a:p/>
+          <a:p>
+            <a:endParaRPr/>
+          </a:p>
         </p:txBody>
       </p:sp>
       <p:sp>
         <p:nvSpPr>
           <p:cNvPr id="28" name="Google Shape;28;p5"/>
-          <p:cNvSpPr txBox="1"/>
+          <p:cNvSpPr txBox="1">
+            <a:spLocks noGrp="1"/>
+          </p:cNvSpPr>
           <p:nvPr>
-            <p:ph idx="12" type="sldNum"/>
+            <p:ph type="sldNum" idx="12"/>
           </p:nvPr>
         </p:nvSpPr>
         <p:spPr>
@@ -3637,7 +3733,7 @@
           </a:prstGeom>
         </p:spPr>
         <p:txBody>
-          <a:bodyPr anchorCtr="0" anchor="ctr" bIns="91425" lIns="91425" spcFirstLastPara="1" rIns="91425" wrap="square" tIns="91425">
+          <a:bodyPr spcFirstLastPara="1" wrap="square" lIns="91425" tIns="91425" rIns="91425" bIns="91425" anchor="ctr" anchorCtr="0">
             <a:normAutofit/>
           </a:bodyPr>
           <a:lstStyle>
@@ -3679,7 +3775,7 @@
             </a:lvl9pPr>
           </a:lstStyle>
           <a:p>
-            <a:pPr indent="0" lvl="0" marL="0" rtl="0" algn="r">
+            <a:pPr marL="0" lvl="0" indent="0" algn="r" rtl="0">
               <a:spcBef>
                 <a:spcPts val="0"/>
               </a:spcBef>
@@ -3690,7 +3786,7 @@
             </a:pPr>
             <a:fld id="{00000000-1234-1234-1234-123412341234}" type="slidenum">
               <a:rPr lang="en"/>
-              <a:t>‹#›</a:t>
+              <a:t>‹N°›</a:t>
             </a:fld>
             <a:endParaRPr/>
           </a:p>
@@ -3705,11 +3801,11 @@
 </file>
 
 <file path=ppt/slideLayouts/slideLayout5.xml><?xml version="1.0" encoding="utf-8"?>
-<p:sldLayout xmlns:a="http://schemas.openxmlformats.org/drawingml/2006/main" xmlns:r="http://schemas.openxmlformats.org/officeDocument/2006/relationships" xmlns:mc="http://schemas.openxmlformats.org/markup-compatibility/2006" xmlns:mv="urn:schemas-microsoft-com:mac:vml" xmlns:p="http://schemas.openxmlformats.org/presentationml/2006/main" xmlns:c="http://schemas.openxmlformats.org/drawingml/2006/chart" xmlns:dgm="http://schemas.openxmlformats.org/drawingml/2006/diagram" xmlns:o="urn:schemas-microsoft-com:office:office" xmlns:v="urn:schemas-microsoft-com:vml" xmlns:pvml="urn:schemas-microsoft-com:office:powerpoint" xmlns:com="http://schemas.openxmlformats.org/drawingml/2006/compatibility" xmlns:p14="http://schemas.microsoft.com/office/powerpoint/2010/main" xmlns:p15="http://schemas.microsoft.com/office/powerpoint/2012/main" xmlns:ahyp="http://schemas.microsoft.com/office/drawing/2018/hyperlinkcolor" matchingName="Title only" type="titleOnly">
+<p:sldLayout xmlns:a="http://schemas.openxmlformats.org/drawingml/2006/main" xmlns:r="http://schemas.openxmlformats.org/officeDocument/2006/relationships" xmlns:p="http://schemas.openxmlformats.org/presentationml/2006/main" matchingName="Title only" type="titleOnly">
   <p:cSld name="TITLE_ONLY">
     <p:spTree>
       <p:nvGrpSpPr>
-        <p:cNvPr id="29" name="Shape 29"/>
+        <p:cNvPr id="1" name="Shape 29"/>
         <p:cNvGrpSpPr/>
         <p:nvPr/>
       </p:nvGrpSpPr>
@@ -3724,7 +3820,9 @@
       <p:sp>
         <p:nvSpPr>
           <p:cNvPr id="30" name="Google Shape;30;p6"/>
-          <p:cNvSpPr txBox="1"/>
+          <p:cNvSpPr txBox="1">
+            <a:spLocks noGrp="1"/>
+          </p:cNvSpPr>
           <p:nvPr>
             <p:ph type="title"/>
           </p:nvPr>
@@ -3739,7 +3837,7 @@
           </a:prstGeom>
         </p:spPr>
         <p:txBody>
-          <a:bodyPr anchorCtr="0" anchor="t" bIns="91425" lIns="91425" spcFirstLastPara="1" rIns="91425" wrap="square" tIns="91425">
+          <a:bodyPr spcFirstLastPara="1" wrap="square" lIns="91425" tIns="91425" rIns="91425" bIns="91425" anchor="t" anchorCtr="0">
             <a:normAutofit/>
           </a:bodyPr>
           <a:lstStyle>
@@ -3843,15 +3941,19 @@
               <a:defRPr/>
             </a:lvl9pPr>
           </a:lstStyle>
-          <a:p/>
+          <a:p>
+            <a:endParaRPr/>
+          </a:p>
         </p:txBody>
       </p:sp>
       <p:sp>
         <p:nvSpPr>
           <p:cNvPr id="31" name="Google Shape;31;p6"/>
-          <p:cNvSpPr txBox="1"/>
+          <p:cNvSpPr txBox="1">
+            <a:spLocks noGrp="1"/>
+          </p:cNvSpPr>
           <p:nvPr>
-            <p:ph idx="12" type="sldNum"/>
+            <p:ph type="sldNum" idx="12"/>
           </p:nvPr>
         </p:nvSpPr>
         <p:spPr>
@@ -3864,7 +3966,7 @@
           </a:prstGeom>
         </p:spPr>
         <p:txBody>
-          <a:bodyPr anchorCtr="0" anchor="ctr" bIns="91425" lIns="91425" spcFirstLastPara="1" rIns="91425" wrap="square" tIns="91425">
+          <a:bodyPr spcFirstLastPara="1" wrap="square" lIns="91425" tIns="91425" rIns="91425" bIns="91425" anchor="ctr" anchorCtr="0">
             <a:normAutofit/>
           </a:bodyPr>
           <a:lstStyle>
@@ -3906,7 +4008,7 @@
             </a:lvl9pPr>
           </a:lstStyle>
           <a:p>
-            <a:pPr indent="0" lvl="0" marL="0" rtl="0" algn="r">
+            <a:pPr marL="0" lvl="0" indent="0" algn="r" rtl="0">
               <a:spcBef>
                 <a:spcPts val="0"/>
               </a:spcBef>
@@ -3917,7 +4019,7 @@
             </a:pPr>
             <a:fld id="{00000000-1234-1234-1234-123412341234}" type="slidenum">
               <a:rPr lang="en"/>
-              <a:t>‹#›</a:t>
+              <a:t>‹N°›</a:t>
             </a:fld>
             <a:endParaRPr/>
           </a:p>
@@ -3932,11 +4034,11 @@
 </file>
 
 <file path=ppt/slideLayouts/slideLayout6.xml><?xml version="1.0" encoding="utf-8"?>
-<p:sldLayout xmlns:a="http://schemas.openxmlformats.org/drawingml/2006/main" xmlns:r="http://schemas.openxmlformats.org/officeDocument/2006/relationships" xmlns:mc="http://schemas.openxmlformats.org/markup-compatibility/2006" xmlns:mv="urn:schemas-microsoft-com:mac:vml" xmlns:p="http://schemas.openxmlformats.org/presentationml/2006/main" xmlns:c="http://schemas.openxmlformats.org/drawingml/2006/chart" xmlns:dgm="http://schemas.openxmlformats.org/drawingml/2006/diagram" xmlns:o="urn:schemas-microsoft-com:office:office" xmlns:v="urn:schemas-microsoft-com:vml" xmlns:pvml="urn:schemas-microsoft-com:office:powerpoint" xmlns:com="http://schemas.openxmlformats.org/drawingml/2006/compatibility" xmlns:p14="http://schemas.microsoft.com/office/powerpoint/2010/main" xmlns:p15="http://schemas.microsoft.com/office/powerpoint/2012/main" xmlns:ahyp="http://schemas.microsoft.com/office/drawing/2018/hyperlinkcolor" matchingName="One column text">
+<p:sldLayout xmlns:a="http://schemas.openxmlformats.org/drawingml/2006/main" xmlns:r="http://schemas.openxmlformats.org/officeDocument/2006/relationships" xmlns:p="http://schemas.openxmlformats.org/presentationml/2006/main" matchingName="One column text">
   <p:cSld name="ONE_COLUMN_TEXT">
     <p:spTree>
       <p:nvGrpSpPr>
-        <p:cNvPr id="32" name="Shape 32"/>
+        <p:cNvPr id="1" name="Shape 32"/>
         <p:cNvGrpSpPr/>
         <p:nvPr/>
       </p:nvGrpSpPr>
@@ -3951,7 +4053,9 @@
       <p:sp>
         <p:nvSpPr>
           <p:cNvPr id="33" name="Google Shape;33;p7"/>
-          <p:cNvSpPr txBox="1"/>
+          <p:cNvSpPr txBox="1">
+            <a:spLocks noGrp="1"/>
+          </p:cNvSpPr>
           <p:nvPr>
             <p:ph type="title"/>
           </p:nvPr>
@@ -3966,7 +4070,7 @@
           </a:prstGeom>
         </p:spPr>
         <p:txBody>
-          <a:bodyPr anchorCtr="0" anchor="b" bIns="91425" lIns="91425" spcFirstLastPara="1" rIns="91425" wrap="square" tIns="91425">
+          <a:bodyPr spcFirstLastPara="1" wrap="square" lIns="91425" tIns="91425" rIns="91425" bIns="91425" anchor="b" anchorCtr="0">
             <a:normAutofit/>
           </a:bodyPr>
           <a:lstStyle>
@@ -4070,15 +4174,19 @@
               <a:defRPr sz="2400"/>
             </a:lvl9pPr>
           </a:lstStyle>
-          <a:p/>
+          <a:p>
+            <a:endParaRPr/>
+          </a:p>
         </p:txBody>
       </p:sp>
       <p:sp>
         <p:nvSpPr>
           <p:cNvPr id="34" name="Google Shape;34;p7"/>
-          <p:cNvSpPr txBox="1"/>
+          <p:cNvSpPr txBox="1">
+            <a:spLocks noGrp="1"/>
+          </p:cNvSpPr>
           <p:nvPr>
-            <p:ph idx="1" type="body"/>
+            <p:ph type="body" idx="1"/>
           </p:nvPr>
         </p:nvSpPr>
         <p:spPr>
@@ -4091,11 +4199,11 @@
           </a:prstGeom>
         </p:spPr>
         <p:txBody>
-          <a:bodyPr anchorCtr="0" anchor="t" bIns="91425" lIns="91425" spcFirstLastPara="1" rIns="91425" wrap="square" tIns="91425">
+          <a:bodyPr spcFirstLastPara="1" wrap="square" lIns="91425" tIns="91425" rIns="91425" bIns="91425" anchor="t" anchorCtr="0">
             <a:normAutofit/>
           </a:bodyPr>
           <a:lstStyle>
-            <a:lvl1pPr indent="-304800" lvl="0" marL="457200">
+            <a:lvl1pPr marL="457200" lvl="0" indent="-304800">
               <a:spcBef>
                 <a:spcPts val="0"/>
               </a:spcBef>
@@ -4106,7 +4214,7 @@
               <a:buChar char="●"/>
               <a:defRPr sz="1200"/>
             </a:lvl1pPr>
-            <a:lvl2pPr indent="-304800" lvl="1" marL="914400">
+            <a:lvl2pPr marL="914400" lvl="1" indent="-304800">
               <a:spcBef>
                 <a:spcPts val="0"/>
               </a:spcBef>
@@ -4117,7 +4225,7 @@
               <a:buChar char="○"/>
               <a:defRPr sz="1200"/>
             </a:lvl2pPr>
-            <a:lvl3pPr indent="-304800" lvl="2" marL="1371600">
+            <a:lvl3pPr marL="1371600" lvl="2" indent="-304800">
               <a:spcBef>
                 <a:spcPts val="0"/>
               </a:spcBef>
@@ -4128,7 +4236,7 @@
               <a:buChar char="■"/>
               <a:defRPr sz="1200"/>
             </a:lvl3pPr>
-            <a:lvl4pPr indent="-304800" lvl="3" marL="1828800">
+            <a:lvl4pPr marL="1828800" lvl="3" indent="-304800">
               <a:spcBef>
                 <a:spcPts val="0"/>
               </a:spcBef>
@@ -4139,7 +4247,7 @@
               <a:buChar char="●"/>
               <a:defRPr sz="1200"/>
             </a:lvl4pPr>
-            <a:lvl5pPr indent="-304800" lvl="4" marL="2286000">
+            <a:lvl5pPr marL="2286000" lvl="4" indent="-304800">
               <a:spcBef>
                 <a:spcPts val="0"/>
               </a:spcBef>
@@ -4150,7 +4258,7 @@
               <a:buChar char="○"/>
               <a:defRPr sz="1200"/>
             </a:lvl5pPr>
-            <a:lvl6pPr indent="-304800" lvl="5" marL="2743200">
+            <a:lvl6pPr marL="2743200" lvl="5" indent="-304800">
               <a:spcBef>
                 <a:spcPts val="0"/>
               </a:spcBef>
@@ -4161,7 +4269,7 @@
               <a:buChar char="■"/>
               <a:defRPr sz="1200"/>
             </a:lvl6pPr>
-            <a:lvl7pPr indent="-304800" lvl="6" marL="3200400">
+            <a:lvl7pPr marL="3200400" lvl="6" indent="-304800">
               <a:spcBef>
                 <a:spcPts val="0"/>
               </a:spcBef>
@@ -4172,7 +4280,7 @@
               <a:buChar char="●"/>
               <a:defRPr sz="1200"/>
             </a:lvl7pPr>
-            <a:lvl8pPr indent="-304800" lvl="7" marL="3657600">
+            <a:lvl8pPr marL="3657600" lvl="7" indent="-304800">
               <a:spcBef>
                 <a:spcPts val="0"/>
               </a:spcBef>
@@ -4183,7 +4291,7 @@
               <a:buChar char="○"/>
               <a:defRPr sz="1200"/>
             </a:lvl8pPr>
-            <a:lvl9pPr indent="-304800" lvl="8" marL="4114800">
+            <a:lvl9pPr marL="4114800" lvl="8" indent="-304800">
               <a:spcBef>
                 <a:spcPts val="0"/>
               </a:spcBef>
@@ -4195,15 +4303,19 @@
               <a:defRPr sz="1200"/>
             </a:lvl9pPr>
           </a:lstStyle>
-          <a:p/>
+          <a:p>
+            <a:endParaRPr/>
+          </a:p>
         </p:txBody>
       </p:sp>
       <p:sp>
         <p:nvSpPr>
           <p:cNvPr id="35" name="Google Shape;35;p7"/>
-          <p:cNvSpPr txBox="1"/>
+          <p:cNvSpPr txBox="1">
+            <a:spLocks noGrp="1"/>
+          </p:cNvSpPr>
           <p:nvPr>
-            <p:ph idx="12" type="sldNum"/>
+            <p:ph type="sldNum" idx="12"/>
           </p:nvPr>
         </p:nvSpPr>
         <p:spPr>
@@ -4216,7 +4328,7 @@
           </a:prstGeom>
         </p:spPr>
         <p:txBody>
-          <a:bodyPr anchorCtr="0" anchor="ctr" bIns="91425" lIns="91425" spcFirstLastPara="1" rIns="91425" wrap="square" tIns="91425">
+          <a:bodyPr spcFirstLastPara="1" wrap="square" lIns="91425" tIns="91425" rIns="91425" bIns="91425" anchor="ctr" anchorCtr="0">
             <a:normAutofit/>
           </a:bodyPr>
           <a:lstStyle>
@@ -4258,7 +4370,7 @@
             </a:lvl9pPr>
           </a:lstStyle>
           <a:p>
-            <a:pPr indent="0" lvl="0" marL="0" rtl="0" algn="r">
+            <a:pPr marL="0" lvl="0" indent="0" algn="r" rtl="0">
               <a:spcBef>
                 <a:spcPts val="0"/>
               </a:spcBef>
@@ -4269,7 +4381,7 @@
             </a:pPr>
             <a:fld id="{00000000-1234-1234-1234-123412341234}" type="slidenum">
               <a:rPr lang="en"/>
-              <a:t>‹#›</a:t>
+              <a:t>‹N°›</a:t>
             </a:fld>
             <a:endParaRPr/>
           </a:p>
@@ -4284,18 +4396,19 @@
 </file>
 
 <file path=ppt/slideLayouts/slideLayout7.xml><?xml version="1.0" encoding="utf-8"?>
-<p:sldLayout xmlns:a="http://schemas.openxmlformats.org/drawingml/2006/main" xmlns:r="http://schemas.openxmlformats.org/officeDocument/2006/relationships" xmlns:mc="http://schemas.openxmlformats.org/markup-compatibility/2006" xmlns:mv="urn:schemas-microsoft-com:mac:vml" xmlns:p="http://schemas.openxmlformats.org/presentationml/2006/main" xmlns:c="http://schemas.openxmlformats.org/drawingml/2006/chart" xmlns:dgm="http://schemas.openxmlformats.org/drawingml/2006/diagram" xmlns:o="urn:schemas-microsoft-com:office:office" xmlns:v="urn:schemas-microsoft-com:vml" xmlns:pvml="urn:schemas-microsoft-com:office:powerpoint" xmlns:com="http://schemas.openxmlformats.org/drawingml/2006/compatibility" xmlns:p14="http://schemas.microsoft.com/office/powerpoint/2010/main" xmlns:p15="http://schemas.microsoft.com/office/powerpoint/2012/main" xmlns:ahyp="http://schemas.microsoft.com/office/drawing/2018/hyperlinkcolor" matchingName="Main point">
+<p:sldLayout xmlns:a="http://schemas.openxmlformats.org/drawingml/2006/main" xmlns:r="http://schemas.openxmlformats.org/officeDocument/2006/relationships" xmlns:p="http://schemas.openxmlformats.org/presentationml/2006/main" matchingName="Main point">
   <p:cSld name="MAIN_POINT">
     <p:bg>
       <p:bgPr>
         <a:solidFill>
           <a:schemeClr val="lt2"/>
         </a:solidFill>
+        <a:effectLst/>
       </p:bgPr>
     </p:bg>
     <p:spTree>
       <p:nvGrpSpPr>
-        <p:cNvPr id="36" name="Shape 36"/>
+        <p:cNvPr id="1" name="Shape 36"/>
         <p:cNvGrpSpPr/>
         <p:nvPr/>
       </p:nvGrpSpPr>
@@ -4310,7 +4423,9 @@
       <p:sp>
         <p:nvSpPr>
           <p:cNvPr id="37" name="Google Shape;37;p8"/>
-          <p:cNvSpPr txBox="1"/>
+          <p:cNvSpPr txBox="1">
+            <a:spLocks noGrp="1"/>
+          </p:cNvSpPr>
           <p:nvPr>
             <p:ph type="title"/>
           </p:nvPr>
@@ -4325,7 +4440,7 @@
           </a:prstGeom>
         </p:spPr>
         <p:txBody>
-          <a:bodyPr anchorCtr="0" anchor="ctr" bIns="91425" lIns="91425" spcFirstLastPara="1" rIns="91425" wrap="square" tIns="91425">
+          <a:bodyPr spcFirstLastPara="1" wrap="square" lIns="91425" tIns="91425" rIns="91425" bIns="91425" anchor="ctr" anchorCtr="0">
             <a:normAutofit/>
           </a:bodyPr>
           <a:lstStyle>
@@ -4492,15 +4607,19 @@
               </a:defRPr>
             </a:lvl9pPr>
           </a:lstStyle>
-          <a:p/>
+          <a:p>
+            <a:endParaRPr/>
+          </a:p>
         </p:txBody>
       </p:sp>
       <p:sp>
         <p:nvSpPr>
           <p:cNvPr id="38" name="Google Shape;38;p8"/>
-          <p:cNvSpPr txBox="1"/>
+          <p:cNvSpPr txBox="1">
+            <a:spLocks noGrp="1"/>
+          </p:cNvSpPr>
           <p:nvPr>
-            <p:ph idx="12" type="sldNum"/>
+            <p:ph type="sldNum" idx="12"/>
           </p:nvPr>
         </p:nvSpPr>
         <p:spPr>
@@ -4513,7 +4632,7 @@
           </a:prstGeom>
         </p:spPr>
         <p:txBody>
-          <a:bodyPr anchorCtr="0" anchor="ctr" bIns="91425" lIns="91425" spcFirstLastPara="1" rIns="91425" wrap="square" tIns="91425">
+          <a:bodyPr spcFirstLastPara="1" wrap="square" lIns="91425" tIns="91425" rIns="91425" bIns="91425" anchor="ctr" anchorCtr="0">
             <a:normAutofit/>
           </a:bodyPr>
           <a:lstStyle>
@@ -4591,7 +4710,7 @@
             </a:lvl9pPr>
           </a:lstStyle>
           <a:p>
-            <a:pPr indent="0" lvl="0" marL="0" rtl="0" algn="r">
+            <a:pPr marL="0" lvl="0" indent="0" algn="r" rtl="0">
               <a:spcBef>
                 <a:spcPts val="0"/>
               </a:spcBef>
@@ -4602,7 +4721,7 @@
             </a:pPr>
             <a:fld id="{00000000-1234-1234-1234-123412341234}" type="slidenum">
               <a:rPr lang="en"/>
-              <a:t>‹#›</a:t>
+              <a:t>‹N°›</a:t>
             </a:fld>
             <a:endParaRPr/>
           </a:p>
@@ -4617,11 +4736,11 @@
 </file>
 
 <file path=ppt/slideLayouts/slideLayout8.xml><?xml version="1.0" encoding="utf-8"?>
-<p:sldLayout xmlns:a="http://schemas.openxmlformats.org/drawingml/2006/main" xmlns:r="http://schemas.openxmlformats.org/officeDocument/2006/relationships" xmlns:mc="http://schemas.openxmlformats.org/markup-compatibility/2006" xmlns:mv="urn:schemas-microsoft-com:mac:vml" xmlns:p="http://schemas.openxmlformats.org/presentationml/2006/main" xmlns:c="http://schemas.openxmlformats.org/drawingml/2006/chart" xmlns:dgm="http://schemas.openxmlformats.org/drawingml/2006/diagram" xmlns:o="urn:schemas-microsoft-com:office:office" xmlns:v="urn:schemas-microsoft-com:vml" xmlns:pvml="urn:schemas-microsoft-com:office:powerpoint" xmlns:com="http://schemas.openxmlformats.org/drawingml/2006/compatibility" xmlns:p14="http://schemas.microsoft.com/office/powerpoint/2010/main" xmlns:p15="http://schemas.microsoft.com/office/powerpoint/2012/main" xmlns:ahyp="http://schemas.microsoft.com/office/drawing/2018/hyperlinkcolor" matchingName="Section title and description">
+<p:sldLayout xmlns:a="http://schemas.openxmlformats.org/drawingml/2006/main" xmlns:r="http://schemas.openxmlformats.org/officeDocument/2006/relationships" xmlns:p="http://schemas.openxmlformats.org/presentationml/2006/main" matchingName="Section title and description">
   <p:cSld name="SECTION_TITLE_AND_DESCRIPTION">
     <p:spTree>
       <p:nvGrpSpPr>
-        <p:cNvPr id="39" name="Shape 39"/>
+        <p:cNvPr id="1" name="Shape 39"/>
         <p:cNvGrpSpPr/>
         <p:nvPr/>
       </p:nvGrpSpPr>
@@ -4655,12 +4774,12 @@
           </a:ln>
         </p:spPr>
         <p:txBody>
-          <a:bodyPr anchorCtr="0" anchor="ctr" bIns="91425" lIns="91425" spcFirstLastPara="1" rIns="91425" wrap="square" tIns="91425">
+          <a:bodyPr spcFirstLastPara="1" wrap="square" lIns="91425" tIns="91425" rIns="91425" bIns="91425" anchor="ctr" anchorCtr="0">
             <a:noAutofit/>
           </a:bodyPr>
           <a:lstStyle/>
           <a:p>
-            <a:pPr indent="0" lvl="0" marL="0" rtl="0" algn="l">
+            <a:pPr marL="0" lvl="0" indent="0" algn="l" rtl="0">
               <a:spcBef>
                 <a:spcPts val="0"/>
               </a:spcBef>
@@ -4669,9 +4788,6 @@
               </a:spcAft>
               <a:buNone/>
             </a:pPr>
-            <a:r>
-              <a:t/>
-            </a:r>
             <a:endParaRPr/>
           </a:p>
         </p:txBody>
@@ -4691,21 +4807,23 @@
             <a:avLst/>
           </a:prstGeom>
           <a:noFill/>
-          <a:ln cap="flat" cmpd="sng" w="19050">
+          <a:ln w="19050" cap="flat" cmpd="sng">
             <a:solidFill>
               <a:schemeClr val="lt2"/>
             </a:solidFill>
             <a:prstDash val="solid"/>
             <a:round/>
-            <a:headEnd len="sm" w="sm" type="none"/>
-            <a:tailEnd len="sm" w="sm" type="none"/>
+            <a:headEnd type="none" w="sm" len="sm"/>
+            <a:tailEnd type="none" w="sm" len="sm"/>
           </a:ln>
         </p:spPr>
       </p:cxnSp>
       <p:sp>
         <p:nvSpPr>
           <p:cNvPr id="42" name="Google Shape;42;p9"/>
-          <p:cNvSpPr txBox="1"/>
+          <p:cNvSpPr txBox="1">
+            <a:spLocks noGrp="1"/>
+          </p:cNvSpPr>
           <p:nvPr>
             <p:ph type="title"/>
           </p:nvPr>
@@ -4720,7 +4838,7 @@
           </a:prstGeom>
         </p:spPr>
         <p:txBody>
-          <a:bodyPr anchorCtr="0" anchor="b" bIns="91425" lIns="91425" spcFirstLastPara="1" rIns="91425" wrap="square" tIns="91425">
+          <a:bodyPr spcFirstLastPara="1" wrap="square" lIns="91425" tIns="91425" rIns="91425" bIns="91425" anchor="b" anchorCtr="0">
             <a:normAutofit/>
           </a:bodyPr>
           <a:lstStyle>
@@ -4887,15 +5005,19 @@
               </a:defRPr>
             </a:lvl9pPr>
           </a:lstStyle>
-          <a:p/>
+          <a:p>
+            <a:endParaRPr/>
+          </a:p>
         </p:txBody>
       </p:sp>
       <p:sp>
         <p:nvSpPr>
           <p:cNvPr id="43" name="Google Shape;43;p9"/>
-          <p:cNvSpPr txBox="1"/>
+          <p:cNvSpPr txBox="1">
+            <a:spLocks noGrp="1"/>
+          </p:cNvSpPr>
           <p:nvPr>
-            <p:ph idx="1" type="subTitle"/>
+            <p:ph type="subTitle" idx="1"/>
           </p:nvPr>
         </p:nvSpPr>
         <p:spPr>
@@ -4908,7 +5030,7 @@
           </a:prstGeom>
         </p:spPr>
         <p:txBody>
-          <a:bodyPr anchorCtr="0" anchor="t" bIns="91425" lIns="91425" spcFirstLastPara="1" rIns="91425" wrap="square" tIns="91425">
+          <a:bodyPr spcFirstLastPara="1" wrap="square" lIns="91425" tIns="91425" rIns="91425" bIns="91425" anchor="t" anchorCtr="0">
             <a:normAutofit/>
           </a:bodyPr>
           <a:lstStyle>
@@ -5039,15 +5161,19 @@
               <a:defRPr sz="2100"/>
             </a:lvl9pPr>
           </a:lstStyle>
-          <a:p/>
+          <a:p>
+            <a:endParaRPr/>
+          </a:p>
         </p:txBody>
       </p:sp>
       <p:sp>
         <p:nvSpPr>
           <p:cNvPr id="44" name="Google Shape;44;p9"/>
-          <p:cNvSpPr txBox="1"/>
+          <p:cNvSpPr txBox="1">
+            <a:spLocks noGrp="1"/>
+          </p:cNvSpPr>
           <p:nvPr>
-            <p:ph idx="2" type="body"/>
+            <p:ph type="body" idx="2"/>
           </p:nvPr>
         </p:nvSpPr>
         <p:spPr>
@@ -5060,11 +5186,11 @@
           </a:prstGeom>
         </p:spPr>
         <p:txBody>
-          <a:bodyPr anchorCtr="0" anchor="ctr" bIns="91425" lIns="91425" spcFirstLastPara="1" rIns="91425" wrap="square" tIns="91425">
+          <a:bodyPr spcFirstLastPara="1" wrap="square" lIns="91425" tIns="91425" rIns="91425" bIns="91425" anchor="ctr" anchorCtr="0">
             <a:normAutofit/>
           </a:bodyPr>
           <a:lstStyle>
-            <a:lvl1pPr indent="-342900" lvl="0" marL="457200">
+            <a:lvl1pPr marL="457200" lvl="0" indent="-342900">
               <a:spcBef>
                 <a:spcPts val="0"/>
               </a:spcBef>
@@ -5082,7 +5208,7 @@
                 </a:solidFill>
               </a:defRPr>
             </a:lvl1pPr>
-            <a:lvl2pPr indent="-317500" lvl="1" marL="914400">
+            <a:lvl2pPr marL="914400" lvl="1" indent="-317500">
               <a:spcBef>
                 <a:spcPts val="0"/>
               </a:spcBef>
@@ -5100,7 +5226,7 @@
                 </a:solidFill>
               </a:defRPr>
             </a:lvl2pPr>
-            <a:lvl3pPr indent="-317500" lvl="2" marL="1371600">
+            <a:lvl3pPr marL="1371600" lvl="2" indent="-317500">
               <a:spcBef>
                 <a:spcPts val="0"/>
               </a:spcBef>
@@ -5118,7 +5244,7 @@
                 </a:solidFill>
               </a:defRPr>
             </a:lvl3pPr>
-            <a:lvl4pPr indent="-317500" lvl="3" marL="1828800">
+            <a:lvl4pPr marL="1828800" lvl="3" indent="-317500">
               <a:spcBef>
                 <a:spcPts val="0"/>
               </a:spcBef>
@@ -5136,7 +5262,7 @@
                 </a:solidFill>
               </a:defRPr>
             </a:lvl4pPr>
-            <a:lvl5pPr indent="-317500" lvl="4" marL="2286000">
+            <a:lvl5pPr marL="2286000" lvl="4" indent="-317500">
               <a:spcBef>
                 <a:spcPts val="0"/>
               </a:spcBef>
@@ -5154,7 +5280,7 @@
                 </a:solidFill>
               </a:defRPr>
             </a:lvl5pPr>
-            <a:lvl6pPr indent="-317500" lvl="5" marL="2743200">
+            <a:lvl6pPr marL="2743200" lvl="5" indent="-317500">
               <a:spcBef>
                 <a:spcPts val="0"/>
               </a:spcBef>
@@ -5172,7 +5298,7 @@
                 </a:solidFill>
               </a:defRPr>
             </a:lvl6pPr>
-            <a:lvl7pPr indent="-317500" lvl="6" marL="3200400">
+            <a:lvl7pPr marL="3200400" lvl="6" indent="-317500">
               <a:spcBef>
                 <a:spcPts val="0"/>
               </a:spcBef>
@@ -5190,7 +5316,7 @@
                 </a:solidFill>
               </a:defRPr>
             </a:lvl7pPr>
-            <a:lvl8pPr indent="-317500" lvl="7" marL="3657600">
+            <a:lvl8pPr marL="3657600" lvl="7" indent="-317500">
               <a:spcBef>
                 <a:spcPts val="0"/>
               </a:spcBef>
@@ -5208,7 +5334,7 @@
                 </a:solidFill>
               </a:defRPr>
             </a:lvl8pPr>
-            <a:lvl9pPr indent="-317500" lvl="8" marL="4114800">
+            <a:lvl9pPr marL="4114800" lvl="8" indent="-317500">
               <a:spcBef>
                 <a:spcPts val="0"/>
               </a:spcBef>
@@ -5227,15 +5353,19 @@
               </a:defRPr>
             </a:lvl9pPr>
           </a:lstStyle>
-          <a:p/>
+          <a:p>
+            <a:endParaRPr/>
+          </a:p>
         </p:txBody>
       </p:sp>
       <p:sp>
         <p:nvSpPr>
           <p:cNvPr id="45" name="Google Shape;45;p9"/>
-          <p:cNvSpPr txBox="1"/>
+          <p:cNvSpPr txBox="1">
+            <a:spLocks noGrp="1"/>
+          </p:cNvSpPr>
           <p:nvPr>
-            <p:ph idx="12" type="sldNum"/>
+            <p:ph type="sldNum" idx="12"/>
           </p:nvPr>
         </p:nvSpPr>
         <p:spPr>
@@ -5248,7 +5378,7 @@
           </a:prstGeom>
         </p:spPr>
         <p:txBody>
-          <a:bodyPr anchorCtr="0" anchor="ctr" bIns="91425" lIns="91425" spcFirstLastPara="1" rIns="91425" wrap="square" tIns="91425">
+          <a:bodyPr spcFirstLastPara="1" wrap="square" lIns="91425" tIns="91425" rIns="91425" bIns="91425" anchor="ctr" anchorCtr="0">
             <a:normAutofit/>
           </a:bodyPr>
           <a:lstStyle>
@@ -5326,7 +5456,7 @@
             </a:lvl9pPr>
           </a:lstStyle>
           <a:p>
-            <a:pPr indent="0" lvl="0" marL="0" rtl="0" algn="r">
+            <a:pPr marL="0" lvl="0" indent="0" algn="r" rtl="0">
               <a:spcBef>
                 <a:spcPts val="0"/>
               </a:spcBef>
@@ -5337,7 +5467,7 @@
             </a:pPr>
             <a:fld id="{00000000-1234-1234-1234-123412341234}" type="slidenum">
               <a:rPr lang="en"/>
-              <a:t>‹#›</a:t>
+              <a:t>‹N°›</a:t>
             </a:fld>
             <a:endParaRPr/>
           </a:p>
@@ -5352,11 +5482,11 @@
 </file>
 
 <file path=ppt/slideLayouts/slideLayout9.xml><?xml version="1.0" encoding="utf-8"?>
-<p:sldLayout xmlns:a="http://schemas.openxmlformats.org/drawingml/2006/main" xmlns:r="http://schemas.openxmlformats.org/officeDocument/2006/relationships" xmlns:mc="http://schemas.openxmlformats.org/markup-compatibility/2006" xmlns:mv="urn:schemas-microsoft-com:mac:vml" xmlns:p="http://schemas.openxmlformats.org/presentationml/2006/main" xmlns:c="http://schemas.openxmlformats.org/drawingml/2006/chart" xmlns:dgm="http://schemas.openxmlformats.org/drawingml/2006/diagram" xmlns:o="urn:schemas-microsoft-com:office:office" xmlns:v="urn:schemas-microsoft-com:vml" xmlns:pvml="urn:schemas-microsoft-com:office:powerpoint" xmlns:com="http://schemas.openxmlformats.org/drawingml/2006/compatibility" xmlns:p14="http://schemas.microsoft.com/office/powerpoint/2010/main" xmlns:p15="http://schemas.microsoft.com/office/powerpoint/2012/main" xmlns:ahyp="http://schemas.microsoft.com/office/drawing/2018/hyperlinkcolor" matchingName="Caption">
+<p:sldLayout xmlns:a="http://schemas.openxmlformats.org/drawingml/2006/main" xmlns:r="http://schemas.openxmlformats.org/officeDocument/2006/relationships" xmlns:p="http://schemas.openxmlformats.org/presentationml/2006/main" matchingName="Caption">
   <p:cSld name="CAPTION_ONLY">
     <p:spTree>
       <p:nvGrpSpPr>
-        <p:cNvPr id="46" name="Shape 46"/>
+        <p:cNvPr id="1" name="Shape 46"/>
         <p:cNvGrpSpPr/>
         <p:nvPr/>
       </p:nvGrpSpPr>
@@ -5371,9 +5501,11 @@
       <p:sp>
         <p:nvSpPr>
           <p:cNvPr id="47" name="Google Shape;47;p10"/>
-          <p:cNvSpPr txBox="1"/>
+          <p:cNvSpPr txBox="1">
+            <a:spLocks noGrp="1"/>
+          </p:cNvSpPr>
           <p:nvPr>
-            <p:ph idx="1" type="body"/>
+            <p:ph type="body" idx="1"/>
           </p:nvPr>
         </p:nvSpPr>
         <p:spPr>
@@ -5386,11 +5518,11 @@
           </a:prstGeom>
         </p:spPr>
         <p:txBody>
-          <a:bodyPr anchorCtr="0" anchor="ctr" bIns="91425" lIns="91425" spcFirstLastPara="1" rIns="91425" wrap="square" tIns="91425">
+          <a:bodyPr spcFirstLastPara="1" wrap="square" lIns="91425" tIns="91425" rIns="91425" bIns="91425" anchor="ctr" anchorCtr="0">
             <a:normAutofit/>
           </a:bodyPr>
           <a:lstStyle>
-            <a:lvl1pPr indent="-228600" lvl="0" marL="457200">
+            <a:lvl1pPr marL="457200" lvl="0" indent="-228600">
               <a:lnSpc>
                 <a:spcPct val="100000"/>
               </a:lnSpc>
@@ -5405,15 +5537,19 @@
               <a:defRPr/>
             </a:lvl1pPr>
           </a:lstStyle>
-          <a:p/>
+          <a:p>
+            <a:endParaRPr/>
+          </a:p>
         </p:txBody>
       </p:sp>
       <p:sp>
         <p:nvSpPr>
           <p:cNvPr id="48" name="Google Shape;48;p10"/>
-          <p:cNvSpPr txBox="1"/>
+          <p:cNvSpPr txBox="1">
+            <a:spLocks noGrp="1"/>
+          </p:cNvSpPr>
           <p:nvPr>
-            <p:ph idx="12" type="sldNum"/>
+            <p:ph type="sldNum" idx="12"/>
           </p:nvPr>
         </p:nvSpPr>
         <p:spPr>
@@ -5426,7 +5562,7 @@
           </a:prstGeom>
         </p:spPr>
         <p:txBody>
-          <a:bodyPr anchorCtr="0" anchor="ctr" bIns="91425" lIns="91425" spcFirstLastPara="1" rIns="91425" wrap="square" tIns="91425">
+          <a:bodyPr spcFirstLastPara="1" wrap="square" lIns="91425" tIns="91425" rIns="91425" bIns="91425" anchor="ctr" anchorCtr="0">
             <a:normAutofit/>
           </a:bodyPr>
           <a:lstStyle>
@@ -5468,7 +5604,7 @@
             </a:lvl9pPr>
           </a:lstStyle>
           <a:p>
-            <a:pPr indent="0" lvl="0" marL="0" rtl="0" algn="r">
+            <a:pPr marL="0" lvl="0" indent="0" algn="r" rtl="0">
               <a:spcBef>
                 <a:spcPts val="0"/>
               </a:spcBef>
@@ -5479,7 +5615,7 @@
             </a:pPr>
             <a:fld id="{00000000-1234-1234-1234-123412341234}" type="slidenum">
               <a:rPr lang="en"/>
-              <a:t>‹#›</a:t>
+              <a:t>‹N°›</a:t>
             </a:fld>
             <a:endParaRPr/>
           </a:p>
@@ -5494,18 +5630,19 @@
 </file>
 
 <file path=ppt/slideMasters/slideMaster1.xml><?xml version="1.0" encoding="utf-8"?>
-<p:sldMaster xmlns:a="http://schemas.openxmlformats.org/drawingml/2006/main" xmlns:r="http://schemas.openxmlformats.org/officeDocument/2006/relationships" xmlns:mc="http://schemas.openxmlformats.org/markup-compatibility/2006" xmlns:mv="urn:schemas-microsoft-com:mac:vml" xmlns:p="http://schemas.openxmlformats.org/presentationml/2006/main" xmlns:c="http://schemas.openxmlformats.org/drawingml/2006/chart" xmlns:dgm="http://schemas.openxmlformats.org/drawingml/2006/diagram" xmlns:o="urn:schemas-microsoft-com:office:office" xmlns:v="urn:schemas-microsoft-com:vml" xmlns:pvml="urn:schemas-microsoft-com:office:powerpoint" xmlns:com="http://schemas.openxmlformats.org/drawingml/2006/compatibility" xmlns:p14="http://schemas.microsoft.com/office/powerpoint/2010/main" xmlns:p15="http://schemas.microsoft.com/office/powerpoint/2012/main" xmlns:ahyp="http://schemas.microsoft.com/office/drawing/2018/hyperlinkcolor">
+<p:sldMaster xmlns:a="http://schemas.openxmlformats.org/drawingml/2006/main" xmlns:r="http://schemas.openxmlformats.org/officeDocument/2006/relationships" xmlns:p="http://schemas.openxmlformats.org/presentationml/2006/main">
   <p:cSld name="paperback">
     <p:bg>
       <p:bgPr>
         <a:solidFill>
           <a:schemeClr val="accent1"/>
         </a:solidFill>
+        <a:effectLst/>
       </p:bgPr>
     </p:bg>
     <p:spTree>
       <p:nvGrpSpPr>
-        <p:cNvPr id="5" name="Shape 5"/>
+        <p:cNvPr id="1" name="Shape 5"/>
         <p:cNvGrpSpPr/>
         <p:nvPr/>
       </p:nvGrpSpPr>
@@ -5520,7 +5657,9 @@
       <p:sp>
         <p:nvSpPr>
           <p:cNvPr id="6" name="Google Shape;6;p1"/>
-          <p:cNvSpPr txBox="1"/>
+          <p:cNvSpPr txBox="1">
+            <a:spLocks noGrp="1"/>
+          </p:cNvSpPr>
           <p:nvPr>
             <p:ph type="title"/>
           </p:nvPr>
@@ -5539,7 +5678,7 @@
           </a:ln>
         </p:spPr>
         <p:txBody>
-          <a:bodyPr anchorCtr="0" anchor="t" bIns="91425" lIns="91425" spcFirstLastPara="1" rIns="91425" wrap="square" tIns="91425">
+          <a:bodyPr spcFirstLastPara="1" wrap="square" lIns="91425" tIns="91425" rIns="91425" bIns="91425" anchor="t" anchorCtr="0">
             <a:normAutofit/>
           </a:bodyPr>
           <a:lstStyle>
@@ -5751,15 +5890,19 @@
               </a:defRPr>
             </a:lvl9pPr>
           </a:lstStyle>
-          <a:p/>
+          <a:p>
+            <a:endParaRPr/>
+          </a:p>
         </p:txBody>
       </p:sp>
       <p:sp>
         <p:nvSpPr>
           <p:cNvPr id="7" name="Google Shape;7;p1"/>
-          <p:cNvSpPr txBox="1"/>
+          <p:cNvSpPr txBox="1">
+            <a:spLocks noGrp="1"/>
+          </p:cNvSpPr>
           <p:nvPr>
-            <p:ph idx="1" type="body"/>
+            <p:ph type="body" idx="1"/>
           </p:nvPr>
         </p:nvSpPr>
         <p:spPr>
@@ -5776,11 +5919,11 @@
           </a:ln>
         </p:spPr>
         <p:txBody>
-          <a:bodyPr anchorCtr="0" anchor="t" bIns="91425" lIns="91425" spcFirstLastPara="1" rIns="91425" wrap="square" tIns="91425">
+          <a:bodyPr spcFirstLastPara="1" wrap="square" lIns="91425" tIns="91425" rIns="91425" bIns="91425" anchor="t" anchorCtr="0">
             <a:normAutofit/>
           </a:bodyPr>
           <a:lstStyle>
-            <a:lvl1pPr indent="-342900" lvl="0" marL="457200">
+            <a:lvl1pPr marL="457200" lvl="0" indent="-342900">
               <a:lnSpc>
                 <a:spcPct val="115000"/>
               </a:lnSpc>
@@ -5806,7 +5949,7 @@
                 <a:sym typeface="Old Standard TT"/>
               </a:defRPr>
             </a:lvl1pPr>
-            <a:lvl2pPr indent="-317500" lvl="1" marL="914400">
+            <a:lvl2pPr marL="914400" lvl="1" indent="-317500">
               <a:lnSpc>
                 <a:spcPct val="115000"/>
               </a:lnSpc>
@@ -5832,7 +5975,7 @@
                 <a:sym typeface="Old Standard TT"/>
               </a:defRPr>
             </a:lvl2pPr>
-            <a:lvl3pPr indent="-317500" lvl="2" marL="1371600">
+            <a:lvl3pPr marL="1371600" lvl="2" indent="-317500">
               <a:lnSpc>
                 <a:spcPct val="115000"/>
               </a:lnSpc>
@@ -5858,7 +6001,7 @@
                 <a:sym typeface="Old Standard TT"/>
               </a:defRPr>
             </a:lvl3pPr>
-            <a:lvl4pPr indent="-317500" lvl="3" marL="1828800">
+            <a:lvl4pPr marL="1828800" lvl="3" indent="-317500">
               <a:lnSpc>
                 <a:spcPct val="115000"/>
               </a:lnSpc>
@@ -5884,7 +6027,7 @@
                 <a:sym typeface="Old Standard TT"/>
               </a:defRPr>
             </a:lvl4pPr>
-            <a:lvl5pPr indent="-317500" lvl="4" marL="2286000">
+            <a:lvl5pPr marL="2286000" lvl="4" indent="-317500">
               <a:lnSpc>
                 <a:spcPct val="115000"/>
               </a:lnSpc>
@@ -5910,7 +6053,7 @@
                 <a:sym typeface="Old Standard TT"/>
               </a:defRPr>
             </a:lvl5pPr>
-            <a:lvl6pPr indent="-317500" lvl="5" marL="2743200">
+            <a:lvl6pPr marL="2743200" lvl="5" indent="-317500">
               <a:lnSpc>
                 <a:spcPct val="115000"/>
               </a:lnSpc>
@@ -5936,7 +6079,7 @@
                 <a:sym typeface="Old Standard TT"/>
               </a:defRPr>
             </a:lvl6pPr>
-            <a:lvl7pPr indent="-317500" lvl="6" marL="3200400">
+            <a:lvl7pPr marL="3200400" lvl="6" indent="-317500">
               <a:lnSpc>
                 <a:spcPct val="115000"/>
               </a:lnSpc>
@@ -5962,7 +6105,7 @@
                 <a:sym typeface="Old Standard TT"/>
               </a:defRPr>
             </a:lvl7pPr>
-            <a:lvl8pPr indent="-317500" lvl="7" marL="3657600">
+            <a:lvl8pPr marL="3657600" lvl="7" indent="-317500">
               <a:lnSpc>
                 <a:spcPct val="115000"/>
               </a:lnSpc>
@@ -5988,7 +6131,7 @@
                 <a:sym typeface="Old Standard TT"/>
               </a:defRPr>
             </a:lvl8pPr>
-            <a:lvl9pPr indent="-317500" lvl="8" marL="4114800">
+            <a:lvl9pPr marL="4114800" lvl="8" indent="-317500">
               <a:lnSpc>
                 <a:spcPct val="115000"/>
               </a:lnSpc>
@@ -6015,15 +6158,19 @@
               </a:defRPr>
             </a:lvl9pPr>
           </a:lstStyle>
-          <a:p/>
+          <a:p>
+            <a:endParaRPr/>
+          </a:p>
         </p:txBody>
       </p:sp>
       <p:sp>
         <p:nvSpPr>
           <p:cNvPr id="8" name="Google Shape;8;p1"/>
-          <p:cNvSpPr txBox="1"/>
+          <p:cNvSpPr txBox="1">
+            <a:spLocks noGrp="1"/>
+          </p:cNvSpPr>
           <p:nvPr>
-            <p:ph idx="12" type="sldNum"/>
+            <p:ph type="sldNum" idx="12"/>
           </p:nvPr>
         </p:nvSpPr>
         <p:spPr>
@@ -6040,7 +6187,7 @@
           </a:ln>
         </p:spPr>
         <p:txBody>
-          <a:bodyPr anchorCtr="0" anchor="ctr" bIns="91425" lIns="91425" spcFirstLastPara="1" rIns="91425" wrap="square" tIns="91425">
+          <a:bodyPr spcFirstLastPara="1" wrap="square" lIns="91425" tIns="91425" rIns="91425" bIns="91425" anchor="ctr" anchorCtr="0">
             <a:normAutofit/>
           </a:bodyPr>
           <a:lstStyle>
@@ -6154,7 +6301,7 @@
             </a:lvl9pPr>
           </a:lstStyle>
           <a:p>
-            <a:pPr indent="0" lvl="0" marL="0" rtl="0" algn="r">
+            <a:pPr marL="0" lvl="0" indent="0" algn="r" rtl="0">
               <a:spcBef>
                 <a:spcPts val="0"/>
               </a:spcBef>
@@ -6165,7 +6312,7 @@
             </a:pPr>
             <a:fld id="{00000000-1234-1234-1234-123412341234}" type="slidenum">
               <a:rPr lang="en"/>
-              <a:t>‹#›</a:t>
+              <a:t>‹N°›</a:t>
             </a:fld>
             <a:endParaRPr/>
           </a:p>
@@ -6173,7 +6320,7 @@
       </p:sp>
     </p:spTree>
   </p:cSld>
-  <p:clrMap accent1="accent1" accent2="accent2" accent3="accent3" accent4="accent4" accent5="accent5" accent6="accent6" bg1="lt1" bg2="dk2" tx1="dk1" tx2="lt2" folHlink="folHlink" hlink="hlink"/>
+  <p:clrMap bg1="lt1" tx1="dk1" bg2="dk2" tx2="lt2" accent1="accent1" accent2="accent2" accent3="accent3" accent4="accent4" accent5="accent5" accent6="accent6" hlink="hlink" folHlink="folHlink"/>
   <p:sldLayoutIdLst>
     <p:sldLayoutId id="2147483648" r:id="rId1"/>
     <p:sldLayoutId id="2147483649" r:id="rId2"/>
@@ -6187,10 +6334,10 @@
     <p:sldLayoutId id="2147483657" r:id="rId10"/>
     <p:sldLayoutId id="2147483658" r:id="rId11"/>
   </p:sldLayoutIdLst>
-  <p:hf dt="0" ftr="0" hdr="0" sldNum="0"/>
+  <p:hf sldNum="0" hdr="0" ftr="0" dt="0"/>
   <p:txStyles>
     <p:titleStyle>
-      <a:defPPr lvl="0" marR="0" rtl="0" algn="l">
+      <a:defPPr marR="0" lvl="0" algn="l" rtl="0">
         <a:lnSpc>
           <a:spcPct val="100000"/>
         </a:lnSpc>
@@ -6201,7 +6348,7 @@
           <a:spcPts val="0"/>
         </a:spcAft>
       </a:defPPr>
-      <a:lvl1pPr lvl="0" marR="0" rtl="0" algn="l">
+      <a:lvl1pPr marR="0" lvl="0" algn="l" rtl="0">
         <a:lnSpc>
           <a:spcPct val="100000"/>
         </a:lnSpc>
@@ -6215,7 +6362,7 @@
           <a:srgbClr val="000000"/>
         </a:buClr>
         <a:buFont typeface="Arial"/>
-        <a:defRPr b="0" i="0" sz="1400" u="none" cap="none" strike="noStrike">
+        <a:defRPr sz="1400" b="0" i="0" u="none" strike="noStrike" cap="none">
           <a:solidFill>
             <a:srgbClr val="000000"/>
           </a:solidFill>
@@ -6225,7 +6372,7 @@
           <a:sym typeface="Arial"/>
         </a:defRPr>
       </a:lvl1pPr>
-      <a:lvl2pPr lvl="1" marR="0" rtl="0" algn="l">
+      <a:lvl2pPr marR="0" lvl="1" algn="l" rtl="0">
         <a:lnSpc>
           <a:spcPct val="100000"/>
         </a:lnSpc>
@@ -6239,7 +6386,7 @@
           <a:srgbClr val="000000"/>
         </a:buClr>
         <a:buFont typeface="Arial"/>
-        <a:defRPr b="0" i="0" sz="1400" u="none" cap="none" strike="noStrike">
+        <a:defRPr sz="1400" b="0" i="0" u="none" strike="noStrike" cap="none">
           <a:solidFill>
             <a:srgbClr val="000000"/>
           </a:solidFill>
@@ -6249,7 +6396,7 @@
           <a:sym typeface="Arial"/>
         </a:defRPr>
       </a:lvl2pPr>
-      <a:lvl3pPr lvl="2" marR="0" rtl="0" algn="l">
+      <a:lvl3pPr marR="0" lvl="2" algn="l" rtl="0">
         <a:lnSpc>
           <a:spcPct val="100000"/>
         </a:lnSpc>
@@ -6263,7 +6410,7 @@
           <a:srgbClr val="000000"/>
         </a:buClr>
         <a:buFont typeface="Arial"/>
-        <a:defRPr b="0" i="0" sz="1400" u="none" cap="none" strike="noStrike">
+        <a:defRPr sz="1400" b="0" i="0" u="none" strike="noStrike" cap="none">
           <a:solidFill>
             <a:srgbClr val="000000"/>
           </a:solidFill>
@@ -6273,7 +6420,7 @@
           <a:sym typeface="Arial"/>
         </a:defRPr>
       </a:lvl3pPr>
-      <a:lvl4pPr lvl="3" marR="0" rtl="0" algn="l">
+      <a:lvl4pPr marR="0" lvl="3" algn="l" rtl="0">
         <a:lnSpc>
           <a:spcPct val="100000"/>
         </a:lnSpc>
@@ -6287,7 +6434,7 @@
           <a:srgbClr val="000000"/>
         </a:buClr>
         <a:buFont typeface="Arial"/>
-        <a:defRPr b="0" i="0" sz="1400" u="none" cap="none" strike="noStrike">
+        <a:defRPr sz="1400" b="0" i="0" u="none" strike="noStrike" cap="none">
           <a:solidFill>
             <a:srgbClr val="000000"/>
           </a:solidFill>
@@ -6297,7 +6444,7 @@
           <a:sym typeface="Arial"/>
         </a:defRPr>
       </a:lvl4pPr>
-      <a:lvl5pPr lvl="4" marR="0" rtl="0" algn="l">
+      <a:lvl5pPr marR="0" lvl="4" algn="l" rtl="0">
         <a:lnSpc>
           <a:spcPct val="100000"/>
         </a:lnSpc>
@@ -6311,7 +6458,7 @@
           <a:srgbClr val="000000"/>
         </a:buClr>
         <a:buFont typeface="Arial"/>
-        <a:defRPr b="0" i="0" sz="1400" u="none" cap="none" strike="noStrike">
+        <a:defRPr sz="1400" b="0" i="0" u="none" strike="noStrike" cap="none">
           <a:solidFill>
             <a:srgbClr val="000000"/>
           </a:solidFill>
@@ -6321,7 +6468,7 @@
           <a:sym typeface="Arial"/>
         </a:defRPr>
       </a:lvl5pPr>
-      <a:lvl6pPr lvl="5" marR="0" rtl="0" algn="l">
+      <a:lvl6pPr marR="0" lvl="5" algn="l" rtl="0">
         <a:lnSpc>
           <a:spcPct val="100000"/>
         </a:lnSpc>
@@ -6335,7 +6482,7 @@
           <a:srgbClr val="000000"/>
         </a:buClr>
         <a:buFont typeface="Arial"/>
-        <a:defRPr b="0" i="0" sz="1400" u="none" cap="none" strike="noStrike">
+        <a:defRPr sz="1400" b="0" i="0" u="none" strike="noStrike" cap="none">
           <a:solidFill>
             <a:srgbClr val="000000"/>
           </a:solidFill>
@@ -6345,7 +6492,7 @@
           <a:sym typeface="Arial"/>
         </a:defRPr>
       </a:lvl6pPr>
-      <a:lvl7pPr lvl="6" marR="0" rtl="0" algn="l">
+      <a:lvl7pPr marR="0" lvl="6" algn="l" rtl="0">
         <a:lnSpc>
           <a:spcPct val="100000"/>
         </a:lnSpc>
@@ -6359,7 +6506,7 @@
           <a:srgbClr val="000000"/>
         </a:buClr>
         <a:buFont typeface="Arial"/>
-        <a:defRPr b="0" i="0" sz="1400" u="none" cap="none" strike="noStrike">
+        <a:defRPr sz="1400" b="0" i="0" u="none" strike="noStrike" cap="none">
           <a:solidFill>
             <a:srgbClr val="000000"/>
           </a:solidFill>
@@ -6369,7 +6516,7 @@
           <a:sym typeface="Arial"/>
         </a:defRPr>
       </a:lvl7pPr>
-      <a:lvl8pPr lvl="7" marR="0" rtl="0" algn="l">
+      <a:lvl8pPr marR="0" lvl="7" algn="l" rtl="0">
         <a:lnSpc>
           <a:spcPct val="100000"/>
         </a:lnSpc>
@@ -6383,7 +6530,7 @@
           <a:srgbClr val="000000"/>
         </a:buClr>
         <a:buFont typeface="Arial"/>
-        <a:defRPr b="0" i="0" sz="1400" u="none" cap="none" strike="noStrike">
+        <a:defRPr sz="1400" b="0" i="0" u="none" strike="noStrike" cap="none">
           <a:solidFill>
             <a:srgbClr val="000000"/>
           </a:solidFill>
@@ -6393,7 +6540,7 @@
           <a:sym typeface="Arial"/>
         </a:defRPr>
       </a:lvl8pPr>
-      <a:lvl9pPr lvl="8" marR="0" rtl="0" algn="l">
+      <a:lvl9pPr marR="0" lvl="8" algn="l" rtl="0">
         <a:lnSpc>
           <a:spcPct val="100000"/>
         </a:lnSpc>
@@ -6407,7 +6554,7 @@
           <a:srgbClr val="000000"/>
         </a:buClr>
         <a:buFont typeface="Arial"/>
-        <a:defRPr b="0" i="0" sz="1400" u="none" cap="none" strike="noStrike">
+        <a:defRPr sz="1400" b="0" i="0" u="none" strike="noStrike" cap="none">
           <a:solidFill>
             <a:srgbClr val="000000"/>
           </a:solidFill>
@@ -6419,7 +6566,7 @@
       </a:lvl9pPr>
     </p:titleStyle>
     <p:bodyStyle>
-      <a:defPPr lvl="0" marR="0" rtl="0" algn="l">
+      <a:defPPr marR="0" lvl="0" algn="l" rtl="0">
         <a:lnSpc>
           <a:spcPct val="100000"/>
         </a:lnSpc>
@@ -6430,7 +6577,7 @@
           <a:spcPts val="0"/>
         </a:spcAft>
       </a:defPPr>
-      <a:lvl1pPr lvl="0" marR="0" rtl="0" algn="l">
+      <a:lvl1pPr marR="0" lvl="0" algn="l" rtl="0">
         <a:lnSpc>
           <a:spcPct val="100000"/>
         </a:lnSpc>
@@ -6444,7 +6591,7 @@
           <a:srgbClr val="000000"/>
         </a:buClr>
         <a:buFont typeface="Arial"/>
-        <a:defRPr b="0" i="0" sz="1400" u="none" cap="none" strike="noStrike">
+        <a:defRPr sz="1400" b="0" i="0" u="none" strike="noStrike" cap="none">
           <a:solidFill>
             <a:srgbClr val="000000"/>
           </a:solidFill>
@@ -6454,7 +6601,7 @@
           <a:sym typeface="Arial"/>
         </a:defRPr>
       </a:lvl1pPr>
-      <a:lvl2pPr lvl="1" marR="0" rtl="0" algn="l">
+      <a:lvl2pPr marR="0" lvl="1" algn="l" rtl="0">
         <a:lnSpc>
           <a:spcPct val="100000"/>
         </a:lnSpc>
@@ -6468,7 +6615,7 @@
           <a:srgbClr val="000000"/>
         </a:buClr>
         <a:buFont typeface="Arial"/>
-        <a:defRPr b="0" i="0" sz="1400" u="none" cap="none" strike="noStrike">
+        <a:defRPr sz="1400" b="0" i="0" u="none" strike="noStrike" cap="none">
           <a:solidFill>
             <a:srgbClr val="000000"/>
           </a:solidFill>
@@ -6478,7 +6625,7 @@
           <a:sym typeface="Arial"/>
         </a:defRPr>
       </a:lvl2pPr>
-      <a:lvl3pPr lvl="2" marR="0" rtl="0" algn="l">
+      <a:lvl3pPr marR="0" lvl="2" algn="l" rtl="0">
         <a:lnSpc>
           <a:spcPct val="100000"/>
         </a:lnSpc>
@@ -6492,7 +6639,7 @@
           <a:srgbClr val="000000"/>
         </a:buClr>
         <a:buFont typeface="Arial"/>
-        <a:defRPr b="0" i="0" sz="1400" u="none" cap="none" strike="noStrike">
+        <a:defRPr sz="1400" b="0" i="0" u="none" strike="noStrike" cap="none">
           <a:solidFill>
             <a:srgbClr val="000000"/>
           </a:solidFill>
@@ -6502,7 +6649,7 @@
           <a:sym typeface="Arial"/>
         </a:defRPr>
       </a:lvl3pPr>
-      <a:lvl4pPr lvl="3" marR="0" rtl="0" algn="l">
+      <a:lvl4pPr marR="0" lvl="3" algn="l" rtl="0">
         <a:lnSpc>
           <a:spcPct val="100000"/>
         </a:lnSpc>
@@ -6516,7 +6663,7 @@
           <a:srgbClr val="000000"/>
         </a:buClr>
         <a:buFont typeface="Arial"/>
-        <a:defRPr b="0" i="0" sz="1400" u="none" cap="none" strike="noStrike">
+        <a:defRPr sz="1400" b="0" i="0" u="none" strike="noStrike" cap="none">
           <a:solidFill>
             <a:srgbClr val="000000"/>
           </a:solidFill>
@@ -6526,7 +6673,7 @@
           <a:sym typeface="Arial"/>
         </a:defRPr>
       </a:lvl4pPr>
-      <a:lvl5pPr lvl="4" marR="0" rtl="0" algn="l">
+      <a:lvl5pPr marR="0" lvl="4" algn="l" rtl="0">
         <a:lnSpc>
           <a:spcPct val="100000"/>
         </a:lnSpc>
@@ -6540,7 +6687,7 @@
           <a:srgbClr val="000000"/>
         </a:buClr>
         <a:buFont typeface="Arial"/>
-        <a:defRPr b="0" i="0" sz="1400" u="none" cap="none" strike="noStrike">
+        <a:defRPr sz="1400" b="0" i="0" u="none" strike="noStrike" cap="none">
           <a:solidFill>
             <a:srgbClr val="000000"/>
           </a:solidFill>
@@ -6550,7 +6697,7 @@
           <a:sym typeface="Arial"/>
         </a:defRPr>
       </a:lvl5pPr>
-      <a:lvl6pPr lvl="5" marR="0" rtl="0" algn="l">
+      <a:lvl6pPr marR="0" lvl="5" algn="l" rtl="0">
         <a:lnSpc>
           <a:spcPct val="100000"/>
         </a:lnSpc>
@@ -6564,7 +6711,7 @@
           <a:srgbClr val="000000"/>
         </a:buClr>
         <a:buFont typeface="Arial"/>
-        <a:defRPr b="0" i="0" sz="1400" u="none" cap="none" strike="noStrike">
+        <a:defRPr sz="1400" b="0" i="0" u="none" strike="noStrike" cap="none">
           <a:solidFill>
             <a:srgbClr val="000000"/>
           </a:solidFill>
@@ -6574,7 +6721,7 @@
           <a:sym typeface="Arial"/>
         </a:defRPr>
       </a:lvl6pPr>
-      <a:lvl7pPr lvl="6" marR="0" rtl="0" algn="l">
+      <a:lvl7pPr marR="0" lvl="6" algn="l" rtl="0">
         <a:lnSpc>
           <a:spcPct val="100000"/>
         </a:lnSpc>
@@ -6588,7 +6735,7 @@
           <a:srgbClr val="000000"/>
         </a:buClr>
         <a:buFont typeface="Arial"/>
-        <a:defRPr b="0" i="0" sz="1400" u="none" cap="none" strike="noStrike">
+        <a:defRPr sz="1400" b="0" i="0" u="none" strike="noStrike" cap="none">
           <a:solidFill>
             <a:srgbClr val="000000"/>
           </a:solidFill>
@@ -6598,7 +6745,7 @@
           <a:sym typeface="Arial"/>
         </a:defRPr>
       </a:lvl7pPr>
-      <a:lvl8pPr lvl="7" marR="0" rtl="0" algn="l">
+      <a:lvl8pPr marR="0" lvl="7" algn="l" rtl="0">
         <a:lnSpc>
           <a:spcPct val="100000"/>
         </a:lnSpc>
@@ -6612,7 +6759,7 @@
           <a:srgbClr val="000000"/>
         </a:buClr>
         <a:buFont typeface="Arial"/>
-        <a:defRPr b="0" i="0" sz="1400" u="none" cap="none" strike="noStrike">
+        <a:defRPr sz="1400" b="0" i="0" u="none" strike="noStrike" cap="none">
           <a:solidFill>
             <a:srgbClr val="000000"/>
           </a:solidFill>
@@ -6622,7 +6769,7 @@
           <a:sym typeface="Arial"/>
         </a:defRPr>
       </a:lvl8pPr>
-      <a:lvl9pPr lvl="8" marR="0" rtl="0" algn="l">
+      <a:lvl9pPr marR="0" lvl="8" algn="l" rtl="0">
         <a:lnSpc>
           <a:spcPct val="100000"/>
         </a:lnSpc>
@@ -6636,7 +6783,7 @@
           <a:srgbClr val="000000"/>
         </a:buClr>
         <a:buFont typeface="Arial"/>
-        <a:defRPr b="0" i="0" sz="1400" u="none" cap="none" strike="noStrike">
+        <a:defRPr sz="1400" b="0" i="0" u="none" strike="noStrike" cap="none">
           <a:solidFill>
             <a:srgbClr val="000000"/>
           </a:solidFill>
@@ -6648,7 +6795,7 @@
       </a:lvl9pPr>
     </p:bodyStyle>
     <p:otherStyle>
-      <a:defPPr lvl="0" marR="0" rtl="0" algn="l">
+      <a:defPPr marR="0" lvl="0" algn="l" rtl="0">
         <a:lnSpc>
           <a:spcPct val="100000"/>
         </a:lnSpc>
@@ -6659,7 +6806,7 @@
           <a:spcPts val="0"/>
         </a:spcAft>
       </a:defPPr>
-      <a:lvl1pPr lvl="0" marR="0" rtl="0" algn="l">
+      <a:lvl1pPr marR="0" lvl="0" algn="l" rtl="0">
         <a:lnSpc>
           <a:spcPct val="100000"/>
         </a:lnSpc>
@@ -6673,7 +6820,7 @@
           <a:srgbClr val="000000"/>
         </a:buClr>
         <a:buFont typeface="Arial"/>
-        <a:defRPr b="0" i="0" sz="1400" u="none" cap="none" strike="noStrike">
+        <a:defRPr sz="1400" b="0" i="0" u="none" strike="noStrike" cap="none">
           <a:solidFill>
             <a:srgbClr val="000000"/>
           </a:solidFill>
@@ -6683,7 +6830,7 @@
           <a:sym typeface="Arial"/>
         </a:defRPr>
       </a:lvl1pPr>
-      <a:lvl2pPr lvl="1" marR="0" rtl="0" algn="l">
+      <a:lvl2pPr marR="0" lvl="1" algn="l" rtl="0">
         <a:lnSpc>
           <a:spcPct val="100000"/>
         </a:lnSpc>
@@ -6697,7 +6844,7 @@
           <a:srgbClr val="000000"/>
         </a:buClr>
         <a:buFont typeface="Arial"/>
-        <a:defRPr b="0" i="0" sz="1400" u="none" cap="none" strike="noStrike">
+        <a:defRPr sz="1400" b="0" i="0" u="none" strike="noStrike" cap="none">
           <a:solidFill>
             <a:srgbClr val="000000"/>
           </a:solidFill>
@@ -6707,7 +6854,7 @@
           <a:sym typeface="Arial"/>
         </a:defRPr>
       </a:lvl2pPr>
-      <a:lvl3pPr lvl="2" marR="0" rtl="0" algn="l">
+      <a:lvl3pPr marR="0" lvl="2" algn="l" rtl="0">
         <a:lnSpc>
           <a:spcPct val="100000"/>
         </a:lnSpc>
@@ -6721,7 +6868,7 @@
           <a:srgbClr val="000000"/>
         </a:buClr>
         <a:buFont typeface="Arial"/>
-        <a:defRPr b="0" i="0" sz="1400" u="none" cap="none" strike="noStrike">
+        <a:defRPr sz="1400" b="0" i="0" u="none" strike="noStrike" cap="none">
           <a:solidFill>
             <a:srgbClr val="000000"/>
           </a:solidFill>
@@ -6731,7 +6878,7 @@
           <a:sym typeface="Arial"/>
         </a:defRPr>
       </a:lvl3pPr>
-      <a:lvl4pPr lvl="3" marR="0" rtl="0" algn="l">
+      <a:lvl4pPr marR="0" lvl="3" algn="l" rtl="0">
         <a:lnSpc>
           <a:spcPct val="100000"/>
         </a:lnSpc>
@@ -6745,7 +6892,7 @@
           <a:srgbClr val="000000"/>
         </a:buClr>
         <a:buFont typeface="Arial"/>
-        <a:defRPr b="0" i="0" sz="1400" u="none" cap="none" strike="noStrike">
+        <a:defRPr sz="1400" b="0" i="0" u="none" strike="noStrike" cap="none">
           <a:solidFill>
             <a:srgbClr val="000000"/>
           </a:solidFill>
@@ -6755,7 +6902,7 @@
           <a:sym typeface="Arial"/>
         </a:defRPr>
       </a:lvl4pPr>
-      <a:lvl5pPr lvl="4" marR="0" rtl="0" algn="l">
+      <a:lvl5pPr marR="0" lvl="4" algn="l" rtl="0">
         <a:lnSpc>
           <a:spcPct val="100000"/>
         </a:lnSpc>
@@ -6769,7 +6916,7 @@
           <a:srgbClr val="000000"/>
         </a:buClr>
         <a:buFont typeface="Arial"/>
-        <a:defRPr b="0" i="0" sz="1400" u="none" cap="none" strike="noStrike">
+        <a:defRPr sz="1400" b="0" i="0" u="none" strike="noStrike" cap="none">
           <a:solidFill>
             <a:srgbClr val="000000"/>
           </a:solidFill>
@@ -6779,7 +6926,7 @@
           <a:sym typeface="Arial"/>
         </a:defRPr>
       </a:lvl5pPr>
-      <a:lvl6pPr lvl="5" marR="0" rtl="0" algn="l">
+      <a:lvl6pPr marR="0" lvl="5" algn="l" rtl="0">
         <a:lnSpc>
           <a:spcPct val="100000"/>
         </a:lnSpc>
@@ -6793,7 +6940,7 @@
           <a:srgbClr val="000000"/>
         </a:buClr>
         <a:buFont typeface="Arial"/>
-        <a:defRPr b="0" i="0" sz="1400" u="none" cap="none" strike="noStrike">
+        <a:defRPr sz="1400" b="0" i="0" u="none" strike="noStrike" cap="none">
           <a:solidFill>
             <a:srgbClr val="000000"/>
           </a:solidFill>
@@ -6803,7 +6950,7 @@
           <a:sym typeface="Arial"/>
         </a:defRPr>
       </a:lvl6pPr>
-      <a:lvl7pPr lvl="6" marR="0" rtl="0" algn="l">
+      <a:lvl7pPr marR="0" lvl="6" algn="l" rtl="0">
         <a:lnSpc>
           <a:spcPct val="100000"/>
         </a:lnSpc>
@@ -6817,7 +6964,7 @@
           <a:srgbClr val="000000"/>
         </a:buClr>
         <a:buFont typeface="Arial"/>
-        <a:defRPr b="0" i="0" sz="1400" u="none" cap="none" strike="noStrike">
+        <a:defRPr sz="1400" b="0" i="0" u="none" strike="noStrike" cap="none">
           <a:solidFill>
             <a:srgbClr val="000000"/>
           </a:solidFill>
@@ -6827,7 +6974,7 @@
           <a:sym typeface="Arial"/>
         </a:defRPr>
       </a:lvl7pPr>
-      <a:lvl8pPr lvl="7" marR="0" rtl="0" algn="l">
+      <a:lvl8pPr marR="0" lvl="7" algn="l" rtl="0">
         <a:lnSpc>
           <a:spcPct val="100000"/>
         </a:lnSpc>
@@ -6841,7 +6988,7 @@
           <a:srgbClr val="000000"/>
         </a:buClr>
         <a:buFont typeface="Arial"/>
-        <a:defRPr b="0" i="0" sz="1400" u="none" cap="none" strike="noStrike">
+        <a:defRPr sz="1400" b="0" i="0" u="none" strike="noStrike" cap="none">
           <a:solidFill>
             <a:srgbClr val="000000"/>
           </a:solidFill>
@@ -6851,7 +6998,7 @@
           <a:sym typeface="Arial"/>
         </a:defRPr>
       </a:lvl8pPr>
-      <a:lvl9pPr lvl="8" marR="0" rtl="0" algn="l">
+      <a:lvl9pPr marR="0" lvl="8" algn="l" rtl="0">
         <a:lnSpc>
           <a:spcPct val="100000"/>
         </a:lnSpc>
@@ -6865,7 +7012,7 @@
           <a:srgbClr val="000000"/>
         </a:buClr>
         <a:buFont typeface="Arial"/>
-        <a:defRPr b="0" i="0" sz="1400" u="none" cap="none" strike="noStrike">
+        <a:defRPr sz="1400" b="0" i="0" u="none" strike="noStrike" cap="none">
           <a:solidFill>
             <a:srgbClr val="000000"/>
           </a:solidFill>
@@ -6881,7 +7028,7 @@
 </file>
 
 <file path=ppt/slides/slide1.xml><?xml version="1.0" encoding="utf-8"?>
-<p:sld xmlns:a="http://schemas.openxmlformats.org/drawingml/2006/main" xmlns:r="http://schemas.openxmlformats.org/officeDocument/2006/relationships" xmlns:mc="http://schemas.openxmlformats.org/markup-compatibility/2006" xmlns:mv="urn:schemas-microsoft-com:mac:vml" xmlns:p="http://schemas.openxmlformats.org/presentationml/2006/main" xmlns:c="http://schemas.openxmlformats.org/drawingml/2006/chart" xmlns:dgm="http://schemas.openxmlformats.org/drawingml/2006/diagram" xmlns:o="urn:schemas-microsoft-com:office:office" xmlns:v="urn:schemas-microsoft-com:vml" xmlns:pvml="urn:schemas-microsoft-com:office:powerpoint" xmlns:com="http://schemas.openxmlformats.org/drawingml/2006/compatibility" xmlns:p14="http://schemas.microsoft.com/office/powerpoint/2010/main" xmlns:p15="http://schemas.microsoft.com/office/powerpoint/2012/main" xmlns:ahyp="http://schemas.microsoft.com/office/drawing/2018/hyperlinkcolor">
+<p:sld xmlns:a="http://schemas.openxmlformats.org/drawingml/2006/main" xmlns:r="http://schemas.openxmlformats.org/officeDocument/2006/relationships" xmlns:p="http://schemas.openxmlformats.org/presentationml/2006/main">
   <p:cSld>
     <p:bg>
       <p:bgPr>
@@ -6893,11 +7040,12 @@
             <a:fillRect/>
           </a:stretch>
         </a:blipFill>
+        <a:effectLst/>
       </p:bgPr>
     </p:bg>
     <p:spTree>
       <p:nvGrpSpPr>
-        <p:cNvPr id="58" name="Shape 58"/>
+        <p:cNvPr id="1" name="Shape 58"/>
         <p:cNvGrpSpPr/>
         <p:nvPr/>
       </p:nvGrpSpPr>
@@ -6912,7 +7060,9 @@
       <p:sp>
         <p:nvSpPr>
           <p:cNvPr id="59" name="Google Shape;59;p13"/>
-          <p:cNvSpPr txBox="1"/>
+          <p:cNvSpPr txBox="1">
+            <a:spLocks noGrp="1"/>
+          </p:cNvSpPr>
           <p:nvPr>
             <p:ph type="ctrTitle"/>
           </p:nvPr>
@@ -6927,12 +7077,12 @@
           </a:prstGeom>
         </p:spPr>
         <p:txBody>
-          <a:bodyPr anchorCtr="0" anchor="b" bIns="91425" lIns="91425" spcFirstLastPara="1" rIns="91425" wrap="square" tIns="91425">
+          <a:bodyPr spcFirstLastPara="1" wrap="square" lIns="91425" tIns="91425" rIns="91425" bIns="91425" anchor="b" anchorCtr="0">
             <a:normAutofit/>
           </a:bodyPr>
           <a:lstStyle/>
           <a:p>
-            <a:pPr indent="0" lvl="0" marL="0" rtl="0" algn="l">
+            <a:pPr marL="0" lvl="0" indent="0" algn="l" rtl="0">
               <a:spcBef>
                 <a:spcPts val="0"/>
               </a:spcBef>
@@ -6965,7 +7115,7 @@
             </a:endParaRPr>
           </a:p>
           <a:p>
-            <a:pPr indent="0" lvl="0" marL="0" rtl="0" algn="l">
+            <a:pPr marL="0" lvl="0" indent="0" algn="l" rtl="0">
               <a:spcBef>
                 <a:spcPts val="0"/>
               </a:spcBef>
@@ -7002,9 +7152,11 @@
       <p:sp>
         <p:nvSpPr>
           <p:cNvPr id="60" name="Google Shape;60;p13"/>
-          <p:cNvSpPr txBox="1"/>
+          <p:cNvSpPr txBox="1">
+            <a:spLocks noGrp="1"/>
+          </p:cNvSpPr>
           <p:nvPr>
-            <p:ph idx="1" type="subTitle"/>
+            <p:ph type="subTitle" idx="1"/>
           </p:nvPr>
         </p:nvSpPr>
         <p:spPr>
@@ -7017,12 +7169,12 @@
           </a:prstGeom>
         </p:spPr>
         <p:txBody>
-          <a:bodyPr anchorCtr="0" anchor="t" bIns="91425" lIns="91425" spcFirstLastPara="1" rIns="91425" wrap="square" tIns="91425">
+          <a:bodyPr spcFirstLastPara="1" wrap="square" lIns="91425" tIns="91425" rIns="91425" bIns="91425" anchor="t" anchorCtr="0">
             <a:normAutofit/>
           </a:bodyPr>
           <a:lstStyle/>
           <a:p>
-            <a:pPr indent="0" lvl="0" marL="0" rtl="0" algn="l">
+            <a:pPr marL="0" lvl="0" indent="0" algn="l" rtl="0">
               <a:lnSpc>
                 <a:spcPct val="90000"/>
               </a:lnSpc>
@@ -7095,11 +7247,11 @@
 </file>
 
 <file path=ppt/slides/slide2.xml><?xml version="1.0" encoding="utf-8"?>
-<p:sld xmlns:a="http://schemas.openxmlformats.org/drawingml/2006/main" xmlns:r="http://schemas.openxmlformats.org/officeDocument/2006/relationships" xmlns:mc="http://schemas.openxmlformats.org/markup-compatibility/2006" xmlns:mv="urn:schemas-microsoft-com:mac:vml" xmlns:p="http://schemas.openxmlformats.org/presentationml/2006/main" xmlns:c="http://schemas.openxmlformats.org/drawingml/2006/chart" xmlns:dgm="http://schemas.openxmlformats.org/drawingml/2006/diagram" xmlns:o="urn:schemas-microsoft-com:office:office" xmlns:v="urn:schemas-microsoft-com:vml" xmlns:pvml="urn:schemas-microsoft-com:office:powerpoint" xmlns:com="http://schemas.openxmlformats.org/drawingml/2006/compatibility" xmlns:p14="http://schemas.microsoft.com/office/powerpoint/2010/main" xmlns:p15="http://schemas.microsoft.com/office/powerpoint/2012/main" xmlns:ahyp="http://schemas.microsoft.com/office/drawing/2018/hyperlinkcolor">
+<p:sld xmlns:a="http://schemas.openxmlformats.org/drawingml/2006/main" xmlns:r="http://schemas.openxmlformats.org/officeDocument/2006/relationships" xmlns:p="http://schemas.openxmlformats.org/presentationml/2006/main">
   <p:cSld>
     <p:spTree>
       <p:nvGrpSpPr>
-        <p:cNvPr id="65" name="Shape 65"/>
+        <p:cNvPr id="1" name="Shape 65"/>
         <p:cNvGrpSpPr/>
         <p:nvPr/>
       </p:nvGrpSpPr>
@@ -7114,7 +7266,9 @@
       <p:sp>
         <p:nvSpPr>
           <p:cNvPr id="66" name="Google Shape;66;p14"/>
-          <p:cNvSpPr txBox="1"/>
+          <p:cNvSpPr txBox="1">
+            <a:spLocks noGrp="1"/>
+          </p:cNvSpPr>
           <p:nvPr>
             <p:ph type="title"/>
           </p:nvPr>
@@ -7129,12 +7283,12 @@
           </a:prstGeom>
         </p:spPr>
         <p:txBody>
-          <a:bodyPr anchorCtr="0" anchor="t" bIns="91425" lIns="91425" spcFirstLastPara="1" rIns="91425" wrap="square" tIns="91425">
+          <a:bodyPr spcFirstLastPara="1" wrap="square" lIns="91425" tIns="91425" rIns="91425" bIns="91425" anchor="t" anchorCtr="0">
             <a:normAutofit fontScale="90000"/>
           </a:bodyPr>
           <a:lstStyle/>
           <a:p>
-            <a:pPr indent="0" lvl="0" marL="0" rtl="0" algn="l">
+            <a:pPr marL="0" lvl="0" indent="0" algn="l" rtl="0">
               <a:spcBef>
                 <a:spcPts val="0"/>
               </a:spcBef>
@@ -7164,9 +7318,11 @@
       <p:sp>
         <p:nvSpPr>
           <p:cNvPr id="67" name="Google Shape;67;p14"/>
-          <p:cNvSpPr txBox="1"/>
+          <p:cNvSpPr txBox="1">
+            <a:spLocks noGrp="1"/>
+          </p:cNvSpPr>
           <p:nvPr>
-            <p:ph idx="1" type="body"/>
+            <p:ph type="body" idx="1"/>
           </p:nvPr>
         </p:nvSpPr>
         <p:spPr>
@@ -7179,12 +7335,12 @@
           </a:prstGeom>
         </p:spPr>
         <p:txBody>
-          <a:bodyPr anchorCtr="0" anchor="t" bIns="91425" lIns="91425" spcFirstLastPara="1" rIns="91425" wrap="square" tIns="91425">
+          <a:bodyPr spcFirstLastPara="1" wrap="square" lIns="91425" tIns="91425" rIns="91425" bIns="91425" anchor="t" anchorCtr="0">
             <a:normAutofit/>
           </a:bodyPr>
           <a:lstStyle/>
           <a:p>
-            <a:pPr indent="-349250" lvl="0" marL="457200" rtl="0" algn="l">
+            <a:pPr marL="457200" lvl="0" indent="-349250" algn="l" rtl="0">
               <a:spcBef>
                 <a:spcPts val="0"/>
               </a:spcBef>
@@ -7196,15 +7352,15 @@
               <a:buChar char="●"/>
             </a:pPr>
             <a:r>
-              <a:rPr lang="en" sz="1900">
+              <a:rPr lang="en" sz="1900" dirty="0">
                 <a:latin typeface="Oswald"/>
                 <a:ea typeface="Oswald"/>
                 <a:cs typeface="Oswald"/>
                 <a:sym typeface="Oswald"/>
               </a:rPr>
-              <a:t>Background: </a:t>
+              <a:t>Objective: </a:t>
             </a:r>
-            <a:endParaRPr sz="1900">
+            <a:endParaRPr sz="1900" dirty="0">
               <a:latin typeface="Oswald"/>
               <a:ea typeface="Oswald"/>
               <a:cs typeface="Oswald"/>
@@ -7212,7 +7368,7 @@
             </a:endParaRPr>
           </a:p>
           <a:p>
-            <a:pPr indent="0" lvl="0" marL="457200" rtl="0" algn="l">
+            <a:pPr marL="457200" lvl="0" indent="0" algn="l" rtl="0">
               <a:spcBef>
                 <a:spcPts val="1200"/>
               </a:spcBef>
@@ -7222,7 +7378,7 @@
               <a:buNone/>
             </a:pPr>
             <a:r>
-              <a:rPr lang="en" sz="1900">
+              <a:rPr lang="en" sz="1900" dirty="0">
                 <a:latin typeface="Oswald"/>
                 <a:ea typeface="Oswald"/>
                 <a:cs typeface="Oswald"/>
@@ -7230,7 +7386,7 @@
               </a:rPr>
               <a:t>to apply what we have learnt in week 1 and create a game with Python</a:t>
             </a:r>
-            <a:endParaRPr sz="1900">
+            <a:endParaRPr sz="1900" dirty="0">
               <a:latin typeface="Oswald"/>
               <a:ea typeface="Oswald"/>
               <a:cs typeface="Oswald"/>
@@ -7238,7 +7394,7 @@
             </a:endParaRPr>
           </a:p>
           <a:p>
-            <a:pPr indent="-349250" lvl="0" marL="457200" rtl="0" algn="l">
+            <a:pPr marL="457200" lvl="0" indent="-349250" algn="l" rtl="0">
               <a:spcBef>
                 <a:spcPts val="1200"/>
               </a:spcBef>
@@ -7250,7 +7406,7 @@
               <a:buChar char="●"/>
             </a:pPr>
             <a:r>
-              <a:rPr lang="en" sz="1900">
+              <a:rPr lang="en" sz="1900" dirty="0">
                 <a:latin typeface="Oswald"/>
                 <a:ea typeface="Oswald"/>
                 <a:cs typeface="Oswald"/>
@@ -7258,7 +7414,7 @@
               </a:rPr>
               <a:t>The game - Battleship: </a:t>
             </a:r>
-            <a:endParaRPr sz="1900">
+            <a:endParaRPr sz="1900" dirty="0">
               <a:latin typeface="Oswald"/>
               <a:ea typeface="Oswald"/>
               <a:cs typeface="Oswald"/>
@@ -7266,45 +7422,364 @@
             </a:endParaRPr>
           </a:p>
           <a:p>
-            <a:pPr indent="0" lvl="0" marL="457200" rtl="0" algn="l">
+            <a:pPr lvl="0" indent="0">
               <a:spcBef>
                 <a:spcPts val="1200"/>
               </a:spcBef>
-              <a:spcAft>
-                <a:spcPts val="0"/>
-              </a:spcAft>
               <a:buNone/>
             </a:pPr>
             <a:r>
-              <a:rPr lang="en" sz="1900">
+              <a:rPr lang="fr-FR" sz="1900" dirty="0">
                 <a:latin typeface="Oswald"/>
                 <a:ea typeface="Oswald"/>
                 <a:cs typeface="Oswald"/>
                 <a:sym typeface="Oswald"/>
               </a:rPr>
-              <a:t>2 players with 5 ships placed on a 10x10 grid, each taking turns to attack the opponent’s ship in the hope of sinking all. The first one with no remaining ships in the end loses.</a:t>
+              <a:t>This </a:t>
             </a:r>
-            <a:endParaRPr sz="1900">
-              <a:latin typeface="Oswald"/>
-              <a:ea typeface="Oswald"/>
-              <a:cs typeface="Oswald"/>
-              <a:sym typeface="Oswald"/>
-            </a:endParaRPr>
-          </a:p>
-          <a:p>
-            <a:pPr indent="0" lvl="0" marL="457200" rtl="0" algn="l">
-              <a:spcBef>
-                <a:spcPts val="1200"/>
-              </a:spcBef>
-              <a:spcAft>
-                <a:spcPts val="1200"/>
-              </a:spcAft>
-              <a:buNone/>
-            </a:pPr>
             <a:r>
-              <a:t/>
+              <a:rPr lang="fr-FR" sz="1900" dirty="0" err="1">
+                <a:latin typeface="Oswald"/>
+                <a:ea typeface="Oswald"/>
+                <a:cs typeface="Oswald"/>
+                <a:sym typeface="Oswald"/>
+              </a:rPr>
+              <a:t>is</a:t>
             </a:r>
-            <a:endParaRPr/>
+            <a:r>
+              <a:rPr lang="fr-FR" sz="1900" dirty="0">
+                <a:latin typeface="Oswald"/>
+                <a:ea typeface="Oswald"/>
+                <a:cs typeface="Oswald"/>
+                <a:sym typeface="Oswald"/>
+              </a:rPr>
+              <a:t> a 2-player </a:t>
+            </a:r>
+            <a:r>
+              <a:rPr lang="fr-FR" sz="1900" dirty="0" err="1">
+                <a:latin typeface="Oswald"/>
+                <a:ea typeface="Oswald"/>
+                <a:cs typeface="Oswald"/>
+                <a:sym typeface="Oswald"/>
+              </a:rPr>
+              <a:t>guessing</a:t>
+            </a:r>
+            <a:r>
+              <a:rPr lang="fr-FR" sz="1900" dirty="0">
+                <a:latin typeface="Oswald"/>
+                <a:ea typeface="Oswald"/>
+                <a:cs typeface="Oswald"/>
+                <a:sym typeface="Oswald"/>
+              </a:rPr>
+              <a:t> </a:t>
+            </a:r>
+            <a:r>
+              <a:rPr lang="fr-FR" sz="1900" dirty="0" err="1">
+                <a:latin typeface="Oswald"/>
+                <a:ea typeface="Oswald"/>
+                <a:cs typeface="Oswald"/>
+                <a:sym typeface="Oswald"/>
+              </a:rPr>
+              <a:t>game</a:t>
+            </a:r>
+            <a:r>
+              <a:rPr lang="fr-FR" sz="1900" dirty="0">
+                <a:latin typeface="Oswald"/>
+                <a:ea typeface="Oswald"/>
+                <a:cs typeface="Oswald"/>
+                <a:sym typeface="Oswald"/>
+              </a:rPr>
+              <a:t>. </a:t>
+            </a:r>
+            <a:r>
+              <a:rPr lang="fr-FR" sz="1900" dirty="0" err="1">
+                <a:latin typeface="Oswald"/>
+                <a:ea typeface="Oswald"/>
+                <a:cs typeface="Oswald"/>
+                <a:sym typeface="Oswald"/>
+              </a:rPr>
+              <a:t>Your</a:t>
+            </a:r>
+            <a:r>
+              <a:rPr lang="fr-FR" sz="1900" dirty="0">
+                <a:latin typeface="Oswald"/>
+                <a:ea typeface="Oswald"/>
+                <a:cs typeface="Oswald"/>
+                <a:sym typeface="Oswald"/>
+              </a:rPr>
+              <a:t> goal </a:t>
+            </a:r>
+            <a:r>
+              <a:rPr lang="fr-FR" sz="1900" dirty="0" err="1">
+                <a:latin typeface="Oswald"/>
+                <a:ea typeface="Oswald"/>
+                <a:cs typeface="Oswald"/>
+                <a:sym typeface="Oswald"/>
+              </a:rPr>
+              <a:t>is</a:t>
+            </a:r>
+            <a:r>
+              <a:rPr lang="fr-FR" sz="1900" dirty="0">
+                <a:latin typeface="Oswald"/>
+                <a:ea typeface="Oswald"/>
+                <a:cs typeface="Oswald"/>
+                <a:sym typeface="Oswald"/>
+              </a:rPr>
+              <a:t> to </a:t>
+            </a:r>
+            <a:r>
+              <a:rPr lang="fr-FR" sz="1900" dirty="0" err="1">
+                <a:latin typeface="Oswald"/>
+                <a:ea typeface="Oswald"/>
+                <a:cs typeface="Oswald"/>
+                <a:sym typeface="Oswald"/>
+              </a:rPr>
+              <a:t>sink</a:t>
+            </a:r>
+            <a:r>
+              <a:rPr lang="fr-FR" sz="1900" dirty="0">
+                <a:latin typeface="Oswald"/>
+                <a:ea typeface="Oswald"/>
+                <a:cs typeface="Oswald"/>
+                <a:sym typeface="Oswald"/>
+              </a:rPr>
+              <a:t> all of </a:t>
+            </a:r>
+            <a:r>
+              <a:rPr lang="fr-FR" sz="1900" dirty="0" err="1">
+                <a:latin typeface="Oswald"/>
+                <a:ea typeface="Oswald"/>
+                <a:cs typeface="Oswald"/>
+                <a:sym typeface="Oswald"/>
+              </a:rPr>
+              <a:t>your</a:t>
+            </a:r>
+            <a:r>
+              <a:rPr lang="fr-FR" sz="1900" dirty="0">
+                <a:latin typeface="Oswald"/>
+                <a:ea typeface="Oswald"/>
+                <a:cs typeface="Oswald"/>
+                <a:sym typeface="Oswald"/>
+              </a:rPr>
+              <a:t> </a:t>
+            </a:r>
+            <a:r>
+              <a:rPr lang="fr-FR" sz="1900" dirty="0" err="1">
+                <a:latin typeface="Oswald"/>
+                <a:ea typeface="Oswald"/>
+                <a:cs typeface="Oswald"/>
+                <a:sym typeface="Oswald"/>
+              </a:rPr>
+              <a:t>opponent's</a:t>
+            </a:r>
+            <a:r>
+              <a:rPr lang="fr-FR" sz="1900" dirty="0">
+                <a:latin typeface="Oswald"/>
+                <a:ea typeface="Oswald"/>
+                <a:cs typeface="Oswald"/>
+                <a:sym typeface="Oswald"/>
+              </a:rPr>
+              <a:t> </a:t>
+            </a:r>
+            <a:r>
+              <a:rPr lang="fr-FR" sz="1900" dirty="0" err="1">
+                <a:latin typeface="Oswald"/>
+                <a:ea typeface="Oswald"/>
+                <a:cs typeface="Oswald"/>
+                <a:sym typeface="Oswald"/>
+              </a:rPr>
+              <a:t>ships</a:t>
+            </a:r>
+            <a:r>
+              <a:rPr lang="fr-FR" sz="1900" dirty="0">
+                <a:latin typeface="Oswald"/>
+                <a:ea typeface="Oswald"/>
+                <a:cs typeface="Oswald"/>
+                <a:sym typeface="Oswald"/>
+              </a:rPr>
+              <a:t> </a:t>
+            </a:r>
+            <a:r>
+              <a:rPr lang="fr-FR" sz="1900" dirty="0" err="1">
+                <a:latin typeface="Oswald"/>
+                <a:ea typeface="Oswald"/>
+                <a:cs typeface="Oswald"/>
+                <a:sym typeface="Oswald"/>
+              </a:rPr>
+              <a:t>placed</a:t>
+            </a:r>
+            <a:r>
+              <a:rPr lang="fr-FR" sz="1900" dirty="0">
+                <a:latin typeface="Oswald"/>
+                <a:ea typeface="Oswald"/>
+                <a:cs typeface="Oswald"/>
+                <a:sym typeface="Oswald"/>
+              </a:rPr>
+              <a:t> on a 10x10 </a:t>
+            </a:r>
+            <a:r>
+              <a:rPr lang="fr-FR" sz="1900" dirty="0" err="1">
+                <a:latin typeface="Oswald"/>
+                <a:ea typeface="Oswald"/>
+                <a:cs typeface="Oswald"/>
+                <a:sym typeface="Oswald"/>
+              </a:rPr>
+              <a:t>grid</a:t>
+            </a:r>
+            <a:r>
+              <a:rPr lang="fr-FR" sz="1900" dirty="0">
+                <a:latin typeface="Oswald"/>
+                <a:ea typeface="Oswald"/>
+                <a:cs typeface="Oswald"/>
+                <a:sym typeface="Oswald"/>
+              </a:rPr>
+              <a:t> by </a:t>
+            </a:r>
+            <a:r>
+              <a:rPr lang="fr-FR" sz="1900" dirty="0" err="1">
+                <a:latin typeface="Oswald"/>
+                <a:ea typeface="Oswald"/>
+                <a:cs typeface="Oswald"/>
+                <a:sym typeface="Oswald"/>
+              </a:rPr>
+              <a:t>correctly</a:t>
+            </a:r>
+            <a:r>
+              <a:rPr lang="fr-FR" sz="1900" dirty="0">
+                <a:latin typeface="Oswald"/>
+                <a:ea typeface="Oswald"/>
+                <a:cs typeface="Oswald"/>
+                <a:sym typeface="Oswald"/>
+              </a:rPr>
+              <a:t> </a:t>
+            </a:r>
+            <a:r>
+              <a:rPr lang="fr-FR" sz="1900" dirty="0" err="1">
+                <a:latin typeface="Oswald"/>
+                <a:ea typeface="Oswald"/>
+                <a:cs typeface="Oswald"/>
+                <a:sym typeface="Oswald"/>
+              </a:rPr>
+              <a:t>guessing</a:t>
+            </a:r>
+            <a:r>
+              <a:rPr lang="fr-FR" sz="1900" dirty="0">
+                <a:latin typeface="Oswald"/>
+                <a:ea typeface="Oswald"/>
+                <a:cs typeface="Oswald"/>
+                <a:sym typeface="Oswald"/>
+              </a:rPr>
+              <a:t> </a:t>
+            </a:r>
+            <a:r>
+              <a:rPr lang="fr-FR" sz="1900" dirty="0" err="1">
+                <a:latin typeface="Oswald"/>
+                <a:ea typeface="Oswald"/>
+                <a:cs typeface="Oswald"/>
+                <a:sym typeface="Oswald"/>
+              </a:rPr>
+              <a:t>their</a:t>
+            </a:r>
+            <a:r>
+              <a:rPr lang="fr-FR" sz="1900" dirty="0">
+                <a:latin typeface="Oswald"/>
+                <a:ea typeface="Oswald"/>
+                <a:cs typeface="Oswald"/>
+                <a:sym typeface="Oswald"/>
+              </a:rPr>
+              <a:t> locations </a:t>
+            </a:r>
+            <a:r>
+              <a:rPr lang="fr-FR" sz="1900" dirty="0" err="1">
+                <a:latin typeface="Oswald"/>
+                <a:ea typeface="Oswald"/>
+                <a:cs typeface="Oswald"/>
+                <a:sym typeface="Oswald"/>
+              </a:rPr>
+              <a:t>before</a:t>
+            </a:r>
+            <a:r>
+              <a:rPr lang="fr-FR" sz="1900" dirty="0">
+                <a:latin typeface="Oswald"/>
+                <a:ea typeface="Oswald"/>
+                <a:cs typeface="Oswald"/>
+                <a:sym typeface="Oswald"/>
+              </a:rPr>
+              <a:t> </a:t>
+            </a:r>
+            <a:r>
+              <a:rPr lang="fr-FR" sz="1900" dirty="0" err="1">
+                <a:latin typeface="Oswald"/>
+                <a:ea typeface="Oswald"/>
+                <a:cs typeface="Oswald"/>
+                <a:sym typeface="Oswald"/>
+              </a:rPr>
+              <a:t>your</a:t>
+            </a:r>
+            <a:r>
+              <a:rPr lang="fr-FR" sz="1900" dirty="0">
+                <a:latin typeface="Oswald"/>
+                <a:ea typeface="Oswald"/>
+                <a:cs typeface="Oswald"/>
+                <a:sym typeface="Oswald"/>
+              </a:rPr>
+              <a:t> </a:t>
+            </a:r>
+            <a:r>
+              <a:rPr lang="fr-FR" sz="1900" dirty="0" err="1">
+                <a:latin typeface="Oswald"/>
+                <a:ea typeface="Oswald"/>
+                <a:cs typeface="Oswald"/>
+                <a:sym typeface="Oswald"/>
+              </a:rPr>
+              <a:t>opponent</a:t>
+            </a:r>
+            <a:r>
+              <a:rPr lang="fr-FR" sz="1900" dirty="0">
+                <a:latin typeface="Oswald"/>
+                <a:ea typeface="Oswald"/>
+                <a:cs typeface="Oswald"/>
+                <a:sym typeface="Oswald"/>
+              </a:rPr>
+              <a:t> </a:t>
+            </a:r>
+            <a:r>
+              <a:rPr lang="fr-FR" sz="1900" dirty="0" err="1">
+                <a:latin typeface="Oswald"/>
+                <a:ea typeface="Oswald"/>
+                <a:cs typeface="Oswald"/>
+                <a:sym typeface="Oswald"/>
+              </a:rPr>
+              <a:t>sinks</a:t>
+            </a:r>
+            <a:r>
+              <a:rPr lang="fr-FR" sz="1900" dirty="0">
+                <a:latin typeface="Oswald"/>
+                <a:ea typeface="Oswald"/>
+                <a:cs typeface="Oswald"/>
+                <a:sym typeface="Oswald"/>
+              </a:rPr>
+              <a:t> all of </a:t>
+            </a:r>
+            <a:r>
+              <a:rPr lang="fr-FR" sz="1900" dirty="0" err="1">
+                <a:latin typeface="Oswald"/>
+                <a:ea typeface="Oswald"/>
+                <a:cs typeface="Oswald"/>
+                <a:sym typeface="Oswald"/>
+              </a:rPr>
+              <a:t>yours</a:t>
+            </a:r>
+            <a:r>
+              <a:rPr lang="fr-FR" sz="1900" dirty="0">
+                <a:latin typeface="Oswald"/>
+                <a:ea typeface="Oswald"/>
+                <a:cs typeface="Oswald"/>
+                <a:sym typeface="Oswald"/>
+              </a:rPr>
+              <a:t>.</a:t>
+            </a:r>
+            <a:endParaRPr dirty="0"/>
           </a:p>
         </p:txBody>
       </p:sp>
@@ -7345,11 +7820,11 @@
 </file>
 
 <file path=ppt/slides/slide3.xml><?xml version="1.0" encoding="utf-8"?>
-<p:sld xmlns:a="http://schemas.openxmlformats.org/drawingml/2006/main" xmlns:r="http://schemas.openxmlformats.org/officeDocument/2006/relationships" xmlns:mc="http://schemas.openxmlformats.org/markup-compatibility/2006" xmlns:mv="urn:schemas-microsoft-com:mac:vml" xmlns:p="http://schemas.openxmlformats.org/presentationml/2006/main" xmlns:c="http://schemas.openxmlformats.org/drawingml/2006/chart" xmlns:dgm="http://schemas.openxmlformats.org/drawingml/2006/diagram" xmlns:o="urn:schemas-microsoft-com:office:office" xmlns:v="urn:schemas-microsoft-com:vml" xmlns:pvml="urn:schemas-microsoft-com:office:powerpoint" xmlns:com="http://schemas.openxmlformats.org/drawingml/2006/compatibility" xmlns:p14="http://schemas.microsoft.com/office/powerpoint/2010/main" xmlns:p15="http://schemas.microsoft.com/office/powerpoint/2012/main" xmlns:ahyp="http://schemas.microsoft.com/office/drawing/2018/hyperlinkcolor">
+<p:sld xmlns:a="http://schemas.openxmlformats.org/drawingml/2006/main" xmlns:r="http://schemas.openxmlformats.org/officeDocument/2006/relationships" xmlns:p="http://schemas.openxmlformats.org/presentationml/2006/main">
   <p:cSld>
     <p:spTree>
       <p:nvGrpSpPr>
-        <p:cNvPr id="72" name="Shape 72"/>
+        <p:cNvPr id="1" name="Shape 72"/>
         <p:cNvGrpSpPr/>
         <p:nvPr/>
       </p:nvGrpSpPr>
@@ -7364,7 +7839,9 @@
       <p:sp>
         <p:nvSpPr>
           <p:cNvPr id="73" name="Google Shape;73;p15"/>
-          <p:cNvSpPr txBox="1"/>
+          <p:cNvSpPr txBox="1">
+            <a:spLocks noGrp="1"/>
+          </p:cNvSpPr>
           <p:nvPr>
             <p:ph type="title"/>
           </p:nvPr>
@@ -7379,12 +7856,12 @@
           </a:prstGeom>
         </p:spPr>
         <p:txBody>
-          <a:bodyPr anchorCtr="0" anchor="t" bIns="91425" lIns="91425" spcFirstLastPara="1" rIns="91425" wrap="square" tIns="91425">
+          <a:bodyPr spcFirstLastPara="1" wrap="square" lIns="91425" tIns="91425" rIns="91425" bIns="91425" anchor="t" anchorCtr="0">
             <a:normAutofit fontScale="90000"/>
           </a:bodyPr>
           <a:lstStyle/>
           <a:p>
-            <a:pPr indent="0" lvl="0" marL="0" rtl="0" algn="l">
+            <a:pPr marL="0" lvl="0" indent="0" algn="l" rtl="0">
               <a:spcBef>
                 <a:spcPts val="0"/>
               </a:spcBef>
@@ -7394,15 +7871,15 @@
               <a:buNone/>
             </a:pPr>
             <a:r>
-              <a:rPr lang="en">
+              <a:rPr lang="en" dirty="0">
                 <a:latin typeface="Oswald"/>
                 <a:ea typeface="Oswald"/>
                 <a:cs typeface="Oswald"/>
                 <a:sym typeface="Oswald"/>
               </a:rPr>
-              <a:t>The process flow:</a:t>
+              <a:t>Our project workflow:</a:t>
             </a:r>
-            <a:endParaRPr>
+            <a:endParaRPr dirty="0">
               <a:latin typeface="Oswald"/>
               <a:ea typeface="Oswald"/>
               <a:cs typeface="Oswald"/>
@@ -7414,9 +7891,11 @@
       <p:sp>
         <p:nvSpPr>
           <p:cNvPr id="74" name="Google Shape;74;p15"/>
-          <p:cNvSpPr txBox="1"/>
+          <p:cNvSpPr txBox="1">
+            <a:spLocks noGrp="1"/>
+          </p:cNvSpPr>
           <p:nvPr>
-            <p:ph idx="1" type="body"/>
+            <p:ph type="body" idx="1"/>
           </p:nvPr>
         </p:nvSpPr>
         <p:spPr>
@@ -7429,12 +7908,12 @@
           </a:prstGeom>
         </p:spPr>
         <p:txBody>
-          <a:bodyPr anchorCtr="0" anchor="t" bIns="91425" lIns="91425" spcFirstLastPara="1" rIns="91425" wrap="square" tIns="91425">
+          <a:bodyPr spcFirstLastPara="1" wrap="square" lIns="91425" tIns="91425" rIns="91425" bIns="91425" anchor="t" anchorCtr="0">
             <a:noAutofit/>
           </a:bodyPr>
           <a:lstStyle/>
           <a:p>
-            <a:pPr indent="-355600" lvl="0" marL="457200" rtl="0" algn="l">
+            <a:pPr marL="457200" lvl="0" indent="-355600" algn="l" rtl="0">
               <a:spcBef>
                 <a:spcPts val="0"/>
               </a:spcBef>
@@ -7446,15 +7925,33 @@
               <a:buChar char="●"/>
             </a:pPr>
             <a:r>
-              <a:rPr lang="en" sz="2000">
+              <a:rPr lang="fr-FR" sz="2000" dirty="0">
                 <a:latin typeface="Oswald"/>
                 <a:ea typeface="Oswald"/>
                 <a:cs typeface="Oswald"/>
                 <a:sym typeface="Oswald"/>
               </a:rPr>
-              <a:t>Defining the tasks to be done</a:t>
+              <a:t>Plan the </a:t>
             </a:r>
-            <a:endParaRPr sz="2000">
+            <a:r>
+              <a:rPr lang="fr-FR" sz="2000" dirty="0" err="1">
+                <a:latin typeface="Oswald"/>
+                <a:ea typeface="Oswald"/>
+                <a:cs typeface="Oswald"/>
+                <a:sym typeface="Oswald"/>
+              </a:rPr>
+              <a:t>project</a:t>
+            </a:r>
+            <a:r>
+              <a:rPr lang="fr-FR" sz="2000" dirty="0">
+                <a:latin typeface="Oswald"/>
+                <a:ea typeface="Oswald"/>
+                <a:cs typeface="Oswald"/>
+                <a:sym typeface="Oswald"/>
+              </a:rPr>
+              <a:t> on JIRA</a:t>
+            </a:r>
+            <a:endParaRPr sz="2000" dirty="0">
               <a:latin typeface="Oswald"/>
               <a:ea typeface="Oswald"/>
               <a:cs typeface="Oswald"/>
@@ -7462,7 +7959,7 @@
             </a:endParaRPr>
           </a:p>
           <a:p>
-            <a:pPr indent="-355600" lvl="0" marL="457200" rtl="0" algn="l">
+            <a:pPr marL="457200" lvl="0" indent="-355600" algn="l" rtl="0">
               <a:spcBef>
                 <a:spcPts val="0"/>
               </a:spcBef>
@@ -7474,7 +7971,7 @@
               <a:buChar char="●"/>
             </a:pPr>
             <a:r>
-              <a:rPr lang="en" sz="2000">
+              <a:rPr lang="en" sz="2000" dirty="0">
                 <a:latin typeface="Oswald"/>
                 <a:ea typeface="Oswald"/>
                 <a:cs typeface="Oswald"/>
@@ -7482,7 +7979,7 @@
               </a:rPr>
               <a:t>Draw the flowchart of the algorithm</a:t>
             </a:r>
-            <a:endParaRPr sz="2000">
+            <a:endParaRPr sz="2000" dirty="0">
               <a:latin typeface="Oswald"/>
               <a:ea typeface="Oswald"/>
               <a:cs typeface="Oswald"/>
@@ -7490,7 +7987,7 @@
             </a:endParaRPr>
           </a:p>
           <a:p>
-            <a:pPr indent="-355600" lvl="0" marL="457200" rtl="0" algn="l">
+            <a:pPr marL="457200" lvl="0" indent="-355600" algn="l" rtl="0">
               <a:spcBef>
                 <a:spcPts val="0"/>
               </a:spcBef>
@@ -7502,15 +7999,78 @@
               <a:buChar char="●"/>
             </a:pPr>
             <a:r>
-              <a:rPr lang="en" sz="2000">
+              <a:rPr lang="fr-FR" sz="2000" dirty="0">
                 <a:latin typeface="Oswald"/>
                 <a:ea typeface="Oswald"/>
                 <a:cs typeface="Oswald"/>
                 <a:sym typeface="Oswald"/>
               </a:rPr>
-              <a:t>Actual coding </a:t>
+              <a:t>Code the </a:t>
             </a:r>
-            <a:endParaRPr sz="2000">
+            <a:r>
+              <a:rPr lang="fr-FR" sz="2000" dirty="0" err="1">
+                <a:latin typeface="Oswald"/>
+                <a:ea typeface="Oswald"/>
+                <a:cs typeface="Oswald"/>
+                <a:sym typeface="Oswald"/>
+              </a:rPr>
+              <a:t>game</a:t>
+            </a:r>
+            <a:r>
+              <a:rPr lang="fr-FR" sz="2000" dirty="0">
+                <a:latin typeface="Oswald"/>
+                <a:ea typeface="Oswald"/>
+                <a:cs typeface="Oswald"/>
+                <a:sym typeface="Oswald"/>
+              </a:rPr>
+              <a:t> </a:t>
+            </a:r>
+            <a:r>
+              <a:rPr lang="fr-FR" sz="2000" dirty="0" err="1">
+                <a:latin typeface="Oswald"/>
+                <a:ea typeface="Oswald"/>
+                <a:cs typeface="Oswald"/>
+                <a:sym typeface="Oswald"/>
+              </a:rPr>
+              <a:t>with</a:t>
+            </a:r>
+            <a:r>
+              <a:rPr lang="fr-FR" sz="2000" dirty="0">
+                <a:latin typeface="Oswald"/>
+                <a:ea typeface="Oswald"/>
+                <a:cs typeface="Oswald"/>
+                <a:sym typeface="Oswald"/>
+              </a:rPr>
+              <a:t> </a:t>
+            </a:r>
+            <a:r>
+              <a:rPr lang="fr-FR" sz="2000" dirty="0" err="1">
+                <a:latin typeface="Oswald"/>
+                <a:ea typeface="Oswald"/>
+                <a:cs typeface="Oswald"/>
+                <a:sym typeface="Oswald"/>
+              </a:rPr>
+              <a:t>many</a:t>
+            </a:r>
+            <a:r>
+              <a:rPr lang="fr-FR" sz="2000" dirty="0">
+                <a:latin typeface="Oswald"/>
+                <a:ea typeface="Oswald"/>
+                <a:cs typeface="Oswald"/>
+                <a:sym typeface="Oswald"/>
+              </a:rPr>
+              <a:t> test &amp; recode </a:t>
+            </a:r>
+            <a:r>
+              <a:rPr lang="fr-FR" sz="2000" dirty="0" err="1">
+                <a:latin typeface="Oswald"/>
+                <a:ea typeface="Oswald"/>
+                <a:cs typeface="Oswald"/>
+                <a:sym typeface="Oswald"/>
+              </a:rPr>
+              <a:t>iterations</a:t>
+            </a:r>
+            <a:endParaRPr sz="2000" dirty="0">
               <a:latin typeface="Oswald"/>
               <a:ea typeface="Oswald"/>
               <a:cs typeface="Oswald"/>
@@ -7518,7 +8078,7 @@
             </a:endParaRPr>
           </a:p>
           <a:p>
-            <a:pPr indent="-355600" lvl="0" marL="457200" rtl="0" algn="l">
+            <a:pPr marL="457200" lvl="0" indent="-355600" algn="l" rtl="0">
               <a:spcBef>
                 <a:spcPts val="0"/>
               </a:spcBef>
@@ -7530,15 +8090,15 @@
               <a:buChar char="●"/>
             </a:pPr>
             <a:r>
-              <a:rPr lang="en" sz="2000">
+              <a:rPr lang="en" sz="2000" dirty="0">
                 <a:latin typeface="Oswald"/>
                 <a:ea typeface="Oswald"/>
                 <a:cs typeface="Oswald"/>
                 <a:sym typeface="Oswald"/>
               </a:rPr>
-              <a:t>Presentation preparation</a:t>
+              <a:t>Present the game to the class</a:t>
             </a:r>
-            <a:endParaRPr sz="2000">
+            <a:endParaRPr sz="2000" dirty="0">
               <a:latin typeface="Oswald"/>
               <a:ea typeface="Oswald"/>
               <a:cs typeface="Oswald"/>
@@ -7584,11 +8144,11 @@
 </file>
 
 <file path=ppt/slides/slide4.xml><?xml version="1.0" encoding="utf-8"?>
-<p:sld xmlns:a="http://schemas.openxmlformats.org/drawingml/2006/main" xmlns:r="http://schemas.openxmlformats.org/officeDocument/2006/relationships" xmlns:mc="http://schemas.openxmlformats.org/markup-compatibility/2006" xmlns:mv="urn:schemas-microsoft-com:mac:vml" xmlns:p="http://schemas.openxmlformats.org/presentationml/2006/main" xmlns:c="http://schemas.openxmlformats.org/drawingml/2006/chart" xmlns:dgm="http://schemas.openxmlformats.org/drawingml/2006/diagram" xmlns:o="urn:schemas-microsoft-com:office:office" xmlns:v="urn:schemas-microsoft-com:vml" xmlns:pvml="urn:schemas-microsoft-com:office:powerpoint" xmlns:com="http://schemas.openxmlformats.org/drawingml/2006/compatibility" xmlns:p14="http://schemas.microsoft.com/office/powerpoint/2010/main" xmlns:p15="http://schemas.microsoft.com/office/powerpoint/2012/main" xmlns:ahyp="http://schemas.microsoft.com/office/drawing/2018/hyperlinkcolor">
+<p:sld xmlns:a="http://schemas.openxmlformats.org/drawingml/2006/main" xmlns:r="http://schemas.openxmlformats.org/officeDocument/2006/relationships" xmlns:p="http://schemas.openxmlformats.org/presentationml/2006/main">
   <p:cSld>
     <p:spTree>
       <p:nvGrpSpPr>
-        <p:cNvPr id="79" name="Shape 79"/>
+        <p:cNvPr id="1" name="Shape 79"/>
         <p:cNvGrpSpPr/>
         <p:nvPr/>
       </p:nvGrpSpPr>
@@ -7603,7 +8163,9 @@
       <p:sp>
         <p:nvSpPr>
           <p:cNvPr id="80" name="Google Shape;80;p16"/>
-          <p:cNvSpPr txBox="1"/>
+          <p:cNvSpPr txBox="1">
+            <a:spLocks noGrp="1"/>
+          </p:cNvSpPr>
           <p:nvPr>
             <p:ph type="title"/>
           </p:nvPr>
@@ -7618,12 +8180,12 @@
           </a:prstGeom>
         </p:spPr>
         <p:txBody>
-          <a:bodyPr anchorCtr="0" anchor="t" bIns="91425" lIns="91425" spcFirstLastPara="1" rIns="91425" wrap="square" tIns="91425">
+          <a:bodyPr spcFirstLastPara="1" wrap="square" lIns="91425" tIns="91425" rIns="91425" bIns="91425" anchor="t" anchorCtr="0">
             <a:normAutofit fontScale="90000"/>
           </a:bodyPr>
           <a:lstStyle/>
           <a:p>
-            <a:pPr indent="0" lvl="0" marL="0" rtl="0" algn="l">
+            <a:pPr marL="0" lvl="0" indent="0" algn="l" rtl="0">
               <a:spcBef>
                 <a:spcPts val="0"/>
               </a:spcBef>
@@ -7649,7 +8211,7 @@
             </a:endParaRPr>
           </a:p>
           <a:p>
-            <a:pPr indent="0" lvl="0" marL="0" rtl="0" algn="l">
+            <a:pPr marL="0" lvl="0" indent="0" algn="l" rtl="0">
               <a:spcBef>
                 <a:spcPts val="0"/>
               </a:spcBef>
@@ -7675,7 +8237,7 @@
             </a:endParaRPr>
           </a:p>
           <a:p>
-            <a:pPr indent="0" lvl="0" marL="0" rtl="0" algn="l">
+            <a:pPr marL="0" lvl="0" indent="0" algn="l" rtl="0">
               <a:spcBef>
                 <a:spcPts val="0"/>
               </a:spcBef>
@@ -7701,7 +8263,7 @@
             </a:endParaRPr>
           </a:p>
           <a:p>
-            <a:pPr indent="0" lvl="0" marL="0" rtl="0" algn="l">
+            <a:pPr marL="0" lvl="0" indent="0" algn="l" rtl="0">
               <a:spcBef>
                 <a:spcPts val="0"/>
               </a:spcBef>
@@ -7793,11 +8355,11 @@
 </file>
 
 <file path=ppt/slides/slide5.xml><?xml version="1.0" encoding="utf-8"?>
-<p:sld xmlns:a="http://schemas.openxmlformats.org/drawingml/2006/main" xmlns:r="http://schemas.openxmlformats.org/officeDocument/2006/relationships" xmlns:mc="http://schemas.openxmlformats.org/markup-compatibility/2006" xmlns:mv="urn:schemas-microsoft-com:mac:vml" xmlns:p="http://schemas.openxmlformats.org/presentationml/2006/main" xmlns:c="http://schemas.openxmlformats.org/drawingml/2006/chart" xmlns:dgm="http://schemas.openxmlformats.org/drawingml/2006/diagram" xmlns:o="urn:schemas-microsoft-com:office:office" xmlns:v="urn:schemas-microsoft-com:vml" xmlns:pvml="urn:schemas-microsoft-com:office:powerpoint" xmlns:com="http://schemas.openxmlformats.org/drawingml/2006/compatibility" xmlns:p14="http://schemas.microsoft.com/office/powerpoint/2010/main" xmlns:p15="http://schemas.microsoft.com/office/powerpoint/2012/main" xmlns:ahyp="http://schemas.microsoft.com/office/drawing/2018/hyperlinkcolor">
+<p:sld xmlns:a="http://schemas.openxmlformats.org/drawingml/2006/main" xmlns:r="http://schemas.openxmlformats.org/officeDocument/2006/relationships" xmlns:p="http://schemas.openxmlformats.org/presentationml/2006/main">
   <p:cSld>
     <p:spTree>
       <p:nvGrpSpPr>
-        <p:cNvPr id="86" name="Shape 86"/>
+        <p:cNvPr id="1" name="Shape 86"/>
         <p:cNvGrpSpPr/>
         <p:nvPr/>
       </p:nvGrpSpPr>
@@ -7812,7 +8374,9 @@
       <p:sp>
         <p:nvSpPr>
           <p:cNvPr id="87" name="Google Shape;87;p17"/>
-          <p:cNvSpPr txBox="1"/>
+          <p:cNvSpPr txBox="1">
+            <a:spLocks noGrp="1"/>
+          </p:cNvSpPr>
           <p:nvPr>
             <p:ph type="title"/>
           </p:nvPr>
@@ -7827,12 +8391,12 @@
           </a:prstGeom>
         </p:spPr>
         <p:txBody>
-          <a:bodyPr anchorCtr="0" anchor="t" bIns="91425" lIns="91425" spcFirstLastPara="1" rIns="91425" wrap="square" tIns="91425">
+          <a:bodyPr spcFirstLastPara="1" wrap="square" lIns="91425" tIns="91425" rIns="91425" bIns="91425" anchor="t" anchorCtr="0">
             <a:normAutofit fontScale="90000"/>
           </a:bodyPr>
           <a:lstStyle/>
           <a:p>
-            <a:pPr indent="0" lvl="0" marL="0" rtl="0" algn="l">
+            <a:pPr marL="0" lvl="0" indent="0" algn="l" rtl="0">
               <a:spcBef>
                 <a:spcPts val="0"/>
               </a:spcBef>
@@ -7862,9 +8426,11 @@
       <p:sp>
         <p:nvSpPr>
           <p:cNvPr id="88" name="Google Shape;88;p17"/>
-          <p:cNvSpPr txBox="1"/>
+          <p:cNvSpPr txBox="1">
+            <a:spLocks noGrp="1"/>
+          </p:cNvSpPr>
           <p:nvPr>
-            <p:ph idx="1" type="body"/>
+            <p:ph type="body" idx="1"/>
           </p:nvPr>
         </p:nvSpPr>
         <p:spPr>
@@ -7877,12 +8443,12 @@
           </a:prstGeom>
         </p:spPr>
         <p:txBody>
-          <a:bodyPr anchorCtr="0" anchor="t" bIns="91425" lIns="91425" spcFirstLastPara="1" rIns="91425" wrap="square" tIns="91425">
+          <a:bodyPr spcFirstLastPara="1" wrap="square" lIns="91425" tIns="91425" rIns="91425" bIns="91425" anchor="t" anchorCtr="0">
             <a:normAutofit/>
           </a:bodyPr>
           <a:lstStyle/>
           <a:p>
-            <a:pPr indent="-355600" lvl="0" marL="457200" rtl="0" algn="l">
+            <a:pPr marL="457200" lvl="0" indent="-355600" algn="l" rtl="0">
               <a:spcBef>
                 <a:spcPts val="0"/>
               </a:spcBef>
@@ -7894,7 +8460,7 @@
               <a:buChar char="●"/>
             </a:pPr>
             <a:r>
-              <a:rPr lang="en" sz="2000">
+              <a:rPr lang="en" sz="2000" dirty="0">
                 <a:latin typeface="Oswald"/>
                 <a:ea typeface="Oswald"/>
                 <a:cs typeface="Oswald"/>
@@ -7902,7 +8468,7 @@
               </a:rPr>
               <a:t>Tight schedule</a:t>
             </a:r>
-            <a:endParaRPr sz="2000">
+            <a:endParaRPr sz="2000" dirty="0">
               <a:latin typeface="Oswald"/>
               <a:ea typeface="Oswald"/>
               <a:cs typeface="Oswald"/>
@@ -7910,7 +8476,7 @@
             </a:endParaRPr>
           </a:p>
           <a:p>
-            <a:pPr indent="-355600" lvl="0" marL="457200" rtl="0" algn="l">
+            <a:pPr marL="457200" lvl="0" indent="-355600" algn="l" rtl="0">
               <a:spcBef>
                 <a:spcPts val="0"/>
               </a:spcBef>
@@ -7922,7 +8488,7 @@
               <a:buChar char="●"/>
             </a:pPr>
             <a:r>
-              <a:rPr lang="en" sz="2000">
+              <a:rPr lang="en" sz="2000" dirty="0">
                 <a:latin typeface="Oswald"/>
                 <a:ea typeface="Oswald"/>
                 <a:cs typeface="Oswald"/>
@@ -7930,7 +8496,7 @@
               </a:rPr>
               <a:t>Complex conditions involving 2 players</a:t>
             </a:r>
-            <a:endParaRPr sz="2000">
+            <a:endParaRPr sz="2000" dirty="0">
               <a:latin typeface="Oswald"/>
               <a:ea typeface="Oswald"/>
               <a:cs typeface="Oswald"/>
@@ -7938,7 +8504,7 @@
             </a:endParaRPr>
           </a:p>
           <a:p>
-            <a:pPr indent="-355600" lvl="0" marL="457200" rtl="0" algn="l">
+            <a:pPr marL="457200" lvl="0" indent="-355600" algn="l" rtl="0">
               <a:spcBef>
                 <a:spcPts val="0"/>
               </a:spcBef>
@@ -7950,15 +8516,37 @@
               <a:buChar char="●"/>
             </a:pPr>
             <a:r>
-              <a:rPr lang="en" sz="2000">
+              <a:rPr lang="en" sz="2000" dirty="0">
                 <a:latin typeface="Oswald"/>
                 <a:ea typeface="Oswald"/>
                 <a:cs typeface="Oswald"/>
                 <a:sym typeface="Oswald"/>
               </a:rPr>
-              <a:t>Converting int to A-Z on a grid</a:t>
+              <a:t>Convert user-friendly coordinates into grid coordinates</a:t>
             </a:r>
-            <a:endParaRPr sz="2000">
+          </a:p>
+          <a:p>
+            <a:pPr marL="457200" lvl="0" indent="-355600" algn="l" rtl="0">
+              <a:spcBef>
+                <a:spcPts val="0"/>
+              </a:spcBef>
+              <a:spcAft>
+                <a:spcPts val="0"/>
+              </a:spcAft>
+              <a:buSzPts val="2000"/>
+              <a:buFont typeface="Oswald"/>
+              <a:buChar char="●"/>
+            </a:pPr>
+            <a:r>
+              <a:rPr lang="en" sz="2000" dirty="0">
+                <a:latin typeface="Oswald"/>
+                <a:ea typeface="Oswald"/>
+                <a:cs typeface="Oswald"/>
+                <a:sym typeface="Oswald"/>
+              </a:rPr>
+              <a:t>Coding logic thinking</a:t>
+            </a:r>
+            <a:endParaRPr sz="2000" dirty="0">
               <a:latin typeface="Oswald"/>
               <a:ea typeface="Oswald"/>
               <a:cs typeface="Oswald"/>
@@ -7966,7 +8554,7 @@
             </a:endParaRPr>
           </a:p>
           <a:p>
-            <a:pPr indent="-355600" lvl="0" marL="457200" rtl="0" algn="l">
+            <a:pPr marL="457200" lvl="0" indent="-355600" algn="l" rtl="0">
               <a:spcBef>
                 <a:spcPts val="0"/>
               </a:spcBef>
@@ -7978,15 +8566,15 @@
               <a:buChar char="●"/>
             </a:pPr>
             <a:r>
-              <a:rPr lang="en" sz="2000">
+              <a:rPr lang="en" sz="2000" dirty="0">
                 <a:latin typeface="Oswald"/>
                 <a:ea typeface="Oswald"/>
                 <a:cs typeface="Oswald"/>
                 <a:sym typeface="Oswald"/>
               </a:rPr>
-              <a:t>Not enough coding logic thinking (Ting)</a:t>
+              <a:t>Object-oriented programming: very powerful, but complex</a:t>
             </a:r>
-            <a:endParaRPr sz="2000">
+            <a:endParaRPr sz="2000" dirty="0">
               <a:latin typeface="Oswald"/>
               <a:ea typeface="Oswald"/>
               <a:cs typeface="Oswald"/>
@@ -7994,7 +8582,7 @@
             </a:endParaRPr>
           </a:p>
           <a:p>
-            <a:pPr indent="-355600" lvl="0" marL="457200" rtl="0" algn="l">
+            <a:pPr marL="457200" lvl="0" indent="-355600" algn="l" rtl="0">
               <a:spcBef>
                 <a:spcPts val="0"/>
               </a:spcBef>
@@ -8006,43 +8594,15 @@
               <a:buChar char="●"/>
             </a:pPr>
             <a:r>
-              <a:rPr lang="en" sz="2000">
+              <a:rPr lang="en" sz="2000" dirty="0">
                 <a:latin typeface="Oswald"/>
                 <a:ea typeface="Oswald"/>
                 <a:cs typeface="Oswald"/>
                 <a:sym typeface="Oswald"/>
               </a:rPr>
-              <a:t>Object oriented programming</a:t>
+              <a:t>Continuous improvement: it never stops!</a:t>
             </a:r>
-            <a:endParaRPr sz="2000">
-              <a:latin typeface="Oswald"/>
-              <a:ea typeface="Oswald"/>
-              <a:cs typeface="Oswald"/>
-              <a:sym typeface="Oswald"/>
-            </a:endParaRPr>
-          </a:p>
-          <a:p>
-            <a:pPr indent="-355600" lvl="0" marL="457200" rtl="0" algn="l">
-              <a:spcBef>
-                <a:spcPts val="0"/>
-              </a:spcBef>
-              <a:spcAft>
-                <a:spcPts val="0"/>
-              </a:spcAft>
-              <a:buSzPts val="2000"/>
-              <a:buFont typeface="Oswald"/>
-              <a:buChar char="●"/>
-            </a:pPr>
-            <a:r>
-              <a:rPr lang="en" sz="2000">
-                <a:latin typeface="Oswald"/>
-                <a:ea typeface="Oswald"/>
-                <a:cs typeface="Oswald"/>
-                <a:sym typeface="Oswald"/>
-              </a:rPr>
-              <a:t>Continuous improvement never stops</a:t>
-            </a:r>
-            <a:endParaRPr sz="2000">
+            <a:endParaRPr sz="2000" dirty="0">
               <a:latin typeface="Oswald"/>
               <a:ea typeface="Oswald"/>
               <a:cs typeface="Oswald"/>
@@ -8088,11 +8648,11 @@
 </file>
 
 <file path=ppt/slides/slide6.xml><?xml version="1.0" encoding="utf-8"?>
-<p:sld xmlns:a="http://schemas.openxmlformats.org/drawingml/2006/main" xmlns:r="http://schemas.openxmlformats.org/officeDocument/2006/relationships" xmlns:mc="http://schemas.openxmlformats.org/markup-compatibility/2006" xmlns:mv="urn:schemas-microsoft-com:mac:vml" xmlns:p="http://schemas.openxmlformats.org/presentationml/2006/main" xmlns:c="http://schemas.openxmlformats.org/drawingml/2006/chart" xmlns:dgm="http://schemas.openxmlformats.org/drawingml/2006/diagram" xmlns:o="urn:schemas-microsoft-com:office:office" xmlns:v="urn:schemas-microsoft-com:vml" xmlns:pvml="urn:schemas-microsoft-com:office:powerpoint" xmlns:com="http://schemas.openxmlformats.org/drawingml/2006/compatibility" xmlns:p14="http://schemas.microsoft.com/office/powerpoint/2010/main" xmlns:p15="http://schemas.microsoft.com/office/powerpoint/2012/main" xmlns:ahyp="http://schemas.microsoft.com/office/drawing/2018/hyperlinkcolor">
+<p:sld xmlns:a="http://schemas.openxmlformats.org/drawingml/2006/main" xmlns:r="http://schemas.openxmlformats.org/officeDocument/2006/relationships" xmlns:p="http://schemas.openxmlformats.org/presentationml/2006/main">
   <p:cSld>
     <p:spTree>
       <p:nvGrpSpPr>
-        <p:cNvPr id="93" name="Shape 93"/>
+        <p:cNvPr id="1" name="Shape 93"/>
         <p:cNvGrpSpPr/>
         <p:nvPr/>
       </p:nvGrpSpPr>
@@ -8107,7 +8667,9 @@
       <p:sp>
         <p:nvSpPr>
           <p:cNvPr id="94" name="Google Shape;94;p18"/>
-          <p:cNvSpPr txBox="1"/>
+          <p:cNvSpPr txBox="1">
+            <a:spLocks noGrp="1"/>
+          </p:cNvSpPr>
           <p:nvPr>
             <p:ph type="title"/>
           </p:nvPr>
@@ -8122,12 +8684,12 @@
           </a:prstGeom>
         </p:spPr>
         <p:txBody>
-          <a:bodyPr anchorCtr="0" anchor="t" bIns="91425" lIns="91425" spcFirstLastPara="1" rIns="91425" wrap="square" tIns="91425">
+          <a:bodyPr spcFirstLastPara="1" wrap="square" lIns="91425" tIns="91425" rIns="91425" bIns="91425" anchor="t" anchorCtr="0">
             <a:noAutofit/>
           </a:bodyPr>
           <a:lstStyle/>
           <a:p>
-            <a:pPr indent="0" lvl="0" marL="0" rtl="0" algn="l">
+            <a:pPr marL="0" lvl="0" indent="0" algn="l" rtl="0">
               <a:spcBef>
                 <a:spcPts val="0"/>
               </a:spcBef>
@@ -8192,11 +8754,11 @@
 </file>
 
 <file path=ppt/slides/slide7.xml><?xml version="1.0" encoding="utf-8"?>
-<p:sld xmlns:a="http://schemas.openxmlformats.org/drawingml/2006/main" xmlns:r="http://schemas.openxmlformats.org/officeDocument/2006/relationships" xmlns:mc="http://schemas.openxmlformats.org/markup-compatibility/2006" xmlns:mv="urn:schemas-microsoft-com:mac:vml" xmlns:p="http://schemas.openxmlformats.org/presentationml/2006/main" xmlns:c="http://schemas.openxmlformats.org/drawingml/2006/chart" xmlns:dgm="http://schemas.openxmlformats.org/drawingml/2006/diagram" xmlns:o="urn:schemas-microsoft-com:office:office" xmlns:v="urn:schemas-microsoft-com:vml" xmlns:pvml="urn:schemas-microsoft-com:office:powerpoint" xmlns:com="http://schemas.openxmlformats.org/drawingml/2006/compatibility" xmlns:p14="http://schemas.microsoft.com/office/powerpoint/2010/main" xmlns:p15="http://schemas.microsoft.com/office/powerpoint/2012/main" xmlns:ahyp="http://schemas.microsoft.com/office/drawing/2018/hyperlinkcolor">
+<p:sld xmlns:a="http://schemas.openxmlformats.org/drawingml/2006/main" xmlns:r="http://schemas.openxmlformats.org/officeDocument/2006/relationships" xmlns:p="http://schemas.openxmlformats.org/presentationml/2006/main">
   <p:cSld>
     <p:spTree>
       <p:nvGrpSpPr>
-        <p:cNvPr id="99" name="Shape 99"/>
+        <p:cNvPr id="1" name="Shape 99"/>
         <p:cNvGrpSpPr/>
         <p:nvPr/>
       </p:nvGrpSpPr>
@@ -8284,12 +8846,12 @@
           </a:ln>
         </p:spPr>
         <p:txBody>
-          <a:bodyPr anchorCtr="0" anchor="t" bIns="91425" lIns="91425" spcFirstLastPara="1" rIns="91425" wrap="square" tIns="91425">
+          <a:bodyPr spcFirstLastPara="1" wrap="square" lIns="91425" tIns="91425" rIns="91425" bIns="91425" anchor="t" anchorCtr="0">
             <a:spAutoFit/>
           </a:bodyPr>
           <a:lstStyle/>
           <a:p>
-            <a:pPr indent="0" lvl="0" marL="0" rtl="0" algn="l">
+            <a:pPr marL="0" lvl="0" indent="0" algn="l" rtl="0">
               <a:spcBef>
                 <a:spcPts val="0"/>
               </a:spcBef>
@@ -8325,7 +8887,288 @@
 </file>
 
 <file path=ppt/theme/theme1.xml><?xml version="1.0" encoding="utf-8"?>
-<a:theme xmlns:a="http://schemas.openxmlformats.org/drawingml/2006/main" xmlns:r="http://schemas.openxmlformats.org/officeDocument/2006/relationships">
+<a:theme xmlns:a="http://schemas.openxmlformats.org/drawingml/2006/main" name="Paperback">
+  <a:themeElements>
+    <a:clrScheme name="Paperback">
+      <a:dk1>
+        <a:srgbClr val="000000"/>
+      </a:dk1>
+      <a:lt1>
+        <a:srgbClr val="FFFFFF"/>
+      </a:lt1>
+      <a:dk2>
+        <a:srgbClr val="00695C"/>
+      </a:dk2>
+      <a:lt2>
+        <a:srgbClr val="26A69A"/>
+      </a:lt2>
+      <a:accent1>
+        <a:srgbClr val="FFFBF0"/>
+      </a:accent1>
+      <a:accent2>
+        <a:srgbClr val="B7B7B7"/>
+      </a:accent2>
+      <a:accent3>
+        <a:srgbClr val="FB8C00"/>
+      </a:accent3>
+      <a:accent4>
+        <a:srgbClr val="80CBC4"/>
+      </a:accent4>
+      <a:accent5>
+        <a:srgbClr val="AF4345"/>
+      </a:accent5>
+      <a:accent6>
+        <a:srgbClr val="F58F8F"/>
+      </a:accent6>
+      <a:hlink>
+        <a:srgbClr val="AF4345"/>
+      </a:hlink>
+      <a:folHlink>
+        <a:srgbClr val="AF4345"/>
+      </a:folHlink>
+    </a:clrScheme>
+    <a:fontScheme name="Office">
+      <a:majorFont>
+        <a:latin typeface="Arial"/>
+        <a:ea typeface=""/>
+        <a:cs typeface=""/>
+        <a:font script="Jpan" typeface="ＭＳ Ｐゴシック"/>
+        <a:font script="Hang" typeface="맑은 고딕"/>
+        <a:font script="Hans" typeface="宋体"/>
+        <a:font script="Hant" typeface="新細明體"/>
+        <a:font script="Arab" typeface="Times New Roman"/>
+        <a:font script="Hebr" typeface="Times New Roman"/>
+        <a:font script="Thai" typeface="Angsana New"/>
+        <a:font script="Ethi" typeface="Nyala"/>
+        <a:font script="Beng" typeface="Vrinda"/>
+        <a:font script="Gujr" typeface="Shruti"/>
+        <a:font script="Khmr" typeface="MoolBoran"/>
+        <a:font script="Knda" typeface="Tunga"/>
+        <a:font script="Guru" typeface="Raavi"/>
+        <a:font script="Cans" typeface="Euphemia"/>
+        <a:font script="Cher" typeface="Plantagenet Cherokee"/>
+        <a:font script="Yiii" typeface="Microsoft Yi Baiti"/>
+        <a:font script="Tibt" typeface="Microsoft Himalaya"/>
+        <a:font script="Thaa" typeface="MV Boli"/>
+        <a:font script="Deva" typeface="Mangal"/>
+        <a:font script="Telu" typeface="Gautami"/>
+        <a:font script="Taml" typeface="Latha"/>
+        <a:font script="Syrc" typeface="Estrangelo Edessa"/>
+        <a:font script="Orya" typeface="Kalinga"/>
+        <a:font script="Mlym" typeface="Kartika"/>
+        <a:font script="Laoo" typeface="DokChampa"/>
+        <a:font script="Sinh" typeface="Iskoola Pota"/>
+        <a:font script="Mong" typeface="Mongolian Baiti"/>
+        <a:font script="Viet" typeface="Times New Roman"/>
+        <a:font script="Uigh" typeface="Microsoft Uighur"/>
+        <a:font script="Geor" typeface="Sylfaen"/>
+      </a:majorFont>
+      <a:minorFont>
+        <a:latin typeface="Arial"/>
+        <a:ea typeface=""/>
+        <a:cs typeface=""/>
+        <a:font script="Jpan" typeface="ＭＳ Ｐゴシック"/>
+        <a:font script="Hang" typeface="맑은 고딕"/>
+        <a:font script="Hans" typeface="宋体"/>
+        <a:font script="Hant" typeface="新細明體"/>
+        <a:font script="Arab" typeface="Arial"/>
+        <a:font script="Hebr" typeface="Arial"/>
+        <a:font script="Thai" typeface="Cordia New"/>
+        <a:font script="Ethi" typeface="Nyala"/>
+        <a:font script="Beng" typeface="Vrinda"/>
+        <a:font script="Gujr" typeface="Shruti"/>
+        <a:font script="Khmr" typeface="DaunPenh"/>
+        <a:font script="Knda" typeface="Tunga"/>
+        <a:font script="Guru" typeface="Raavi"/>
+        <a:font script="Cans" typeface="Euphemia"/>
+        <a:font script="Cher" typeface="Plantagenet Cherokee"/>
+        <a:font script="Yiii" typeface="Microsoft Yi Baiti"/>
+        <a:font script="Tibt" typeface="Microsoft Himalaya"/>
+        <a:font script="Thaa" typeface="MV Boli"/>
+        <a:font script="Deva" typeface="Mangal"/>
+        <a:font script="Telu" typeface="Gautami"/>
+        <a:font script="Taml" typeface="Latha"/>
+        <a:font script="Syrc" typeface="Estrangelo Edessa"/>
+        <a:font script="Orya" typeface="Kalinga"/>
+        <a:font script="Mlym" typeface="Kartika"/>
+        <a:font script="Laoo" typeface="DokChampa"/>
+        <a:font script="Sinh" typeface="Iskoola Pota"/>
+        <a:font script="Mong" typeface="Mongolian Baiti"/>
+        <a:font script="Viet" typeface="Arial"/>
+        <a:font script="Uigh" typeface="Microsoft Uighur"/>
+        <a:font script="Geor" typeface="Sylfaen"/>
+      </a:minorFont>
+    </a:fontScheme>
+    <a:fmtScheme name="Office">
+      <a:fillStyleLst>
+        <a:solidFill>
+          <a:schemeClr val="phClr"/>
+        </a:solidFill>
+        <a:gradFill rotWithShape="1">
+          <a:gsLst>
+            <a:gs pos="0">
+              <a:schemeClr val="phClr">
+                <a:tint val="50000"/>
+                <a:satMod val="300000"/>
+              </a:schemeClr>
+            </a:gs>
+            <a:gs pos="35000">
+              <a:schemeClr val="phClr">
+                <a:tint val="37000"/>
+                <a:satMod val="300000"/>
+              </a:schemeClr>
+            </a:gs>
+            <a:gs pos="100000">
+              <a:schemeClr val="phClr">
+                <a:tint val="15000"/>
+                <a:satMod val="350000"/>
+              </a:schemeClr>
+            </a:gs>
+          </a:gsLst>
+          <a:lin ang="16200000" scaled="1"/>
+        </a:gradFill>
+        <a:gradFill rotWithShape="1">
+          <a:gsLst>
+            <a:gs pos="0">
+              <a:schemeClr val="phClr">
+                <a:tint val="100000"/>
+                <a:shade val="100000"/>
+                <a:satMod val="130000"/>
+              </a:schemeClr>
+            </a:gs>
+            <a:gs pos="100000">
+              <a:schemeClr val="phClr">
+                <a:tint val="50000"/>
+                <a:shade val="100000"/>
+                <a:satMod val="350000"/>
+              </a:schemeClr>
+            </a:gs>
+          </a:gsLst>
+          <a:lin ang="16200000" scaled="0"/>
+        </a:gradFill>
+      </a:fillStyleLst>
+      <a:lnStyleLst>
+        <a:ln w="9525" cap="flat" cmpd="sng" algn="ctr">
+          <a:solidFill>
+            <a:schemeClr val="phClr">
+              <a:shade val="95000"/>
+              <a:satMod val="105000"/>
+            </a:schemeClr>
+          </a:solidFill>
+          <a:prstDash val="solid"/>
+        </a:ln>
+        <a:ln w="25400" cap="flat" cmpd="sng" algn="ctr">
+          <a:solidFill>
+            <a:schemeClr val="phClr"/>
+          </a:solidFill>
+          <a:prstDash val="solid"/>
+        </a:ln>
+        <a:ln w="38100" cap="flat" cmpd="sng" algn="ctr">
+          <a:solidFill>
+            <a:schemeClr val="phClr"/>
+          </a:solidFill>
+          <a:prstDash val="solid"/>
+        </a:ln>
+      </a:lnStyleLst>
+      <a:effectStyleLst>
+        <a:effectStyle>
+          <a:effectLst>
+            <a:outerShdw blurRad="40000" dist="20000" dir="5400000" rotWithShape="0">
+              <a:srgbClr val="000000">
+                <a:alpha val="38000"/>
+              </a:srgbClr>
+            </a:outerShdw>
+          </a:effectLst>
+        </a:effectStyle>
+        <a:effectStyle>
+          <a:effectLst>
+            <a:outerShdw blurRad="40000" dist="23000" dir="5400000" rotWithShape="0">
+              <a:srgbClr val="000000">
+                <a:alpha val="35000"/>
+              </a:srgbClr>
+            </a:outerShdw>
+          </a:effectLst>
+        </a:effectStyle>
+        <a:effectStyle>
+          <a:effectLst>
+            <a:outerShdw blurRad="40000" dist="23000" dir="5400000" rotWithShape="0">
+              <a:srgbClr val="000000">
+                <a:alpha val="35000"/>
+              </a:srgbClr>
+            </a:outerShdw>
+          </a:effectLst>
+          <a:scene3d>
+            <a:camera prst="orthographicFront">
+              <a:rot lat="0" lon="0" rev="0"/>
+            </a:camera>
+            <a:lightRig rig="threePt" dir="t">
+              <a:rot lat="0" lon="0" rev="1200000"/>
+            </a:lightRig>
+          </a:scene3d>
+          <a:sp3d>
+            <a:bevelT w="63500" h="25400"/>
+          </a:sp3d>
+        </a:effectStyle>
+      </a:effectStyleLst>
+      <a:bgFillStyleLst>
+        <a:solidFill>
+          <a:schemeClr val="phClr"/>
+        </a:solidFill>
+        <a:gradFill rotWithShape="1">
+          <a:gsLst>
+            <a:gs pos="0">
+              <a:schemeClr val="phClr">
+                <a:tint val="40000"/>
+                <a:satMod val="350000"/>
+              </a:schemeClr>
+            </a:gs>
+            <a:gs pos="40000">
+              <a:schemeClr val="phClr">
+                <a:tint val="45000"/>
+                <a:shade val="99000"/>
+                <a:satMod val="350000"/>
+              </a:schemeClr>
+            </a:gs>
+            <a:gs pos="100000">
+              <a:schemeClr val="phClr">
+                <a:shade val="20000"/>
+                <a:satMod val="255000"/>
+              </a:schemeClr>
+            </a:gs>
+          </a:gsLst>
+          <a:path path="circle">
+            <a:fillToRect l="50000" t="-80000" r="50000" b="180000"/>
+          </a:path>
+        </a:gradFill>
+        <a:gradFill rotWithShape="1">
+          <a:gsLst>
+            <a:gs pos="0">
+              <a:schemeClr val="phClr">
+                <a:tint val="80000"/>
+                <a:satMod val="300000"/>
+              </a:schemeClr>
+            </a:gs>
+            <a:gs pos="100000">
+              <a:schemeClr val="phClr">
+                <a:shade val="30000"/>
+                <a:satMod val="200000"/>
+              </a:schemeClr>
+            </a:gs>
+          </a:gsLst>
+          <a:path path="circle">
+            <a:fillToRect l="50000" t="50000" r="50000" b="50000"/>
+          </a:path>
+        </a:gradFill>
+      </a:bgFillStyleLst>
+    </a:fmtScheme>
+  </a:themeElements>
+  <a:objectDefaults/>
+  <a:extraClrSchemeLst/>
+</a:theme>
+</file>
+
+<file path=ppt/theme/theme2.xml><?xml version="1.0" encoding="utf-8"?>
+<a:theme xmlns:a="http://schemas.openxmlformats.org/drawingml/2006/main">
   <a:themeElements>
     <a:clrScheme name="Default">
       <a:dk1>
@@ -8600,284 +9443,7 @@
       </a:bgFillStyleLst>
     </a:fmtScheme>
   </a:themeElements>
-</a:theme>
-</file>
-
-<file path=ppt/theme/theme2.xml><?xml version="1.0" encoding="utf-8"?>
-<a:theme xmlns:a="http://schemas.openxmlformats.org/drawingml/2006/main" xmlns:r="http://schemas.openxmlformats.org/officeDocument/2006/relationships" name="Paperback">
-  <a:themeElements>
-    <a:clrScheme name="Paperback">
-      <a:dk1>
-        <a:srgbClr val="000000"/>
-      </a:dk1>
-      <a:lt1>
-        <a:srgbClr val="FFFFFF"/>
-      </a:lt1>
-      <a:dk2>
-        <a:srgbClr val="00695C"/>
-      </a:dk2>
-      <a:lt2>
-        <a:srgbClr val="26A69A"/>
-      </a:lt2>
-      <a:accent1>
-        <a:srgbClr val="FFFBF0"/>
-      </a:accent1>
-      <a:accent2>
-        <a:srgbClr val="B7B7B7"/>
-      </a:accent2>
-      <a:accent3>
-        <a:srgbClr val="FB8C00"/>
-      </a:accent3>
-      <a:accent4>
-        <a:srgbClr val="80CBC4"/>
-      </a:accent4>
-      <a:accent5>
-        <a:srgbClr val="AF4345"/>
-      </a:accent5>
-      <a:accent6>
-        <a:srgbClr val="F58F8F"/>
-      </a:accent6>
-      <a:hlink>
-        <a:srgbClr val="AF4345"/>
-      </a:hlink>
-      <a:folHlink>
-        <a:srgbClr val="AF4345"/>
-      </a:folHlink>
-    </a:clrScheme>
-    <a:fontScheme name="Office">
-      <a:majorFont>
-        <a:latin typeface="Arial"/>
-        <a:ea typeface=""/>
-        <a:cs typeface=""/>
-        <a:font script="Jpan" typeface="ＭＳ Ｐゴシック"/>
-        <a:font script="Hang" typeface="맑은 고딕"/>
-        <a:font script="Hans" typeface="宋体"/>
-        <a:font script="Hant" typeface="新細明體"/>
-        <a:font script="Arab" typeface="Times New Roman"/>
-        <a:font script="Hebr" typeface="Times New Roman"/>
-        <a:font script="Thai" typeface="Angsana New"/>
-        <a:font script="Ethi" typeface="Nyala"/>
-        <a:font script="Beng" typeface="Vrinda"/>
-        <a:font script="Gujr" typeface="Shruti"/>
-        <a:font script="Khmr" typeface="MoolBoran"/>
-        <a:font script="Knda" typeface="Tunga"/>
-        <a:font script="Guru" typeface="Raavi"/>
-        <a:font script="Cans" typeface="Euphemia"/>
-        <a:font script="Cher" typeface="Plantagenet Cherokee"/>
-        <a:font script="Yiii" typeface="Microsoft Yi Baiti"/>
-        <a:font script="Tibt" typeface="Microsoft Himalaya"/>
-        <a:font script="Thaa" typeface="MV Boli"/>
-        <a:font script="Deva" typeface="Mangal"/>
-        <a:font script="Telu" typeface="Gautami"/>
-        <a:font script="Taml" typeface="Latha"/>
-        <a:font script="Syrc" typeface="Estrangelo Edessa"/>
-        <a:font script="Orya" typeface="Kalinga"/>
-        <a:font script="Mlym" typeface="Kartika"/>
-        <a:font script="Laoo" typeface="DokChampa"/>
-        <a:font script="Sinh" typeface="Iskoola Pota"/>
-        <a:font script="Mong" typeface="Mongolian Baiti"/>
-        <a:font script="Viet" typeface="Times New Roman"/>
-        <a:font script="Uigh" typeface="Microsoft Uighur"/>
-        <a:font script="Geor" typeface="Sylfaen"/>
-      </a:majorFont>
-      <a:minorFont>
-        <a:latin typeface="Arial"/>
-        <a:ea typeface=""/>
-        <a:cs typeface=""/>
-        <a:font script="Jpan" typeface="ＭＳ Ｐゴシック"/>
-        <a:font script="Hang" typeface="맑은 고딕"/>
-        <a:font script="Hans" typeface="宋体"/>
-        <a:font script="Hant" typeface="新細明體"/>
-        <a:font script="Arab" typeface="Arial"/>
-        <a:font script="Hebr" typeface="Arial"/>
-        <a:font script="Thai" typeface="Cordia New"/>
-        <a:font script="Ethi" typeface="Nyala"/>
-        <a:font script="Beng" typeface="Vrinda"/>
-        <a:font script="Gujr" typeface="Shruti"/>
-        <a:font script="Khmr" typeface="DaunPenh"/>
-        <a:font script="Knda" typeface="Tunga"/>
-        <a:font script="Guru" typeface="Raavi"/>
-        <a:font script="Cans" typeface="Euphemia"/>
-        <a:font script="Cher" typeface="Plantagenet Cherokee"/>
-        <a:font script="Yiii" typeface="Microsoft Yi Baiti"/>
-        <a:font script="Tibt" typeface="Microsoft Himalaya"/>
-        <a:font script="Thaa" typeface="MV Boli"/>
-        <a:font script="Deva" typeface="Mangal"/>
-        <a:font script="Telu" typeface="Gautami"/>
-        <a:font script="Taml" typeface="Latha"/>
-        <a:font script="Syrc" typeface="Estrangelo Edessa"/>
-        <a:font script="Orya" typeface="Kalinga"/>
-        <a:font script="Mlym" typeface="Kartika"/>
-        <a:font script="Laoo" typeface="DokChampa"/>
-        <a:font script="Sinh" typeface="Iskoola Pota"/>
-        <a:font script="Mong" typeface="Mongolian Baiti"/>
-        <a:font script="Viet" typeface="Arial"/>
-        <a:font script="Uigh" typeface="Microsoft Uighur"/>
-        <a:font script="Geor" typeface="Sylfaen"/>
-      </a:minorFont>
-    </a:fontScheme>
-    <a:fmtScheme name="Office">
-      <a:fillStyleLst>
-        <a:solidFill>
-          <a:schemeClr val="phClr"/>
-        </a:solidFill>
-        <a:gradFill rotWithShape="1">
-          <a:gsLst>
-            <a:gs pos="0">
-              <a:schemeClr val="phClr">
-                <a:tint val="50000"/>
-                <a:satMod val="300000"/>
-              </a:schemeClr>
-            </a:gs>
-            <a:gs pos="35000">
-              <a:schemeClr val="phClr">
-                <a:tint val="37000"/>
-                <a:satMod val="300000"/>
-              </a:schemeClr>
-            </a:gs>
-            <a:gs pos="100000">
-              <a:schemeClr val="phClr">
-                <a:tint val="15000"/>
-                <a:satMod val="350000"/>
-              </a:schemeClr>
-            </a:gs>
-          </a:gsLst>
-          <a:lin ang="16200000" scaled="1"/>
-        </a:gradFill>
-        <a:gradFill rotWithShape="1">
-          <a:gsLst>
-            <a:gs pos="0">
-              <a:schemeClr val="phClr">
-                <a:tint val="100000"/>
-                <a:shade val="100000"/>
-                <a:satMod val="130000"/>
-              </a:schemeClr>
-            </a:gs>
-            <a:gs pos="100000">
-              <a:schemeClr val="phClr">
-                <a:tint val="50000"/>
-                <a:shade val="100000"/>
-                <a:satMod val="350000"/>
-              </a:schemeClr>
-            </a:gs>
-          </a:gsLst>
-          <a:lin ang="16200000" scaled="0"/>
-        </a:gradFill>
-      </a:fillStyleLst>
-      <a:lnStyleLst>
-        <a:ln w="9525" cap="flat" cmpd="sng" algn="ctr">
-          <a:solidFill>
-            <a:schemeClr val="phClr">
-              <a:shade val="95000"/>
-              <a:satMod val="105000"/>
-            </a:schemeClr>
-          </a:solidFill>
-          <a:prstDash val="solid"/>
-        </a:ln>
-        <a:ln w="25400" cap="flat" cmpd="sng" algn="ctr">
-          <a:solidFill>
-            <a:schemeClr val="phClr"/>
-          </a:solidFill>
-          <a:prstDash val="solid"/>
-        </a:ln>
-        <a:ln w="38100" cap="flat" cmpd="sng" algn="ctr">
-          <a:solidFill>
-            <a:schemeClr val="phClr"/>
-          </a:solidFill>
-          <a:prstDash val="solid"/>
-        </a:ln>
-      </a:lnStyleLst>
-      <a:effectStyleLst>
-        <a:effectStyle>
-          <a:effectLst>
-            <a:outerShdw blurRad="40000" dist="20000" dir="5400000" rotWithShape="0">
-              <a:srgbClr val="000000">
-                <a:alpha val="38000"/>
-              </a:srgbClr>
-            </a:outerShdw>
-          </a:effectLst>
-        </a:effectStyle>
-        <a:effectStyle>
-          <a:effectLst>
-            <a:outerShdw blurRad="40000" dist="23000" dir="5400000" rotWithShape="0">
-              <a:srgbClr val="000000">
-                <a:alpha val="35000"/>
-              </a:srgbClr>
-            </a:outerShdw>
-          </a:effectLst>
-        </a:effectStyle>
-        <a:effectStyle>
-          <a:effectLst>
-            <a:outerShdw blurRad="40000" dist="23000" dir="5400000" rotWithShape="0">
-              <a:srgbClr val="000000">
-                <a:alpha val="35000"/>
-              </a:srgbClr>
-            </a:outerShdw>
-          </a:effectLst>
-          <a:scene3d>
-            <a:camera prst="orthographicFront">
-              <a:rot lat="0" lon="0" rev="0"/>
-            </a:camera>
-            <a:lightRig rig="threePt" dir="t">
-              <a:rot lat="0" lon="0" rev="1200000"/>
-            </a:lightRig>
-          </a:scene3d>
-          <a:sp3d>
-            <a:bevelT w="63500" h="25400"/>
-          </a:sp3d>
-        </a:effectStyle>
-      </a:effectStyleLst>
-      <a:bgFillStyleLst>
-        <a:solidFill>
-          <a:schemeClr val="phClr"/>
-        </a:solidFill>
-        <a:gradFill rotWithShape="1">
-          <a:gsLst>
-            <a:gs pos="0">
-              <a:schemeClr val="phClr">
-                <a:tint val="40000"/>
-                <a:satMod val="350000"/>
-              </a:schemeClr>
-            </a:gs>
-            <a:gs pos="40000">
-              <a:schemeClr val="phClr">
-                <a:tint val="45000"/>
-                <a:shade val="99000"/>
-                <a:satMod val="350000"/>
-              </a:schemeClr>
-            </a:gs>
-            <a:gs pos="100000">
-              <a:schemeClr val="phClr">
-                <a:shade val="20000"/>
-                <a:satMod val="255000"/>
-              </a:schemeClr>
-            </a:gs>
-          </a:gsLst>
-          <a:path path="circle">
-            <a:fillToRect l="50000" t="-80000" r="50000" b="180000"/>
-          </a:path>
-        </a:gradFill>
-        <a:gradFill rotWithShape="1">
-          <a:gsLst>
-            <a:gs pos="0">
-              <a:schemeClr val="phClr">
-                <a:tint val="80000"/>
-                <a:satMod val="300000"/>
-              </a:schemeClr>
-            </a:gs>
-            <a:gs pos="100000">
-              <a:schemeClr val="phClr">
-                <a:shade val="30000"/>
-                <a:satMod val="200000"/>
-              </a:schemeClr>
-            </a:gs>
-          </a:gsLst>
-          <a:path path="circle">
-            <a:fillToRect l="50000" t="50000" r="50000" b="50000"/>
-          </a:path>
-        </a:gradFill>
-      </a:bgFillStyleLst>
-    </a:fmtScheme>
-  </a:themeElements>
+  <a:objectDefaults/>
+  <a:extraClrSchemeLst/>
 </a:theme>
 </file>
--- a/Presentation/Battleship game project - Module 1 Eric x Ting.pptx
+++ b/Presentation/Battleship game project - Module 1 Eric x Ting.pptx
@@ -1061,7 +1061,7 @@
         </p:nvSpPr>
         <p:spPr>
           <a:xfrm>
-            <a:off x="381300" y="685800"/>
+            <a:off x="381000" y="685800"/>
             <a:ext cx="6096000" cy="3429000"/>
           </a:xfrm>
           <a:custGeom>
@@ -8320,30 +8320,32 @@
       </p:pic>
       <p:pic>
         <p:nvPicPr>
-          <p:cNvPr id="82" name="Google Shape;82;p16"/>
-          <p:cNvPicPr preferRelativeResize="0"/>
+          <p:cNvPr id="3" name="Image 2">
+            <a:extLst>
+              <a:ext uri="{FF2B5EF4-FFF2-40B4-BE49-F238E27FC236}">
+                <a16:creationId xmlns:a16="http://schemas.microsoft.com/office/drawing/2014/main" id="{F5161DAF-BF02-0047-9A65-1051099C4816}"/>
+              </a:ext>
+            </a:extLst>
+          </p:cNvPr>
+          <p:cNvPicPr>
+            <a:picLocks noChangeAspect="1"/>
+          </p:cNvPicPr>
           <p:nvPr/>
         </p:nvPicPr>
         <p:blipFill>
-          <a:blip r:embed="rId4">
-            <a:alphaModFix/>
-          </a:blip>
+          <a:blip r:embed="rId4"/>
           <a:stretch>
             <a:fillRect/>
           </a:stretch>
         </p:blipFill>
         <p:spPr>
           <a:xfrm>
-            <a:off x="2471550" y="106800"/>
-            <a:ext cx="4502250" cy="4877924"/>
+            <a:off x="1646633" y="0"/>
+            <a:ext cx="5735041" cy="5041794"/>
           </a:xfrm>
           <a:prstGeom prst="rect">
             <a:avLst/>
           </a:prstGeom>
-          <a:noFill/>
-          <a:ln>
-            <a:noFill/>
-          </a:ln>
         </p:spPr>
       </p:pic>
     </p:spTree>
